--- a/Ignite the Tour 2020 London/AzureAdisnotAd/AzureADisnotAD.pptx
+++ b/Ignite the Tour 2020 London/AzureAdisnotAd/AzureADisnotAD.pptx
@@ -7,10 +7,10 @@
     <p:sldMasterId id="2147484872" r:id="rId6"/>
   </p:sldMasterIdLst>
   <p:notesMasterIdLst>
-    <p:notesMasterId r:id="rId18"/>
+    <p:notesMasterId r:id="rId20"/>
   </p:notesMasterIdLst>
   <p:handoutMasterIdLst>
-    <p:handoutMasterId r:id="rId19"/>
+    <p:handoutMasterId r:id="rId21"/>
   </p:handoutMasterIdLst>
   <p:sldIdLst>
     <p:sldId id="1720" r:id="rId7"/>
@@ -19,11 +19,13 @@
     <p:sldId id="1660" r:id="rId10"/>
     <p:sldId id="2042" r:id="rId11"/>
     <p:sldId id="2046" r:id="rId12"/>
-    <p:sldId id="2047" r:id="rId13"/>
-    <p:sldId id="2048" r:id="rId14"/>
-    <p:sldId id="2049" r:id="rId15"/>
-    <p:sldId id="2050" r:id="rId16"/>
-    <p:sldId id="2051" r:id="rId17"/>
+    <p:sldId id="2052" r:id="rId13"/>
+    <p:sldId id="2047" r:id="rId14"/>
+    <p:sldId id="2048" r:id="rId15"/>
+    <p:sldId id="2049" r:id="rId16"/>
+    <p:sldId id="2055" r:id="rId17"/>
+    <p:sldId id="2054" r:id="rId18"/>
+    <p:sldId id="2053" r:id="rId19"/>
   </p:sldIdLst>
   <p:sldSz cx="12192000" cy="6858000"/>
   <p:notesSz cx="6858000" cy="9144000"/>
@@ -133,11 +135,13 @@
             <p14:sldId id="1660"/>
             <p14:sldId id="2042"/>
             <p14:sldId id="2046"/>
+            <p14:sldId id="2052"/>
             <p14:sldId id="2047"/>
             <p14:sldId id="2048"/>
             <p14:sldId id="2049"/>
-            <p14:sldId id="2050"/>
-            <p14:sldId id="2051"/>
+            <p14:sldId id="2055"/>
+            <p14:sldId id="2054"/>
+            <p14:sldId id="2053"/>
           </p14:sldIdLst>
         </p14:section>
         <p14:section name="Light Gray" id="{4B1BBE2A-6D55-4595-AFBA-0E30BE368C15}">
@@ -283,7 +287,7 @@
               <a:rPr lang="en-US" smtClean="0">
                 <a:latin typeface="Segoe UI" pitchFamily="34" charset="0"/>
               </a:rPr>
-              <a:t>1/8/2020 7:39 PM</a:t>
+              <a:t>1/9/2020 8:35 PM</a:t>
             </a:fld>
             <a:endParaRPr lang="en-US" dirty="0">
               <a:latin typeface="Segoe UI" pitchFamily="34" charset="0"/>
@@ -561,7 +565,7 @@
           <a:p>
             <a:fld id="{386CE63F-9E7F-4C04-9D0D-FCA25A8E9E86}" type="datetime8">
               <a:rPr lang="en-US" smtClean="0"/>
-              <a:t>1/8/2020 7:39 PM</a:t>
+              <a:t>1/9/2020 8:35 PM</a:t>
             </a:fld>
             <a:endParaRPr lang="en-US" dirty="0"/>
           </a:p>
@@ -928,7 +932,7 @@
           <a:p>
             <a:fld id="{62072DC8-D49D-432C-9D46-A7718B5F5490}" type="datetime8">
               <a:rPr lang="en-US" smtClean="0"/>
-              <a:t>1/8/2020 7:39 PM</a:t>
+              <a:t>1/9/2020 8:35 PM</a:t>
             </a:fld>
             <a:endParaRPr lang="en-US" dirty="0"/>
           </a:p>
@@ -962,6 +966,171 @@
     <p:extLst>
       <p:ext uri="{BB962C8B-B14F-4D97-AF65-F5344CB8AC3E}">
         <p14:creationId xmlns:p14="http://schemas.microsoft.com/office/powerpoint/2010/main" val="1946009672"/>
+      </p:ext>
+    </p:extLst>
+  </p:cSld>
+  <p:clrMapOvr>
+    <a:masterClrMapping/>
+  </p:clrMapOvr>
+</p:notes>
+</file>
+
+<file path=ppt/notesSlides/notesSlide10.xml><?xml version="1.0" encoding="utf-8"?>
+<p:notes xmlns:a="http://schemas.openxmlformats.org/drawingml/2006/main" xmlns:r="http://schemas.openxmlformats.org/officeDocument/2006/relationships" xmlns:p="http://schemas.openxmlformats.org/presentationml/2006/main">
+  <p:cSld>
+    <p:spTree>
+      <p:nvGrpSpPr>
+        <p:cNvPr id="1" name=""/>
+        <p:cNvGrpSpPr/>
+        <p:nvPr/>
+      </p:nvGrpSpPr>
+      <p:grpSpPr>
+        <a:xfrm>
+          <a:off x="0" y="0"/>
+          <a:ext cx="0" cy="0"/>
+          <a:chOff x="0" y="0"/>
+          <a:chExt cx="0" cy="0"/>
+        </a:xfrm>
+      </p:grpSpPr>
+      <p:sp>
+        <p:nvSpPr>
+          <p:cNvPr id="2" name="Slide Image Placeholder 1"/>
+          <p:cNvSpPr>
+            <a:spLocks noGrp="1" noRot="1" noChangeAspect="1"/>
+          </p:cNvSpPr>
+          <p:nvPr>
+            <p:ph type="sldImg"/>
+          </p:nvPr>
+        </p:nvSpPr>
+        <p:spPr/>
+      </p:sp>
+      <p:sp>
+        <p:nvSpPr>
+          <p:cNvPr id="3" name="Notes Placeholder 2"/>
+          <p:cNvSpPr>
+            <a:spLocks noGrp="1"/>
+          </p:cNvSpPr>
+          <p:nvPr>
+            <p:ph type="body" idx="1"/>
+          </p:nvPr>
+        </p:nvSpPr>
+        <p:spPr/>
+        <p:txBody>
+          <a:bodyPr/>
+          <a:lstStyle/>
+          <a:p>
+            <a:endParaRPr lang="en-US" dirty="0"/>
+          </a:p>
+        </p:txBody>
+      </p:sp>
+      <p:sp>
+        <p:nvSpPr>
+          <p:cNvPr id="4" name="Header Placeholder 3"/>
+          <p:cNvSpPr>
+            <a:spLocks noGrp="1"/>
+          </p:cNvSpPr>
+          <p:nvPr>
+            <p:ph type="hdr" sz="quarter" idx="10"/>
+          </p:nvPr>
+        </p:nvSpPr>
+        <p:spPr/>
+        <p:txBody>
+          <a:bodyPr/>
+          <a:lstStyle/>
+          <a:p>
+            <a:endParaRPr lang="en-US" dirty="0"/>
+          </a:p>
+        </p:txBody>
+      </p:sp>
+      <p:sp>
+        <p:nvSpPr>
+          <p:cNvPr id="5" name="Footer Placeholder 4"/>
+          <p:cNvSpPr>
+            <a:spLocks noGrp="1"/>
+          </p:cNvSpPr>
+          <p:nvPr>
+            <p:ph type="ftr" sz="quarter" idx="11"/>
+          </p:nvPr>
+        </p:nvSpPr>
+        <p:spPr/>
+        <p:txBody>
+          <a:bodyPr/>
+          <a:lstStyle/>
+          <a:p>
+            <a:pPr defTabSz="914099" eaLnBrk="0" hangingPunct="0"/>
+            <a:r>
+              <a:rPr lang="en-US" sz="400" dirty="0">
+                <a:gradFill>
+                  <a:gsLst>
+                    <a:gs pos="0">
+                      <a:prstClr val="black"/>
+                    </a:gs>
+                    <a:gs pos="100000">
+                      <a:prstClr val="black"/>
+                    </a:gs>
+                  </a:gsLst>
+                  <a:lin ang="5400000" scaled="0"/>
+                </a:gradFill>
+                <a:latin typeface="Segoe UI" pitchFamily="34" charset="0"/>
+                <a:ea typeface="Segoe UI" pitchFamily="34" charset="0"/>
+                <a:cs typeface="Segoe UI" pitchFamily="34" charset="0"/>
+              </a:rPr>
+              <a:t>© Microsoft Corporation. All rights reserved. MICROSOFT MAKES NO WARRANTIES, EXPRESS, IMPLIED OR STATUTORY, AS TO THE INFORMATION IN THIS PRESENTATION.</a:t>
+            </a:r>
+          </a:p>
+        </p:txBody>
+      </p:sp>
+      <p:sp>
+        <p:nvSpPr>
+          <p:cNvPr id="6" name="Date Placeholder 5"/>
+          <p:cNvSpPr>
+            <a:spLocks noGrp="1"/>
+          </p:cNvSpPr>
+          <p:nvPr>
+            <p:ph type="dt" idx="12"/>
+          </p:nvPr>
+        </p:nvSpPr>
+        <p:spPr/>
+        <p:txBody>
+          <a:bodyPr/>
+          <a:lstStyle/>
+          <a:p>
+            <a:fld id="{72E0C910-0166-48E0-B8EF-5071277A02A8}" type="datetime8">
+              <a:rPr lang="en-US" smtClean="0"/>
+              <a:t>1/9/2020 8:53 PM</a:t>
+            </a:fld>
+            <a:endParaRPr lang="en-US" dirty="0"/>
+          </a:p>
+        </p:txBody>
+      </p:sp>
+      <p:sp>
+        <p:nvSpPr>
+          <p:cNvPr id="7" name="Slide Number Placeholder 6"/>
+          <p:cNvSpPr>
+            <a:spLocks noGrp="1"/>
+          </p:cNvSpPr>
+          <p:nvPr>
+            <p:ph type="sldNum" sz="quarter" idx="13"/>
+          </p:nvPr>
+        </p:nvSpPr>
+        <p:spPr/>
+        <p:txBody>
+          <a:bodyPr/>
+          <a:lstStyle/>
+          <a:p>
+            <a:fld id="{B4008EB6-D09E-4580-8CD6-DDB14511944F}" type="slidenum">
+              <a:rPr lang="en-US" smtClean="0"/>
+              <a:pPr/>
+              <a:t>12</a:t>
+            </a:fld>
+            <a:endParaRPr lang="en-US" dirty="0"/>
+          </a:p>
+        </p:txBody>
+      </p:sp>
+    </p:spTree>
+    <p:extLst>
+      <p:ext uri="{BB962C8B-B14F-4D97-AF65-F5344CB8AC3E}">
+        <p14:creationId xmlns:p14="http://schemas.microsoft.com/office/powerpoint/2010/main" val="1684642823"/>
       </p:ext>
     </p:extLst>
   </p:cSld>
@@ -1093,7 +1262,7 @@
           <a:p>
             <a:fld id="{72E0C910-0166-48E0-B8EF-5071277A02A8}" type="datetime8">
               <a:rPr lang="en-US" smtClean="0"/>
-              <a:t>1/8/2020 7:50 PM</a:t>
+              <a:t>1/9/2020 8:35 PM</a:t>
             </a:fld>
             <a:endParaRPr lang="en-US" dirty="0"/>
           </a:p>
@@ -1258,7 +1427,7 @@
           <a:p>
             <a:fld id="{72E0C910-0166-48E0-B8EF-5071277A02A8}" type="datetime8">
               <a:rPr lang="en-US" smtClean="0"/>
-              <a:t>1/8/2020 7:55 PM</a:t>
+              <a:t>1/9/2020 8:42 PM</a:t>
             </a:fld>
             <a:endParaRPr lang="en-US" dirty="0"/>
           </a:p>
@@ -1423,7 +1592,7 @@
           <a:p>
             <a:fld id="{72E0C910-0166-48E0-B8EF-5071277A02A8}" type="datetime8">
               <a:rPr lang="en-US" smtClean="0"/>
-              <a:t>1/8/2020 8:27 PM</a:t>
+              <a:t>1/9/2020 8:45 PM</a:t>
             </a:fld>
             <a:endParaRPr lang="en-US" dirty="0"/>
           </a:p>
@@ -1588,7 +1757,7 @@
           <a:p>
             <a:fld id="{72E0C910-0166-48E0-B8EF-5071277A02A8}" type="datetime8">
               <a:rPr lang="en-US" smtClean="0"/>
-              <a:t>1/8/2020 8:42 PM</a:t>
+              <a:t>1/9/2020 8:52 PM</a:t>
             </a:fld>
             <a:endParaRPr lang="en-US" dirty="0"/>
           </a:p>
@@ -1621,7 +1790,7 @@
     </p:spTree>
     <p:extLst>
       <p:ext uri="{BB962C8B-B14F-4D97-AF65-F5344CB8AC3E}">
-        <p14:creationId xmlns:p14="http://schemas.microsoft.com/office/powerpoint/2010/main" val="707188862"/>
+        <p14:creationId xmlns:p14="http://schemas.microsoft.com/office/powerpoint/2010/main" val="3777174242"/>
       </p:ext>
     </p:extLst>
   </p:cSld>
@@ -1753,7 +1922,7 @@
           <a:p>
             <a:fld id="{72E0C910-0166-48E0-B8EF-5071277A02A8}" type="datetime8">
               <a:rPr lang="en-US" smtClean="0"/>
-              <a:t>1/8/2020 8:34 PM</a:t>
+              <a:t>1/9/2020 8:35 PM</a:t>
             </a:fld>
             <a:endParaRPr lang="en-US" dirty="0"/>
           </a:p>
@@ -1786,7 +1955,7 @@
     </p:spTree>
     <p:extLst>
       <p:ext uri="{BB962C8B-B14F-4D97-AF65-F5344CB8AC3E}">
-        <p14:creationId xmlns:p14="http://schemas.microsoft.com/office/powerpoint/2010/main" val="77442350"/>
+        <p14:creationId xmlns:p14="http://schemas.microsoft.com/office/powerpoint/2010/main" val="707188862"/>
       </p:ext>
     </p:extLst>
   </p:cSld>
@@ -1918,7 +2087,7 @@
           <a:p>
             <a:fld id="{72E0C910-0166-48E0-B8EF-5071277A02A8}" type="datetime8">
               <a:rPr lang="en-US" smtClean="0"/>
-              <a:t>1/8/2020 8:37 PM</a:t>
+              <a:t>1/9/2020 8:35 PM</a:t>
             </a:fld>
             <a:endParaRPr lang="en-US" dirty="0"/>
           </a:p>
@@ -1951,7 +2120,7 @@
     </p:spTree>
     <p:extLst>
       <p:ext uri="{BB962C8B-B14F-4D97-AF65-F5344CB8AC3E}">
-        <p14:creationId xmlns:p14="http://schemas.microsoft.com/office/powerpoint/2010/main" val="3111544275"/>
+        <p14:creationId xmlns:p14="http://schemas.microsoft.com/office/powerpoint/2010/main" val="77442350"/>
       </p:ext>
     </p:extLst>
   </p:cSld>
@@ -2083,7 +2252,7 @@
           <a:p>
             <a:fld id="{72E0C910-0166-48E0-B8EF-5071277A02A8}" type="datetime8">
               <a:rPr lang="en-US" smtClean="0"/>
-              <a:t>1/8/2020 8:39 PM</a:t>
+              <a:t>1/9/2020 8:35 PM</a:t>
             </a:fld>
             <a:endParaRPr lang="en-US" dirty="0"/>
           </a:p>
@@ -2116,7 +2285,172 @@
     </p:spTree>
     <p:extLst>
       <p:ext uri="{BB962C8B-B14F-4D97-AF65-F5344CB8AC3E}">
-        <p14:creationId xmlns:p14="http://schemas.microsoft.com/office/powerpoint/2010/main" val="1382867470"/>
+        <p14:creationId xmlns:p14="http://schemas.microsoft.com/office/powerpoint/2010/main" val="3111544275"/>
+      </p:ext>
+    </p:extLst>
+  </p:cSld>
+  <p:clrMapOvr>
+    <a:masterClrMapping/>
+  </p:clrMapOvr>
+</p:notes>
+</file>
+
+<file path=ppt/notesSlides/notesSlide9.xml><?xml version="1.0" encoding="utf-8"?>
+<p:notes xmlns:a="http://schemas.openxmlformats.org/drawingml/2006/main" xmlns:r="http://schemas.openxmlformats.org/officeDocument/2006/relationships" xmlns:p="http://schemas.openxmlformats.org/presentationml/2006/main">
+  <p:cSld>
+    <p:spTree>
+      <p:nvGrpSpPr>
+        <p:cNvPr id="1" name=""/>
+        <p:cNvGrpSpPr/>
+        <p:nvPr/>
+      </p:nvGrpSpPr>
+      <p:grpSpPr>
+        <a:xfrm>
+          <a:off x="0" y="0"/>
+          <a:ext cx="0" cy="0"/>
+          <a:chOff x="0" y="0"/>
+          <a:chExt cx="0" cy="0"/>
+        </a:xfrm>
+      </p:grpSpPr>
+      <p:sp>
+        <p:nvSpPr>
+          <p:cNvPr id="2" name="Slide Image Placeholder 1"/>
+          <p:cNvSpPr>
+            <a:spLocks noGrp="1" noRot="1" noChangeAspect="1"/>
+          </p:cNvSpPr>
+          <p:nvPr>
+            <p:ph type="sldImg"/>
+          </p:nvPr>
+        </p:nvSpPr>
+        <p:spPr/>
+      </p:sp>
+      <p:sp>
+        <p:nvSpPr>
+          <p:cNvPr id="3" name="Notes Placeholder 2"/>
+          <p:cNvSpPr>
+            <a:spLocks noGrp="1"/>
+          </p:cNvSpPr>
+          <p:nvPr>
+            <p:ph type="body" idx="1"/>
+          </p:nvPr>
+        </p:nvSpPr>
+        <p:spPr/>
+        <p:txBody>
+          <a:bodyPr/>
+          <a:lstStyle/>
+          <a:p>
+            <a:endParaRPr lang="en-US" dirty="0"/>
+          </a:p>
+        </p:txBody>
+      </p:sp>
+      <p:sp>
+        <p:nvSpPr>
+          <p:cNvPr id="4" name="Header Placeholder 3"/>
+          <p:cNvSpPr>
+            <a:spLocks noGrp="1"/>
+          </p:cNvSpPr>
+          <p:nvPr>
+            <p:ph type="hdr" sz="quarter" idx="10"/>
+          </p:nvPr>
+        </p:nvSpPr>
+        <p:spPr/>
+        <p:txBody>
+          <a:bodyPr/>
+          <a:lstStyle/>
+          <a:p>
+            <a:endParaRPr lang="en-US" dirty="0"/>
+          </a:p>
+        </p:txBody>
+      </p:sp>
+      <p:sp>
+        <p:nvSpPr>
+          <p:cNvPr id="5" name="Footer Placeholder 4"/>
+          <p:cNvSpPr>
+            <a:spLocks noGrp="1"/>
+          </p:cNvSpPr>
+          <p:nvPr>
+            <p:ph type="ftr" sz="quarter" idx="11"/>
+          </p:nvPr>
+        </p:nvSpPr>
+        <p:spPr/>
+        <p:txBody>
+          <a:bodyPr/>
+          <a:lstStyle/>
+          <a:p>
+            <a:pPr defTabSz="914099" eaLnBrk="0" hangingPunct="0"/>
+            <a:r>
+              <a:rPr lang="en-US" sz="400" dirty="0">
+                <a:gradFill>
+                  <a:gsLst>
+                    <a:gs pos="0">
+                      <a:prstClr val="black"/>
+                    </a:gs>
+                    <a:gs pos="100000">
+                      <a:prstClr val="black"/>
+                    </a:gs>
+                  </a:gsLst>
+                  <a:lin ang="5400000" scaled="0"/>
+                </a:gradFill>
+                <a:latin typeface="Segoe UI" pitchFamily="34" charset="0"/>
+                <a:ea typeface="Segoe UI" pitchFamily="34" charset="0"/>
+                <a:cs typeface="Segoe UI" pitchFamily="34" charset="0"/>
+              </a:rPr>
+              <a:t>© Microsoft Corporation. All rights reserved. MICROSOFT MAKES NO WARRANTIES, EXPRESS, IMPLIED OR STATUTORY, AS TO THE INFORMATION IN THIS PRESENTATION.</a:t>
+            </a:r>
+          </a:p>
+        </p:txBody>
+      </p:sp>
+      <p:sp>
+        <p:nvSpPr>
+          <p:cNvPr id="6" name="Date Placeholder 5"/>
+          <p:cNvSpPr>
+            <a:spLocks noGrp="1"/>
+          </p:cNvSpPr>
+          <p:nvPr>
+            <p:ph type="dt" idx="12"/>
+          </p:nvPr>
+        </p:nvSpPr>
+        <p:spPr/>
+        <p:txBody>
+          <a:bodyPr/>
+          <a:lstStyle/>
+          <a:p>
+            <a:fld id="{72E0C910-0166-48E0-B8EF-5071277A02A8}" type="datetime8">
+              <a:rPr lang="en-US" smtClean="0"/>
+              <a:t>1/9/2020 8:58 PM</a:t>
+            </a:fld>
+            <a:endParaRPr lang="en-US" dirty="0"/>
+          </a:p>
+        </p:txBody>
+      </p:sp>
+      <p:sp>
+        <p:nvSpPr>
+          <p:cNvPr id="7" name="Slide Number Placeholder 6"/>
+          <p:cNvSpPr>
+            <a:spLocks noGrp="1"/>
+          </p:cNvSpPr>
+          <p:nvPr>
+            <p:ph type="sldNum" sz="quarter" idx="13"/>
+          </p:nvPr>
+        </p:nvSpPr>
+        <p:spPr/>
+        <p:txBody>
+          <a:bodyPr/>
+          <a:lstStyle/>
+          <a:p>
+            <a:fld id="{B4008EB6-D09E-4580-8CD6-DDB14511944F}" type="slidenum">
+              <a:rPr lang="en-US" smtClean="0"/>
+              <a:pPr/>
+              <a:t>11</a:t>
+            </a:fld>
+            <a:endParaRPr lang="en-US" dirty="0"/>
+          </a:p>
+        </p:txBody>
+      </p:sp>
+    </p:spTree>
+    <p:extLst>
+      <p:ext uri="{BB962C8B-B14F-4D97-AF65-F5344CB8AC3E}">
+        <p14:creationId xmlns:p14="http://schemas.microsoft.com/office/powerpoint/2010/main" val="3275311765"/>
       </p:ext>
     </p:extLst>
   </p:cSld>
@@ -36804,7 +37138,7 @@
           <a:p>
             <a:r>
               <a:rPr lang="en-US" dirty="0"/>
-              <a:t>IaaS Domain Controllers</a:t>
+              <a:t>Azure AD Domain Services</a:t>
             </a:r>
           </a:p>
         </p:txBody>
@@ -36854,10 +37188,57 @@
           </a:p>
         </p:txBody>
       </p:sp>
+      <p:pic>
+        <p:nvPicPr>
+          <p:cNvPr id="8198" name="Picture 6" descr="Related image">
+            <a:extLst>
+              <a:ext uri="{FF2B5EF4-FFF2-40B4-BE49-F238E27FC236}">
+                <a16:creationId xmlns:a16="http://schemas.microsoft.com/office/drawing/2014/main" id="{38EEE23A-728C-430C-8523-3E0C4687349D}"/>
+              </a:ext>
+            </a:extLst>
+          </p:cNvPr>
+          <p:cNvPicPr>
+            <a:picLocks noChangeAspect="1" noChangeArrowheads="1"/>
+          </p:cNvPicPr>
+          <p:nvPr/>
+        </p:nvPicPr>
+        <p:blipFill>
+          <a:blip r:embed="rId3">
+            <a:extLst>
+              <a:ext uri="{28A0092B-C50C-407E-A947-70E740481C1C}">
+                <a14:useLocalDpi xmlns:a14="http://schemas.microsoft.com/office/drawing/2010/main" val="0"/>
+              </a:ext>
+            </a:extLst>
+          </a:blip>
+          <a:srcRect/>
+          <a:stretch>
+            <a:fillRect/>
+          </a:stretch>
+        </p:blipFill>
+        <p:spPr bwMode="auto">
+          <a:xfrm>
+            <a:off x="1495425" y="1332528"/>
+            <a:ext cx="8896350" cy="5200650"/>
+          </a:xfrm>
+          <a:prstGeom prst="rect">
+            <a:avLst/>
+          </a:prstGeom>
+          <a:noFill/>
+          <a:extLst>
+            <a:ext uri="{909E8E84-426E-40DD-AFC4-6F175D3DCCD1}">
+              <a14:hiddenFill xmlns:a14="http://schemas.microsoft.com/office/drawing/2010/main">
+                <a:solidFill>
+                  <a:srgbClr val="FFFFFF"/>
+                </a:solidFill>
+              </a14:hiddenFill>
+            </a:ext>
+          </a:extLst>
+        </p:spPr>
+      </p:pic>
     </p:spTree>
     <p:extLst>
       <p:ext uri="{BB962C8B-B14F-4D97-AF65-F5344CB8AC3E}">
-        <p14:creationId xmlns:p14="http://schemas.microsoft.com/office/powerpoint/2010/main" val="1537256643"/>
+        <p14:creationId xmlns:p14="http://schemas.microsoft.com/office/powerpoint/2010/main" val="1330752565"/>
       </p:ext>
     </p:extLst>
   </p:cSld>
@@ -36898,13 +37279,7 @@
       </p:grpSpPr>
       <p:sp>
         <p:nvSpPr>
-          <p:cNvPr id="2" name="Title 1">
-            <a:extLst>
-              <a:ext uri="{FF2B5EF4-FFF2-40B4-BE49-F238E27FC236}">
-                <a16:creationId xmlns:a16="http://schemas.microsoft.com/office/drawing/2014/main" id="{A6E2234C-963A-4BDB-AC81-D452BD38A69B}"/>
-              </a:ext>
-            </a:extLst>
-          </p:cNvPr>
+          <p:cNvPr id="17" name="Title 16"/>
           <p:cNvSpPr>
             <a:spLocks noGrp="1"/>
           </p:cNvSpPr>
@@ -36912,50 +37287,46 @@
             <p:ph type="title"/>
           </p:nvPr>
         </p:nvSpPr>
-        <p:spPr/>
+        <p:spPr>
+          <a:xfrm>
+            <a:off x="588263" y="457200"/>
+            <a:ext cx="11018520" cy="553998"/>
+          </a:xfrm>
+        </p:spPr>
         <p:txBody>
           <a:bodyPr/>
           <a:lstStyle/>
           <a:p>
             <a:r>
-              <a:rPr lang="en-GB" dirty="0"/>
-              <a:t>About Me</a:t>
-            </a:r>
-            <a:endParaRPr lang="en-CH" dirty="0"/>
+              <a:rPr lang="en-US" dirty="0"/>
+              <a:t>IaaS Domain </a:t>
+            </a:r>
+            <a:r>
+              <a:rPr lang="en-US" dirty="0" err="1"/>
+              <a:t>Contollers</a:t>
+            </a:r>
+            <a:endParaRPr lang="en-US" dirty="0"/>
           </a:p>
         </p:txBody>
       </p:sp>
-      <p:pic>
-        <p:nvPicPr>
-          <p:cNvPr id="4" name="Picture 2" descr="Title762406932">
+      <p:sp>
+        <p:nvSpPr>
+          <p:cNvPr id="2" name="AutoShape 2" descr="Image result for azure active directory">
             <a:extLst>
               <a:ext uri="{FF2B5EF4-FFF2-40B4-BE49-F238E27FC236}">
-                <a16:creationId xmlns:a16="http://schemas.microsoft.com/office/drawing/2014/main" id="{7BA46E82-A330-4DEF-98B2-20DEE3005862}"/>
+                <a16:creationId xmlns:a16="http://schemas.microsoft.com/office/drawing/2014/main" id="{50E3396A-4EDB-4597-9AE4-B04A70C3F122}"/>
               </a:ext>
             </a:extLst>
           </p:cNvPr>
-          <p:cNvPicPr>
-            <a:picLocks noChangeAspect="1" noChangeArrowheads="1"/>
-          </p:cNvPicPr>
+          <p:cNvSpPr>
+            <a:spLocks noChangeAspect="1" noChangeArrowheads="1"/>
+          </p:cNvSpPr>
           <p:nvPr/>
-        </p:nvPicPr>
-        <p:blipFill>
-          <a:blip r:embed="rId2">
-            <a:extLst>
-              <a:ext uri="{28A0092B-C50C-407E-A947-70E740481C1C}">
-                <a14:useLocalDpi xmlns:a14="http://schemas.microsoft.com/office/drawing/2010/main" val="0"/>
-              </a:ext>
-            </a:extLst>
-          </a:blip>
-          <a:srcRect/>
-          <a:stretch>
-            <a:fillRect/>
-          </a:stretch>
-        </p:blipFill>
+        </p:nvSpPr>
         <p:spPr bwMode="auto">
           <a:xfrm>
-            <a:off x="781967" y="1630247"/>
-            <a:ext cx="2540000" cy="2540000"/>
+            <a:off x="5890506" y="3258902"/>
+            <a:ext cx="432230" cy="432230"/>
           </a:xfrm>
           <a:prstGeom prst="rect">
             <a:avLst/>
@@ -36971,167 +37342,24 @@
             </a:ext>
           </a:extLst>
         </p:spPr>
-      </p:pic>
-      <p:sp>
-        <p:nvSpPr>
-          <p:cNvPr id="5" name="TextBox 4">
-            <a:extLst>
-              <a:ext uri="{FF2B5EF4-FFF2-40B4-BE49-F238E27FC236}">
-                <a16:creationId xmlns:a16="http://schemas.microsoft.com/office/drawing/2014/main" id="{1872E7FA-7992-477F-8C4E-C1FB1F056038}"/>
-              </a:ext>
-            </a:extLst>
-          </p:cNvPr>
-          <p:cNvSpPr txBox="1"/>
-          <p:nvPr/>
-        </p:nvSpPr>
-        <p:spPr>
-          <a:xfrm>
-            <a:off x="4470401" y="1630247"/>
-            <a:ext cx="6197209" cy="2216184"/>
-          </a:xfrm>
-          <a:prstGeom prst="rect">
-            <a:avLst/>
-          </a:prstGeom>
-          <a:noFill/>
-        </p:spPr>
         <p:txBody>
-          <a:bodyPr wrap="none" lIns="0" tIns="0" rIns="0" bIns="0" rtlCol="0">
-            <a:spAutoFit/>
+          <a:bodyPr vert="horz" wrap="square" lIns="91440" tIns="45720" rIns="91440" bIns="45720" numCol="1" anchor="t" anchorCtr="0" compatLnSpc="1">
+            <a:prstTxWarp prst="textNoShape">
+              <a:avLst/>
+            </a:prstTxWarp>
           </a:bodyPr>
           <a:lstStyle/>
           <a:p>
-            <a:pPr algn="l"/>
-            <a:r>
-              <a:rPr lang="en-GB" sz="6400" dirty="0">
-                <a:solidFill>
-                  <a:schemeClr val="accent1"/>
-                </a:solidFill>
-              </a:rPr>
-              <a:t>Sam Cogan</a:t>
-            </a:r>
-          </a:p>
-          <a:p>
-            <a:pPr algn="l"/>
-            <a:br>
-              <a:rPr lang="en-GB" sz="2667" dirty="0">
-                <a:gradFill>
-                  <a:gsLst>
-                    <a:gs pos="2917">
-                      <a:schemeClr val="tx1"/>
-                    </a:gs>
-                    <a:gs pos="30000">
-                      <a:schemeClr val="tx1"/>
-                    </a:gs>
-                  </a:gsLst>
-                  <a:lin ang="5400000" scaled="0"/>
-                </a:gradFill>
-              </a:rPr>
-            </a:br>
-            <a:r>
-              <a:rPr lang="en-GB" sz="2667" dirty="0">
-                <a:gradFill>
-                  <a:gsLst>
-                    <a:gs pos="2917">
-                      <a:schemeClr val="tx1"/>
-                    </a:gs>
-                    <a:gs pos="30000">
-                      <a:schemeClr val="tx1"/>
-                    </a:gs>
-                  </a:gsLst>
-                  <a:lin ang="5400000" scaled="0"/>
-                </a:gradFill>
-              </a:rPr>
-              <a:t>Solution Architect – Willis Towers Watson</a:t>
-            </a:r>
-          </a:p>
-          <a:p>
-            <a:pPr algn="l"/>
-            <a:r>
-              <a:rPr lang="en-GB" sz="2667" dirty="0">
-                <a:gradFill>
-                  <a:gsLst>
-                    <a:gs pos="2917">
-                      <a:schemeClr val="tx1"/>
-                    </a:gs>
-                    <a:gs pos="30000">
-                      <a:schemeClr val="tx1"/>
-                    </a:gs>
-                  </a:gsLst>
-                  <a:lin ang="5400000" scaled="0"/>
-                </a:gradFill>
-              </a:rPr>
-              <a:t>Microsoft Azure MVP</a:t>
-            </a:r>
-            <a:endParaRPr lang="en-US" sz="2667" dirty="0" err="1">
-              <a:gradFill>
-                <a:gsLst>
-                  <a:gs pos="2917">
-                    <a:schemeClr val="tx1"/>
-                  </a:gs>
-                  <a:gs pos="30000">
-                    <a:schemeClr val="tx1"/>
-                  </a:gs>
-                </a:gsLst>
-                <a:lin ang="5400000" scaled="0"/>
-              </a:gradFill>
-            </a:endParaRPr>
-          </a:p>
-        </p:txBody>
-      </p:sp>
-      <p:sp>
-        <p:nvSpPr>
-          <p:cNvPr id="6" name="TextBox 5">
-            <a:extLst>
-              <a:ext uri="{FF2B5EF4-FFF2-40B4-BE49-F238E27FC236}">
-                <a16:creationId xmlns:a16="http://schemas.microsoft.com/office/drawing/2014/main" id="{23B22BEF-6E4F-4173-9BCF-3D301F132299}"/>
-              </a:ext>
-            </a:extLst>
-          </p:cNvPr>
-          <p:cNvSpPr txBox="1"/>
-          <p:nvPr/>
-        </p:nvSpPr>
-        <p:spPr>
-          <a:xfrm>
-            <a:off x="4947458" y="4647155"/>
-            <a:ext cx="3781849" cy="410433"/>
-          </a:xfrm>
-          <a:prstGeom prst="rect">
-            <a:avLst/>
-          </a:prstGeom>
-          <a:noFill/>
-        </p:spPr>
-        <p:txBody>
-          <a:bodyPr wrap="square" lIns="0" tIns="0" rIns="0" bIns="0" rtlCol="0">
-            <a:spAutoFit/>
-          </a:bodyPr>
-          <a:lstStyle/>
-          <a:p>
-            <a:pPr algn="l"/>
-            <a:r>
-              <a:rPr lang="en-GB" sz="2667" dirty="0">
-                <a:gradFill>
-                  <a:gsLst>
-                    <a:gs pos="2917">
-                      <a:schemeClr val="tx1"/>
-                    </a:gs>
-                    <a:gs pos="30000">
-                      <a:schemeClr val="tx1"/>
-                    </a:gs>
-                  </a:gsLst>
-                  <a:lin ang="5400000" scaled="0"/>
-                </a:gradFill>
-              </a:rPr>
-              <a:t>samcogan.com</a:t>
-            </a:r>
+            <a:endParaRPr lang="en-GB"/>
           </a:p>
         </p:txBody>
       </p:sp>
       <p:pic>
         <p:nvPicPr>
-          <p:cNvPr id="7" name="Graphic 6">
+          <p:cNvPr id="4" name="Graphic 3">
             <a:extLst>
               <a:ext uri="{FF2B5EF4-FFF2-40B4-BE49-F238E27FC236}">
-                <a16:creationId xmlns:a16="http://schemas.microsoft.com/office/drawing/2014/main" id="{D1486BDD-2E81-4057-B118-D61C45BE686C}"/>
+                <a16:creationId xmlns:a16="http://schemas.microsoft.com/office/drawing/2014/main" id="{6CD17EF2-8CB9-44F8-BE2F-53F2E61194C3}"/>
               </a:ext>
             </a:extLst>
           </p:cNvPr>
@@ -37154,611 +37382,20 @@
         </p:blipFill>
         <p:spPr>
           <a:xfrm>
-            <a:off x="4470400" y="4647153"/>
-            <a:ext cx="410371" cy="410371"/>
+            <a:off x="3178585" y="2340385"/>
+            <a:ext cx="2385890" cy="2385890"/>
           </a:xfrm>
           <a:prstGeom prst="rect">
             <a:avLst/>
           </a:prstGeom>
         </p:spPr>
       </p:pic>
-      <p:sp>
-        <p:nvSpPr>
-          <p:cNvPr id="8" name="TextBox 7">
-            <a:extLst>
-              <a:ext uri="{FF2B5EF4-FFF2-40B4-BE49-F238E27FC236}">
-                <a16:creationId xmlns:a16="http://schemas.microsoft.com/office/drawing/2014/main" id="{E1E6D920-E851-40EA-AD43-4817ADB66F02}"/>
-              </a:ext>
-            </a:extLst>
-          </p:cNvPr>
-          <p:cNvSpPr txBox="1"/>
-          <p:nvPr/>
-        </p:nvSpPr>
-        <p:spPr>
-          <a:xfrm>
-            <a:off x="4947458" y="5114149"/>
-            <a:ext cx="1872307" cy="410433"/>
-          </a:xfrm>
-          <a:prstGeom prst="rect">
-            <a:avLst/>
-          </a:prstGeom>
-          <a:noFill/>
-        </p:spPr>
-        <p:txBody>
-          <a:bodyPr wrap="none" lIns="0" tIns="0" rIns="0" bIns="0" rtlCol="0">
-            <a:spAutoFit/>
-          </a:bodyPr>
-          <a:lstStyle/>
-          <a:p>
-            <a:pPr algn="l"/>
-            <a:r>
-              <a:rPr lang="en-GB" sz="2667" dirty="0">
-                <a:gradFill>
-                  <a:gsLst>
-                    <a:gs pos="2917">
-                      <a:schemeClr val="tx1"/>
-                    </a:gs>
-                    <a:gs pos="30000">
-                      <a:schemeClr val="tx1"/>
-                    </a:gs>
-                  </a:gsLst>
-                  <a:lin ang="5400000" scaled="0"/>
-                </a:gradFill>
-              </a:rPr>
-              <a:t>@</a:t>
-            </a:r>
-            <a:r>
-              <a:rPr lang="en-GB" sz="2667" dirty="0" err="1">
-                <a:gradFill>
-                  <a:gsLst>
-                    <a:gs pos="2917">
-                      <a:schemeClr val="tx1"/>
-                    </a:gs>
-                    <a:gs pos="30000">
-                      <a:schemeClr val="tx1"/>
-                    </a:gs>
-                  </a:gsLst>
-                  <a:lin ang="5400000" scaled="0"/>
-                </a:gradFill>
-              </a:rPr>
-              <a:t>samcogan</a:t>
-            </a:r>
-            <a:endParaRPr lang="en-GB" sz="2667" dirty="0">
-              <a:gradFill>
-                <a:gsLst>
-                  <a:gs pos="2917">
-                    <a:schemeClr val="tx1"/>
-                  </a:gs>
-                  <a:gs pos="30000">
-                    <a:schemeClr val="tx1"/>
-                  </a:gs>
-                </a:gsLst>
-                <a:lin ang="5400000" scaled="0"/>
-              </a:gradFill>
-            </a:endParaRPr>
-          </a:p>
-        </p:txBody>
-      </p:sp>
-      <p:pic>
-        <p:nvPicPr>
-          <p:cNvPr id="9" name="Graphic 8">
-            <a:extLst>
-              <a:ext uri="{FF2B5EF4-FFF2-40B4-BE49-F238E27FC236}">
-                <a16:creationId xmlns:a16="http://schemas.microsoft.com/office/drawing/2014/main" id="{AFD77926-6B43-46A4-8531-41825BB99E34}"/>
-              </a:ext>
-            </a:extLst>
-          </p:cNvPr>
-          <p:cNvPicPr>
-            <a:picLocks noChangeAspect="1"/>
-          </p:cNvPicPr>
-          <p:nvPr/>
-        </p:nvPicPr>
-        <p:blipFill>
-          <a:blip r:embed="rId5">
-            <a:extLst>
-              <a:ext uri="{96DAC541-7B7A-43D3-8B79-37D633B846F1}">
-                <asvg:svgBlip xmlns:asvg="http://schemas.microsoft.com/office/drawing/2016/SVG/main" r:embed="rId6"/>
-              </a:ext>
-            </a:extLst>
-          </a:blip>
-          <a:stretch>
-            <a:fillRect/>
-          </a:stretch>
-        </p:blipFill>
-        <p:spPr>
-          <a:xfrm>
-            <a:off x="4470401" y="5114149"/>
-            <a:ext cx="410369" cy="410369"/>
-          </a:xfrm>
-          <a:prstGeom prst="rect">
-            <a:avLst/>
-          </a:prstGeom>
-        </p:spPr>
-      </p:pic>
-      <p:sp>
-        <p:nvSpPr>
-          <p:cNvPr id="10" name="TextBox 9">
-            <a:extLst>
-              <a:ext uri="{FF2B5EF4-FFF2-40B4-BE49-F238E27FC236}">
-                <a16:creationId xmlns:a16="http://schemas.microsoft.com/office/drawing/2014/main" id="{2C9917EE-278B-4969-9893-5A9728BCB1BE}"/>
-              </a:ext>
-            </a:extLst>
-          </p:cNvPr>
-          <p:cNvSpPr txBox="1"/>
-          <p:nvPr/>
-        </p:nvSpPr>
-        <p:spPr>
-          <a:xfrm>
-            <a:off x="4947458" y="5581142"/>
-            <a:ext cx="1681551" cy="410433"/>
-          </a:xfrm>
-          <a:prstGeom prst="rect">
-            <a:avLst/>
-          </a:prstGeom>
-          <a:noFill/>
-        </p:spPr>
-        <p:txBody>
-          <a:bodyPr wrap="none" lIns="0" tIns="0" rIns="0" bIns="0" rtlCol="0">
-            <a:spAutoFit/>
-          </a:bodyPr>
-          <a:lstStyle/>
-          <a:p>
-            <a:pPr algn="l"/>
-            <a:r>
-              <a:rPr lang="en-GB" sz="2667" dirty="0" err="1">
-                <a:gradFill>
-                  <a:gsLst>
-                    <a:gs pos="2917">
-                      <a:schemeClr val="tx1"/>
-                    </a:gs>
-                    <a:gs pos="30000">
-                      <a:schemeClr val="tx1"/>
-                    </a:gs>
-                  </a:gsLst>
-                  <a:lin ang="5400000" scaled="0"/>
-                </a:gradFill>
-              </a:rPr>
-              <a:t>sam-cogan</a:t>
-            </a:r>
-            <a:endParaRPr lang="en-GB" sz="2667" dirty="0">
-              <a:gradFill>
-                <a:gsLst>
-                  <a:gs pos="2917">
-                    <a:schemeClr val="tx1"/>
-                  </a:gs>
-                  <a:gs pos="30000">
-                    <a:schemeClr val="tx1"/>
-                  </a:gs>
-                </a:gsLst>
-                <a:lin ang="5400000" scaled="0"/>
-              </a:gradFill>
-            </a:endParaRPr>
-          </a:p>
-        </p:txBody>
-      </p:sp>
-      <p:pic>
-        <p:nvPicPr>
-          <p:cNvPr id="11" name="Graphic 10">
-            <a:extLst>
-              <a:ext uri="{FF2B5EF4-FFF2-40B4-BE49-F238E27FC236}">
-                <a16:creationId xmlns:a16="http://schemas.microsoft.com/office/drawing/2014/main" id="{00709674-EC71-4F67-85DC-FB88FA4846DE}"/>
-              </a:ext>
-            </a:extLst>
-          </p:cNvPr>
-          <p:cNvPicPr>
-            <a:picLocks noChangeAspect="1"/>
-          </p:cNvPicPr>
-          <p:nvPr/>
-        </p:nvPicPr>
-        <p:blipFill>
-          <a:blip r:embed="rId7">
-            <a:extLst>
-              <a:ext uri="{96DAC541-7B7A-43D3-8B79-37D633B846F1}">
-                <asvg:svgBlip xmlns:asvg="http://schemas.microsoft.com/office/drawing/2016/SVG/main" r:embed="rId8"/>
-              </a:ext>
-            </a:extLst>
-          </a:blip>
-          <a:stretch>
-            <a:fillRect/>
-          </a:stretch>
-        </p:blipFill>
-        <p:spPr>
-          <a:xfrm>
-            <a:off x="4474369" y="5585111"/>
-            <a:ext cx="406400" cy="406400"/>
-          </a:xfrm>
-          <a:prstGeom prst="rect">
-            <a:avLst/>
-          </a:prstGeom>
-        </p:spPr>
-      </p:pic>
-    </p:spTree>
-    <p:extLst>
-      <p:ext uri="{BB962C8B-B14F-4D97-AF65-F5344CB8AC3E}">
-        <p14:creationId xmlns:p14="http://schemas.microsoft.com/office/powerpoint/2010/main" val="205396180"/>
-      </p:ext>
-    </p:extLst>
-  </p:cSld>
-  <p:clrMapOvr>
-    <a:masterClrMapping/>
-  </p:clrMapOvr>
-</p:sld>
-</file>
-
-<file path=ppt/slides/slide2.xml><?xml version="1.0" encoding="utf-8"?>
-<p:sld xmlns:a="http://schemas.openxmlformats.org/drawingml/2006/main" xmlns:r="http://schemas.openxmlformats.org/officeDocument/2006/relationships" xmlns:p="http://schemas.openxmlformats.org/presentationml/2006/main">
-  <p:cSld>
-    <p:spTree>
-      <p:nvGrpSpPr>
-        <p:cNvPr id="1" name=""/>
-        <p:cNvGrpSpPr/>
-        <p:nvPr/>
-      </p:nvGrpSpPr>
-      <p:grpSpPr>
-        <a:xfrm>
-          <a:off x="0" y="0"/>
-          <a:ext cx="0" cy="0"/>
-          <a:chOff x="0" y="0"/>
-          <a:chExt cx="0" cy="0"/>
-        </a:xfrm>
-      </p:grpSpPr>
-      <p:sp>
-        <p:nvSpPr>
-          <p:cNvPr id="4" name="Title 3">
-            <a:extLst>
-              <a:ext uri="{FF2B5EF4-FFF2-40B4-BE49-F238E27FC236}">
-                <a16:creationId xmlns:a16="http://schemas.microsoft.com/office/drawing/2014/main" id="{57142998-EA94-4FA2-A6F3-9EB067C25E21}"/>
-              </a:ext>
-            </a:extLst>
-          </p:cNvPr>
-          <p:cNvSpPr>
-            <a:spLocks noGrp="1"/>
-          </p:cNvSpPr>
-          <p:nvPr>
-            <p:ph type="title"/>
-          </p:nvPr>
-        </p:nvSpPr>
-        <p:spPr>
-          <a:xfrm>
-            <a:off x="584200" y="2425780"/>
-            <a:ext cx="5510213" cy="1107996"/>
-          </a:xfrm>
-        </p:spPr>
-        <p:txBody>
-          <a:bodyPr/>
-          <a:lstStyle/>
-          <a:p>
-            <a:r>
-              <a:rPr lang="en-US" dirty="0"/>
-              <a:t>Azure Active Directory</a:t>
-            </a:r>
-            <a:br>
-              <a:rPr lang="en-US" dirty="0"/>
-            </a:br>
-            <a:r>
-              <a:rPr lang="en-US" dirty="0"/>
-              <a:t>is not Active Directory</a:t>
-            </a:r>
-          </a:p>
-        </p:txBody>
-      </p:sp>
-      <p:sp>
-        <p:nvSpPr>
-          <p:cNvPr id="5" name="Text Placeholder 4">
-            <a:extLst>
-              <a:ext uri="{FF2B5EF4-FFF2-40B4-BE49-F238E27FC236}">
-                <a16:creationId xmlns:a16="http://schemas.microsoft.com/office/drawing/2014/main" id="{6F88C36C-D184-4AF5-92D2-A0DBD6B7A82C}"/>
-              </a:ext>
-            </a:extLst>
-          </p:cNvPr>
-          <p:cNvSpPr>
-            <a:spLocks noGrp="1"/>
-          </p:cNvSpPr>
-          <p:nvPr>
-            <p:ph type="body" sz="quarter" idx="12"/>
-          </p:nvPr>
-        </p:nvSpPr>
-        <p:spPr>
-          <a:xfrm>
-            <a:off x="584200" y="3962400"/>
-            <a:ext cx="5510213" cy="1015663"/>
-          </a:xfrm>
-        </p:spPr>
-        <p:txBody>
-          <a:bodyPr/>
-          <a:lstStyle/>
-          <a:p>
-            <a:r>
-              <a:rPr lang="en-US" dirty="0"/>
-              <a:t>Sam Cogan</a:t>
-            </a:r>
-          </a:p>
-          <a:p>
-            <a:r>
-              <a:rPr lang="en-US" dirty="0"/>
-              <a:t>Solution Architect, Willis Towers Watson &amp; Azure MVP</a:t>
-            </a:r>
-          </a:p>
-        </p:txBody>
-      </p:sp>
-    </p:spTree>
-    <p:extLst>
-      <p:ext uri="{BB962C8B-B14F-4D97-AF65-F5344CB8AC3E}">
-        <p14:creationId xmlns:p14="http://schemas.microsoft.com/office/powerpoint/2010/main" val="666734175"/>
-      </p:ext>
-    </p:extLst>
-  </p:cSld>
-  <p:clrMapOvr>
-    <a:masterClrMapping/>
-  </p:clrMapOvr>
-  <mc:AlternateContent xmlns:mc="http://schemas.openxmlformats.org/markup-compatibility/2006" xmlns:p14="http://schemas.microsoft.com/office/powerpoint/2010/main">
-    <mc:Choice Requires="p14">
-      <p:transition spd="med" p14:dur="700">
-        <p:fade/>
-      </p:transition>
-    </mc:Choice>
-    <mc:Fallback xmlns="">
-      <p:transition spd="med">
-        <p:fade/>
-      </p:transition>
-    </mc:Fallback>
-  </mc:AlternateContent>
-</p:sld>
-</file>
-
-<file path=ppt/slides/slide3.xml><?xml version="1.0" encoding="utf-8"?>
-<p:sld xmlns:a="http://schemas.openxmlformats.org/drawingml/2006/main" xmlns:r="http://schemas.openxmlformats.org/officeDocument/2006/relationships" xmlns:p="http://schemas.openxmlformats.org/presentationml/2006/main">
-  <p:cSld>
-    <p:spTree>
-      <p:nvGrpSpPr>
-        <p:cNvPr id="1" name=""/>
-        <p:cNvGrpSpPr/>
-        <p:nvPr/>
-      </p:nvGrpSpPr>
-      <p:grpSpPr>
-        <a:xfrm>
-          <a:off x="0" y="0"/>
-          <a:ext cx="0" cy="0"/>
-          <a:chOff x="0" y="0"/>
-          <a:chExt cx="0" cy="0"/>
-        </a:xfrm>
-      </p:grpSpPr>
-      <p:sp>
-        <p:nvSpPr>
-          <p:cNvPr id="2" name="Title 1">
-            <a:extLst>
-              <a:ext uri="{FF2B5EF4-FFF2-40B4-BE49-F238E27FC236}">
-                <a16:creationId xmlns:a16="http://schemas.microsoft.com/office/drawing/2014/main" id="{A6E2234C-963A-4BDB-AC81-D452BD38A69B}"/>
-              </a:ext>
-            </a:extLst>
-          </p:cNvPr>
-          <p:cNvSpPr>
-            <a:spLocks noGrp="1"/>
-          </p:cNvSpPr>
-          <p:nvPr>
-            <p:ph type="title"/>
-          </p:nvPr>
-        </p:nvSpPr>
-        <p:spPr/>
-        <p:txBody>
-          <a:bodyPr/>
-          <a:lstStyle/>
-          <a:p>
-            <a:r>
-              <a:rPr lang="en-GB" dirty="0"/>
-              <a:t>About Me</a:t>
-            </a:r>
-            <a:endParaRPr lang="en-CH" dirty="0"/>
-          </a:p>
-        </p:txBody>
-      </p:sp>
-      <p:pic>
-        <p:nvPicPr>
-          <p:cNvPr id="4" name="Picture 2" descr="Title762406932">
-            <a:extLst>
-              <a:ext uri="{FF2B5EF4-FFF2-40B4-BE49-F238E27FC236}">
-                <a16:creationId xmlns:a16="http://schemas.microsoft.com/office/drawing/2014/main" id="{7BA46E82-A330-4DEF-98B2-20DEE3005862}"/>
-              </a:ext>
-            </a:extLst>
-          </p:cNvPr>
-          <p:cNvPicPr>
-            <a:picLocks noChangeAspect="1" noChangeArrowheads="1"/>
-          </p:cNvPicPr>
-          <p:nvPr/>
-        </p:nvPicPr>
-        <p:blipFill>
-          <a:blip r:embed="rId2">
-            <a:extLst>
-              <a:ext uri="{28A0092B-C50C-407E-A947-70E740481C1C}">
-                <a14:useLocalDpi xmlns:a14="http://schemas.microsoft.com/office/drawing/2010/main" val="0"/>
-              </a:ext>
-            </a:extLst>
-          </a:blip>
-          <a:srcRect/>
-          <a:stretch>
-            <a:fillRect/>
-          </a:stretch>
-        </p:blipFill>
-        <p:spPr bwMode="auto">
-          <a:xfrm>
-            <a:off x="781967" y="1630247"/>
-            <a:ext cx="2540000" cy="2540000"/>
-          </a:xfrm>
-          <a:prstGeom prst="rect">
-            <a:avLst/>
-          </a:prstGeom>
-          <a:noFill/>
-          <a:extLst>
-            <a:ext uri="{909E8E84-426E-40DD-AFC4-6F175D3DCCD1}">
-              <a14:hiddenFill xmlns:a14="http://schemas.microsoft.com/office/drawing/2010/main">
-                <a:solidFill>
-                  <a:srgbClr val="FFFFFF"/>
-                </a:solidFill>
-              </a14:hiddenFill>
-            </a:ext>
-          </a:extLst>
-        </p:spPr>
-      </p:pic>
-      <p:sp>
-        <p:nvSpPr>
-          <p:cNvPr id="5" name="TextBox 4">
-            <a:extLst>
-              <a:ext uri="{FF2B5EF4-FFF2-40B4-BE49-F238E27FC236}">
-                <a16:creationId xmlns:a16="http://schemas.microsoft.com/office/drawing/2014/main" id="{1872E7FA-7992-477F-8C4E-C1FB1F056038}"/>
-              </a:ext>
-            </a:extLst>
-          </p:cNvPr>
-          <p:cNvSpPr txBox="1"/>
-          <p:nvPr/>
-        </p:nvSpPr>
-        <p:spPr>
-          <a:xfrm>
-            <a:off x="4470401" y="1630247"/>
-            <a:ext cx="6197209" cy="2216184"/>
-          </a:xfrm>
-          <a:prstGeom prst="rect">
-            <a:avLst/>
-          </a:prstGeom>
-          <a:noFill/>
-        </p:spPr>
-        <p:txBody>
-          <a:bodyPr wrap="none" lIns="0" tIns="0" rIns="0" bIns="0" rtlCol="0">
-            <a:spAutoFit/>
-          </a:bodyPr>
-          <a:lstStyle/>
-          <a:p>
-            <a:pPr algn="l"/>
-            <a:r>
-              <a:rPr lang="en-GB" sz="6400" dirty="0">
-                <a:solidFill>
-                  <a:schemeClr val="accent1"/>
-                </a:solidFill>
-              </a:rPr>
-              <a:t>Sam Cogan</a:t>
-            </a:r>
-          </a:p>
-          <a:p>
-            <a:pPr algn="l"/>
-            <a:br>
-              <a:rPr lang="en-GB" sz="2667" dirty="0">
-                <a:gradFill>
-                  <a:gsLst>
-                    <a:gs pos="2917">
-                      <a:schemeClr val="tx1"/>
-                    </a:gs>
-                    <a:gs pos="30000">
-                      <a:schemeClr val="tx1"/>
-                    </a:gs>
-                  </a:gsLst>
-                  <a:lin ang="5400000" scaled="0"/>
-                </a:gradFill>
-              </a:rPr>
-            </a:br>
-            <a:r>
-              <a:rPr lang="en-GB" sz="2667" dirty="0">
-                <a:gradFill>
-                  <a:gsLst>
-                    <a:gs pos="2917">
-                      <a:schemeClr val="tx1"/>
-                    </a:gs>
-                    <a:gs pos="30000">
-                      <a:schemeClr val="tx1"/>
-                    </a:gs>
-                  </a:gsLst>
-                  <a:lin ang="5400000" scaled="0"/>
-                </a:gradFill>
-              </a:rPr>
-              <a:t>Solution Architect – Willis Towers Watson</a:t>
-            </a:r>
-          </a:p>
-          <a:p>
-            <a:pPr algn="l"/>
-            <a:r>
-              <a:rPr lang="en-GB" sz="2667" dirty="0">
-                <a:gradFill>
-                  <a:gsLst>
-                    <a:gs pos="2917">
-                      <a:schemeClr val="tx1"/>
-                    </a:gs>
-                    <a:gs pos="30000">
-                      <a:schemeClr val="tx1"/>
-                    </a:gs>
-                  </a:gsLst>
-                  <a:lin ang="5400000" scaled="0"/>
-                </a:gradFill>
-              </a:rPr>
-              <a:t>Microsoft Azure MVP</a:t>
-            </a:r>
-            <a:endParaRPr lang="en-US" sz="2667" dirty="0" err="1">
-              <a:gradFill>
-                <a:gsLst>
-                  <a:gs pos="2917">
-                    <a:schemeClr val="tx1"/>
-                  </a:gs>
-                  <a:gs pos="30000">
-                    <a:schemeClr val="tx1"/>
-                  </a:gs>
-                </a:gsLst>
-                <a:lin ang="5400000" scaled="0"/>
-              </a:gradFill>
-            </a:endParaRPr>
-          </a:p>
-        </p:txBody>
-      </p:sp>
-      <p:sp>
-        <p:nvSpPr>
-          <p:cNvPr id="6" name="TextBox 5">
-            <a:extLst>
-              <a:ext uri="{FF2B5EF4-FFF2-40B4-BE49-F238E27FC236}">
-                <a16:creationId xmlns:a16="http://schemas.microsoft.com/office/drawing/2014/main" id="{23B22BEF-6E4F-4173-9BCF-3D301F132299}"/>
-              </a:ext>
-            </a:extLst>
-          </p:cNvPr>
-          <p:cNvSpPr txBox="1"/>
-          <p:nvPr/>
-        </p:nvSpPr>
-        <p:spPr>
-          <a:xfrm>
-            <a:off x="4947458" y="4647155"/>
-            <a:ext cx="3781849" cy="410433"/>
-          </a:xfrm>
-          <a:prstGeom prst="rect">
-            <a:avLst/>
-          </a:prstGeom>
-          <a:noFill/>
-        </p:spPr>
-        <p:txBody>
-          <a:bodyPr wrap="square" lIns="0" tIns="0" rIns="0" bIns="0" rtlCol="0">
-            <a:spAutoFit/>
-          </a:bodyPr>
-          <a:lstStyle/>
-          <a:p>
-            <a:pPr algn="l"/>
-            <a:r>
-              <a:rPr lang="en-GB" sz="2667" dirty="0">
-                <a:gradFill>
-                  <a:gsLst>
-                    <a:gs pos="2917">
-                      <a:schemeClr val="tx1"/>
-                    </a:gs>
-                    <a:gs pos="30000">
-                      <a:schemeClr val="tx1"/>
-                    </a:gs>
-                  </a:gsLst>
-                  <a:lin ang="5400000" scaled="0"/>
-                </a:gradFill>
-              </a:rPr>
-              <a:t>samcogan.com</a:t>
-            </a:r>
-          </a:p>
-        </p:txBody>
-      </p:sp>
       <p:pic>
         <p:nvPicPr>
           <p:cNvPr id="7" name="Graphic 6">
             <a:extLst>
               <a:ext uri="{FF2B5EF4-FFF2-40B4-BE49-F238E27FC236}">
-                <a16:creationId xmlns:a16="http://schemas.microsoft.com/office/drawing/2014/main" id="{D1486BDD-2E81-4057-B118-D61C45BE686C}"/>
+                <a16:creationId xmlns:a16="http://schemas.microsoft.com/office/drawing/2014/main" id="{8E051849-0DC2-4911-B55F-700B8864132F}"/>
               </a:ext>
             </a:extLst>
           </p:cNvPr>
@@ -37781,218 +37418,8 @@
         </p:blipFill>
         <p:spPr>
           <a:xfrm>
-            <a:off x="4470400" y="4647153"/>
-            <a:ext cx="410371" cy="410371"/>
-          </a:xfrm>
-          <a:prstGeom prst="rect">
-            <a:avLst/>
-          </a:prstGeom>
-        </p:spPr>
-      </p:pic>
-      <p:sp>
-        <p:nvSpPr>
-          <p:cNvPr id="8" name="TextBox 7">
-            <a:extLst>
-              <a:ext uri="{FF2B5EF4-FFF2-40B4-BE49-F238E27FC236}">
-                <a16:creationId xmlns:a16="http://schemas.microsoft.com/office/drawing/2014/main" id="{E1E6D920-E851-40EA-AD43-4817ADB66F02}"/>
-              </a:ext>
-            </a:extLst>
-          </p:cNvPr>
-          <p:cNvSpPr txBox="1"/>
-          <p:nvPr/>
-        </p:nvSpPr>
-        <p:spPr>
-          <a:xfrm>
-            <a:off x="4947458" y="5114149"/>
-            <a:ext cx="1872307" cy="410433"/>
-          </a:xfrm>
-          <a:prstGeom prst="rect">
-            <a:avLst/>
-          </a:prstGeom>
-          <a:noFill/>
-        </p:spPr>
-        <p:txBody>
-          <a:bodyPr wrap="none" lIns="0" tIns="0" rIns="0" bIns="0" rtlCol="0">
-            <a:spAutoFit/>
-          </a:bodyPr>
-          <a:lstStyle/>
-          <a:p>
-            <a:pPr algn="l"/>
-            <a:r>
-              <a:rPr lang="en-GB" sz="2667" dirty="0">
-                <a:gradFill>
-                  <a:gsLst>
-                    <a:gs pos="2917">
-                      <a:schemeClr val="tx1"/>
-                    </a:gs>
-                    <a:gs pos="30000">
-                      <a:schemeClr val="tx1"/>
-                    </a:gs>
-                  </a:gsLst>
-                  <a:lin ang="5400000" scaled="0"/>
-                </a:gradFill>
-              </a:rPr>
-              <a:t>@</a:t>
-            </a:r>
-            <a:r>
-              <a:rPr lang="en-GB" sz="2667" dirty="0" err="1">
-                <a:gradFill>
-                  <a:gsLst>
-                    <a:gs pos="2917">
-                      <a:schemeClr val="tx1"/>
-                    </a:gs>
-                    <a:gs pos="30000">
-                      <a:schemeClr val="tx1"/>
-                    </a:gs>
-                  </a:gsLst>
-                  <a:lin ang="5400000" scaled="0"/>
-                </a:gradFill>
-              </a:rPr>
-              <a:t>samcogan</a:t>
-            </a:r>
-            <a:endParaRPr lang="en-GB" sz="2667" dirty="0">
-              <a:gradFill>
-                <a:gsLst>
-                  <a:gs pos="2917">
-                    <a:schemeClr val="tx1"/>
-                  </a:gs>
-                  <a:gs pos="30000">
-                    <a:schemeClr val="tx1"/>
-                  </a:gs>
-                </a:gsLst>
-                <a:lin ang="5400000" scaled="0"/>
-              </a:gradFill>
-            </a:endParaRPr>
-          </a:p>
-        </p:txBody>
-      </p:sp>
-      <p:pic>
-        <p:nvPicPr>
-          <p:cNvPr id="9" name="Graphic 8">
-            <a:extLst>
-              <a:ext uri="{FF2B5EF4-FFF2-40B4-BE49-F238E27FC236}">
-                <a16:creationId xmlns:a16="http://schemas.microsoft.com/office/drawing/2014/main" id="{AFD77926-6B43-46A4-8531-41825BB99E34}"/>
-              </a:ext>
-            </a:extLst>
-          </p:cNvPr>
-          <p:cNvPicPr>
-            <a:picLocks noChangeAspect="1"/>
-          </p:cNvPicPr>
-          <p:nvPr/>
-        </p:nvPicPr>
-        <p:blipFill>
-          <a:blip r:embed="rId5">
-            <a:extLst>
-              <a:ext uri="{96DAC541-7B7A-43D3-8B79-37D633B846F1}">
-                <asvg:svgBlip xmlns:asvg="http://schemas.microsoft.com/office/drawing/2016/SVG/main" r:embed="rId6"/>
-              </a:ext>
-            </a:extLst>
-          </a:blip>
-          <a:stretch>
-            <a:fillRect/>
-          </a:stretch>
-        </p:blipFill>
-        <p:spPr>
-          <a:xfrm>
-            <a:off x="4470401" y="5114149"/>
-            <a:ext cx="410369" cy="410369"/>
-          </a:xfrm>
-          <a:prstGeom prst="rect">
-            <a:avLst/>
-          </a:prstGeom>
-        </p:spPr>
-      </p:pic>
-      <p:sp>
-        <p:nvSpPr>
-          <p:cNvPr id="10" name="TextBox 9">
-            <a:extLst>
-              <a:ext uri="{FF2B5EF4-FFF2-40B4-BE49-F238E27FC236}">
-                <a16:creationId xmlns:a16="http://schemas.microsoft.com/office/drawing/2014/main" id="{2C9917EE-278B-4969-9893-5A9728BCB1BE}"/>
-              </a:ext>
-            </a:extLst>
-          </p:cNvPr>
-          <p:cNvSpPr txBox="1"/>
-          <p:nvPr/>
-        </p:nvSpPr>
-        <p:spPr>
-          <a:xfrm>
-            <a:off x="4947458" y="5581142"/>
-            <a:ext cx="1681551" cy="410433"/>
-          </a:xfrm>
-          <a:prstGeom prst="rect">
-            <a:avLst/>
-          </a:prstGeom>
-          <a:noFill/>
-        </p:spPr>
-        <p:txBody>
-          <a:bodyPr wrap="none" lIns="0" tIns="0" rIns="0" bIns="0" rtlCol="0">
-            <a:spAutoFit/>
-          </a:bodyPr>
-          <a:lstStyle/>
-          <a:p>
-            <a:pPr algn="l"/>
-            <a:r>
-              <a:rPr lang="en-GB" sz="2667" dirty="0" err="1">
-                <a:gradFill>
-                  <a:gsLst>
-                    <a:gs pos="2917">
-                      <a:schemeClr val="tx1"/>
-                    </a:gs>
-                    <a:gs pos="30000">
-                      <a:schemeClr val="tx1"/>
-                    </a:gs>
-                  </a:gsLst>
-                  <a:lin ang="5400000" scaled="0"/>
-                </a:gradFill>
-              </a:rPr>
-              <a:t>sam-cogan</a:t>
-            </a:r>
-            <a:endParaRPr lang="en-GB" sz="2667" dirty="0">
-              <a:gradFill>
-                <a:gsLst>
-                  <a:gs pos="2917">
-                    <a:schemeClr val="tx1"/>
-                  </a:gs>
-                  <a:gs pos="30000">
-                    <a:schemeClr val="tx1"/>
-                  </a:gs>
-                </a:gsLst>
-                <a:lin ang="5400000" scaled="0"/>
-              </a:gradFill>
-            </a:endParaRPr>
-          </a:p>
-        </p:txBody>
-      </p:sp>
-      <p:pic>
-        <p:nvPicPr>
-          <p:cNvPr id="11" name="Graphic 10">
-            <a:extLst>
-              <a:ext uri="{FF2B5EF4-FFF2-40B4-BE49-F238E27FC236}">
-                <a16:creationId xmlns:a16="http://schemas.microsoft.com/office/drawing/2014/main" id="{00709674-EC71-4F67-85DC-FB88FA4846DE}"/>
-              </a:ext>
-            </a:extLst>
-          </p:cNvPr>
-          <p:cNvPicPr>
-            <a:picLocks noChangeAspect="1"/>
-          </p:cNvPicPr>
-          <p:nvPr/>
-        </p:nvPicPr>
-        <p:blipFill>
-          <a:blip r:embed="rId7">
-            <a:extLst>
-              <a:ext uri="{96DAC541-7B7A-43D3-8B79-37D633B846F1}">
-                <asvg:svgBlip xmlns:asvg="http://schemas.microsoft.com/office/drawing/2016/SVG/main" r:embed="rId8"/>
-              </a:ext>
-            </a:extLst>
-          </a:blip>
-          <a:stretch>
-            <a:fillRect/>
-          </a:stretch>
-        </p:blipFill>
-        <p:spPr>
-          <a:xfrm>
-            <a:off x="4474369" y="5585111"/>
-            <a:ext cx="406400" cy="406400"/>
+            <a:off x="6445444" y="2340385"/>
+            <a:ext cx="2385890" cy="2385890"/>
           </a:xfrm>
           <a:prstGeom prst="rect">
             <a:avLst/>
@@ -38002,17 +37429,29 @@
     </p:spTree>
     <p:extLst>
       <p:ext uri="{BB962C8B-B14F-4D97-AF65-F5344CB8AC3E}">
-        <p14:creationId xmlns:p14="http://schemas.microsoft.com/office/powerpoint/2010/main" val="2814441679"/>
+        <p14:creationId xmlns:p14="http://schemas.microsoft.com/office/powerpoint/2010/main" val="2288532072"/>
       </p:ext>
     </p:extLst>
   </p:cSld>
   <p:clrMapOvr>
     <a:masterClrMapping/>
   </p:clrMapOvr>
+  <mc:AlternateContent xmlns:mc="http://schemas.openxmlformats.org/markup-compatibility/2006" xmlns:p14="http://schemas.microsoft.com/office/powerpoint/2010/main">
+    <mc:Choice Requires="p14">
+      <p:transition spd="med" p14:dur="700">
+        <p:fade/>
+      </p:transition>
+    </mc:Choice>
+    <mc:Fallback xmlns="">
+      <p:transition spd="med">
+        <p:fade/>
+      </p:transition>
+    </mc:Fallback>
+  </mc:AlternateContent>
 </p:sld>
 </file>
 
-<file path=ppt/slides/slide4.xml><?xml version="1.0" encoding="utf-8"?>
+<file path=ppt/slides/slide12.xml><?xml version="1.0" encoding="utf-8"?>
 <p:sld xmlns:a="http://schemas.openxmlformats.org/drawingml/2006/main" xmlns:r="http://schemas.openxmlformats.org/officeDocument/2006/relationships" xmlns:p="http://schemas.openxmlformats.org/presentationml/2006/main">
   <p:cSld>
     <p:spTree>
@@ -38178,6 +37617,1387 @@
     </p:spTree>
     <p:extLst>
       <p:ext uri="{BB962C8B-B14F-4D97-AF65-F5344CB8AC3E}">
+        <p14:creationId xmlns:p14="http://schemas.microsoft.com/office/powerpoint/2010/main" val="1628211096"/>
+      </p:ext>
+    </p:extLst>
+  </p:cSld>
+  <p:clrMapOvr>
+    <a:masterClrMapping/>
+  </p:clrMapOvr>
+  <mc:AlternateContent xmlns:mc="http://schemas.openxmlformats.org/markup-compatibility/2006" xmlns:p14="http://schemas.microsoft.com/office/powerpoint/2010/main">
+    <mc:Choice Requires="p14">
+      <p:transition spd="med" p14:dur="700">
+        <p:fade/>
+      </p:transition>
+    </mc:Choice>
+    <mc:Fallback xmlns="">
+      <p:transition spd="med">
+        <p:fade/>
+      </p:transition>
+    </mc:Fallback>
+  </mc:AlternateContent>
+</p:sld>
+</file>
+
+<file path=ppt/slides/slide13.xml><?xml version="1.0" encoding="utf-8"?>
+<p:sld xmlns:a="http://schemas.openxmlformats.org/drawingml/2006/main" xmlns:r="http://schemas.openxmlformats.org/officeDocument/2006/relationships" xmlns:p="http://schemas.openxmlformats.org/presentationml/2006/main">
+  <p:cSld>
+    <p:spTree>
+      <p:nvGrpSpPr>
+        <p:cNvPr id="1" name=""/>
+        <p:cNvGrpSpPr/>
+        <p:nvPr/>
+      </p:nvGrpSpPr>
+      <p:grpSpPr>
+        <a:xfrm>
+          <a:off x="0" y="0"/>
+          <a:ext cx="0" cy="0"/>
+          <a:chOff x="0" y="0"/>
+          <a:chExt cx="0" cy="0"/>
+        </a:xfrm>
+      </p:grpSpPr>
+      <p:sp>
+        <p:nvSpPr>
+          <p:cNvPr id="2" name="Title 1">
+            <a:extLst>
+              <a:ext uri="{FF2B5EF4-FFF2-40B4-BE49-F238E27FC236}">
+                <a16:creationId xmlns:a16="http://schemas.microsoft.com/office/drawing/2014/main" id="{A6E2234C-963A-4BDB-AC81-D452BD38A69B}"/>
+              </a:ext>
+            </a:extLst>
+          </p:cNvPr>
+          <p:cNvSpPr>
+            <a:spLocks noGrp="1"/>
+          </p:cNvSpPr>
+          <p:nvPr>
+            <p:ph type="title"/>
+          </p:nvPr>
+        </p:nvSpPr>
+        <p:spPr/>
+        <p:txBody>
+          <a:bodyPr/>
+          <a:lstStyle/>
+          <a:p>
+            <a:r>
+              <a:rPr lang="en-GB" dirty="0"/>
+              <a:t>About Me</a:t>
+            </a:r>
+            <a:endParaRPr lang="en-CH" dirty="0"/>
+          </a:p>
+        </p:txBody>
+      </p:sp>
+      <p:pic>
+        <p:nvPicPr>
+          <p:cNvPr id="4" name="Picture 2" descr="Title762406932">
+            <a:extLst>
+              <a:ext uri="{FF2B5EF4-FFF2-40B4-BE49-F238E27FC236}">
+                <a16:creationId xmlns:a16="http://schemas.microsoft.com/office/drawing/2014/main" id="{7BA46E82-A330-4DEF-98B2-20DEE3005862}"/>
+              </a:ext>
+            </a:extLst>
+          </p:cNvPr>
+          <p:cNvPicPr>
+            <a:picLocks noChangeAspect="1" noChangeArrowheads="1"/>
+          </p:cNvPicPr>
+          <p:nvPr/>
+        </p:nvPicPr>
+        <p:blipFill>
+          <a:blip r:embed="rId2">
+            <a:extLst>
+              <a:ext uri="{28A0092B-C50C-407E-A947-70E740481C1C}">
+                <a14:useLocalDpi xmlns:a14="http://schemas.microsoft.com/office/drawing/2010/main" val="0"/>
+              </a:ext>
+            </a:extLst>
+          </a:blip>
+          <a:srcRect/>
+          <a:stretch>
+            <a:fillRect/>
+          </a:stretch>
+        </p:blipFill>
+        <p:spPr bwMode="auto">
+          <a:xfrm>
+            <a:off x="781967" y="1630247"/>
+            <a:ext cx="2540000" cy="2540000"/>
+          </a:xfrm>
+          <a:prstGeom prst="rect">
+            <a:avLst/>
+          </a:prstGeom>
+          <a:noFill/>
+          <a:extLst>
+            <a:ext uri="{909E8E84-426E-40DD-AFC4-6F175D3DCCD1}">
+              <a14:hiddenFill xmlns:a14="http://schemas.microsoft.com/office/drawing/2010/main">
+                <a:solidFill>
+                  <a:srgbClr val="FFFFFF"/>
+                </a:solidFill>
+              </a14:hiddenFill>
+            </a:ext>
+          </a:extLst>
+        </p:spPr>
+      </p:pic>
+      <p:sp>
+        <p:nvSpPr>
+          <p:cNvPr id="5" name="TextBox 4">
+            <a:extLst>
+              <a:ext uri="{FF2B5EF4-FFF2-40B4-BE49-F238E27FC236}">
+                <a16:creationId xmlns:a16="http://schemas.microsoft.com/office/drawing/2014/main" id="{1872E7FA-7992-477F-8C4E-C1FB1F056038}"/>
+              </a:ext>
+            </a:extLst>
+          </p:cNvPr>
+          <p:cNvSpPr txBox="1"/>
+          <p:nvPr/>
+        </p:nvSpPr>
+        <p:spPr>
+          <a:xfrm>
+            <a:off x="4470401" y="1630247"/>
+            <a:ext cx="6197209" cy="2216184"/>
+          </a:xfrm>
+          <a:prstGeom prst="rect">
+            <a:avLst/>
+          </a:prstGeom>
+          <a:noFill/>
+        </p:spPr>
+        <p:txBody>
+          <a:bodyPr wrap="none" lIns="0" tIns="0" rIns="0" bIns="0" rtlCol="0">
+            <a:spAutoFit/>
+          </a:bodyPr>
+          <a:lstStyle/>
+          <a:p>
+            <a:pPr algn="l"/>
+            <a:r>
+              <a:rPr lang="en-GB" sz="6400" dirty="0">
+                <a:solidFill>
+                  <a:schemeClr val="accent1"/>
+                </a:solidFill>
+              </a:rPr>
+              <a:t>Sam Cogan</a:t>
+            </a:r>
+          </a:p>
+          <a:p>
+            <a:pPr algn="l"/>
+            <a:br>
+              <a:rPr lang="en-GB" sz="2667" dirty="0">
+                <a:gradFill>
+                  <a:gsLst>
+                    <a:gs pos="2917">
+                      <a:schemeClr val="tx1"/>
+                    </a:gs>
+                    <a:gs pos="30000">
+                      <a:schemeClr val="tx1"/>
+                    </a:gs>
+                  </a:gsLst>
+                  <a:lin ang="5400000" scaled="0"/>
+                </a:gradFill>
+              </a:rPr>
+            </a:br>
+            <a:r>
+              <a:rPr lang="en-GB" sz="2667" dirty="0">
+                <a:gradFill>
+                  <a:gsLst>
+                    <a:gs pos="2917">
+                      <a:schemeClr val="tx1"/>
+                    </a:gs>
+                    <a:gs pos="30000">
+                      <a:schemeClr val="tx1"/>
+                    </a:gs>
+                  </a:gsLst>
+                  <a:lin ang="5400000" scaled="0"/>
+                </a:gradFill>
+              </a:rPr>
+              <a:t>Solution Architect – Willis Towers Watson</a:t>
+            </a:r>
+          </a:p>
+          <a:p>
+            <a:pPr algn="l"/>
+            <a:r>
+              <a:rPr lang="en-GB" sz="2667" dirty="0">
+                <a:gradFill>
+                  <a:gsLst>
+                    <a:gs pos="2917">
+                      <a:schemeClr val="tx1"/>
+                    </a:gs>
+                    <a:gs pos="30000">
+                      <a:schemeClr val="tx1"/>
+                    </a:gs>
+                  </a:gsLst>
+                  <a:lin ang="5400000" scaled="0"/>
+                </a:gradFill>
+              </a:rPr>
+              <a:t>Microsoft Azure MVP</a:t>
+            </a:r>
+            <a:endParaRPr lang="en-US" sz="2667" dirty="0" err="1">
+              <a:gradFill>
+                <a:gsLst>
+                  <a:gs pos="2917">
+                    <a:schemeClr val="tx1"/>
+                  </a:gs>
+                  <a:gs pos="30000">
+                    <a:schemeClr val="tx1"/>
+                  </a:gs>
+                </a:gsLst>
+                <a:lin ang="5400000" scaled="0"/>
+              </a:gradFill>
+            </a:endParaRPr>
+          </a:p>
+        </p:txBody>
+      </p:sp>
+      <p:sp>
+        <p:nvSpPr>
+          <p:cNvPr id="6" name="TextBox 5">
+            <a:extLst>
+              <a:ext uri="{FF2B5EF4-FFF2-40B4-BE49-F238E27FC236}">
+                <a16:creationId xmlns:a16="http://schemas.microsoft.com/office/drawing/2014/main" id="{23B22BEF-6E4F-4173-9BCF-3D301F132299}"/>
+              </a:ext>
+            </a:extLst>
+          </p:cNvPr>
+          <p:cNvSpPr txBox="1"/>
+          <p:nvPr/>
+        </p:nvSpPr>
+        <p:spPr>
+          <a:xfrm>
+            <a:off x="4947458" y="4647155"/>
+            <a:ext cx="3781849" cy="410433"/>
+          </a:xfrm>
+          <a:prstGeom prst="rect">
+            <a:avLst/>
+          </a:prstGeom>
+          <a:noFill/>
+        </p:spPr>
+        <p:txBody>
+          <a:bodyPr wrap="square" lIns="0" tIns="0" rIns="0" bIns="0" rtlCol="0">
+            <a:spAutoFit/>
+          </a:bodyPr>
+          <a:lstStyle/>
+          <a:p>
+            <a:pPr algn="l"/>
+            <a:r>
+              <a:rPr lang="en-GB" sz="2667" dirty="0">
+                <a:gradFill>
+                  <a:gsLst>
+                    <a:gs pos="2917">
+                      <a:schemeClr val="tx1"/>
+                    </a:gs>
+                    <a:gs pos="30000">
+                      <a:schemeClr val="tx1"/>
+                    </a:gs>
+                  </a:gsLst>
+                  <a:lin ang="5400000" scaled="0"/>
+                </a:gradFill>
+              </a:rPr>
+              <a:t>samcogan.com</a:t>
+            </a:r>
+          </a:p>
+        </p:txBody>
+      </p:sp>
+      <p:pic>
+        <p:nvPicPr>
+          <p:cNvPr id="7" name="Graphic 6">
+            <a:extLst>
+              <a:ext uri="{FF2B5EF4-FFF2-40B4-BE49-F238E27FC236}">
+                <a16:creationId xmlns:a16="http://schemas.microsoft.com/office/drawing/2014/main" id="{D1486BDD-2E81-4057-B118-D61C45BE686C}"/>
+              </a:ext>
+            </a:extLst>
+          </p:cNvPr>
+          <p:cNvPicPr>
+            <a:picLocks noChangeAspect="1"/>
+          </p:cNvPicPr>
+          <p:nvPr/>
+        </p:nvPicPr>
+        <p:blipFill>
+          <a:blip r:embed="rId3">
+            <a:extLst>
+              <a:ext uri="{96DAC541-7B7A-43D3-8B79-37D633B846F1}">
+                <asvg:svgBlip xmlns:asvg="http://schemas.microsoft.com/office/drawing/2016/SVG/main" r:embed="rId4"/>
+              </a:ext>
+            </a:extLst>
+          </a:blip>
+          <a:stretch>
+            <a:fillRect/>
+          </a:stretch>
+        </p:blipFill>
+        <p:spPr>
+          <a:xfrm>
+            <a:off x="4470400" y="4647153"/>
+            <a:ext cx="410371" cy="410371"/>
+          </a:xfrm>
+          <a:prstGeom prst="rect">
+            <a:avLst/>
+          </a:prstGeom>
+        </p:spPr>
+      </p:pic>
+      <p:sp>
+        <p:nvSpPr>
+          <p:cNvPr id="8" name="TextBox 7">
+            <a:extLst>
+              <a:ext uri="{FF2B5EF4-FFF2-40B4-BE49-F238E27FC236}">
+                <a16:creationId xmlns:a16="http://schemas.microsoft.com/office/drawing/2014/main" id="{E1E6D920-E851-40EA-AD43-4817ADB66F02}"/>
+              </a:ext>
+            </a:extLst>
+          </p:cNvPr>
+          <p:cNvSpPr txBox="1"/>
+          <p:nvPr/>
+        </p:nvSpPr>
+        <p:spPr>
+          <a:xfrm>
+            <a:off x="4947458" y="5114149"/>
+            <a:ext cx="1872307" cy="410433"/>
+          </a:xfrm>
+          <a:prstGeom prst="rect">
+            <a:avLst/>
+          </a:prstGeom>
+          <a:noFill/>
+        </p:spPr>
+        <p:txBody>
+          <a:bodyPr wrap="none" lIns="0" tIns="0" rIns="0" bIns="0" rtlCol="0">
+            <a:spAutoFit/>
+          </a:bodyPr>
+          <a:lstStyle/>
+          <a:p>
+            <a:pPr algn="l"/>
+            <a:r>
+              <a:rPr lang="en-GB" sz="2667" dirty="0">
+                <a:gradFill>
+                  <a:gsLst>
+                    <a:gs pos="2917">
+                      <a:schemeClr val="tx1"/>
+                    </a:gs>
+                    <a:gs pos="30000">
+                      <a:schemeClr val="tx1"/>
+                    </a:gs>
+                  </a:gsLst>
+                  <a:lin ang="5400000" scaled="0"/>
+                </a:gradFill>
+              </a:rPr>
+              <a:t>@</a:t>
+            </a:r>
+            <a:r>
+              <a:rPr lang="en-GB" sz="2667" dirty="0" err="1">
+                <a:gradFill>
+                  <a:gsLst>
+                    <a:gs pos="2917">
+                      <a:schemeClr val="tx1"/>
+                    </a:gs>
+                    <a:gs pos="30000">
+                      <a:schemeClr val="tx1"/>
+                    </a:gs>
+                  </a:gsLst>
+                  <a:lin ang="5400000" scaled="0"/>
+                </a:gradFill>
+              </a:rPr>
+              <a:t>samcogan</a:t>
+            </a:r>
+            <a:endParaRPr lang="en-GB" sz="2667" dirty="0">
+              <a:gradFill>
+                <a:gsLst>
+                  <a:gs pos="2917">
+                    <a:schemeClr val="tx1"/>
+                  </a:gs>
+                  <a:gs pos="30000">
+                    <a:schemeClr val="tx1"/>
+                  </a:gs>
+                </a:gsLst>
+                <a:lin ang="5400000" scaled="0"/>
+              </a:gradFill>
+            </a:endParaRPr>
+          </a:p>
+        </p:txBody>
+      </p:sp>
+      <p:pic>
+        <p:nvPicPr>
+          <p:cNvPr id="9" name="Graphic 8">
+            <a:extLst>
+              <a:ext uri="{FF2B5EF4-FFF2-40B4-BE49-F238E27FC236}">
+                <a16:creationId xmlns:a16="http://schemas.microsoft.com/office/drawing/2014/main" id="{AFD77926-6B43-46A4-8531-41825BB99E34}"/>
+              </a:ext>
+            </a:extLst>
+          </p:cNvPr>
+          <p:cNvPicPr>
+            <a:picLocks noChangeAspect="1"/>
+          </p:cNvPicPr>
+          <p:nvPr/>
+        </p:nvPicPr>
+        <p:blipFill>
+          <a:blip r:embed="rId5">
+            <a:extLst>
+              <a:ext uri="{96DAC541-7B7A-43D3-8B79-37D633B846F1}">
+                <asvg:svgBlip xmlns:asvg="http://schemas.microsoft.com/office/drawing/2016/SVG/main" r:embed="rId6"/>
+              </a:ext>
+            </a:extLst>
+          </a:blip>
+          <a:stretch>
+            <a:fillRect/>
+          </a:stretch>
+        </p:blipFill>
+        <p:spPr>
+          <a:xfrm>
+            <a:off x="4470401" y="5114149"/>
+            <a:ext cx="410369" cy="410369"/>
+          </a:xfrm>
+          <a:prstGeom prst="rect">
+            <a:avLst/>
+          </a:prstGeom>
+        </p:spPr>
+      </p:pic>
+      <p:sp>
+        <p:nvSpPr>
+          <p:cNvPr id="10" name="TextBox 9">
+            <a:extLst>
+              <a:ext uri="{FF2B5EF4-FFF2-40B4-BE49-F238E27FC236}">
+                <a16:creationId xmlns:a16="http://schemas.microsoft.com/office/drawing/2014/main" id="{2C9917EE-278B-4969-9893-5A9728BCB1BE}"/>
+              </a:ext>
+            </a:extLst>
+          </p:cNvPr>
+          <p:cNvSpPr txBox="1"/>
+          <p:nvPr/>
+        </p:nvSpPr>
+        <p:spPr>
+          <a:xfrm>
+            <a:off x="4947458" y="5581142"/>
+            <a:ext cx="1681551" cy="410433"/>
+          </a:xfrm>
+          <a:prstGeom prst="rect">
+            <a:avLst/>
+          </a:prstGeom>
+          <a:noFill/>
+        </p:spPr>
+        <p:txBody>
+          <a:bodyPr wrap="none" lIns="0" tIns="0" rIns="0" bIns="0" rtlCol="0">
+            <a:spAutoFit/>
+          </a:bodyPr>
+          <a:lstStyle/>
+          <a:p>
+            <a:pPr algn="l"/>
+            <a:r>
+              <a:rPr lang="en-GB" sz="2667" dirty="0" err="1">
+                <a:gradFill>
+                  <a:gsLst>
+                    <a:gs pos="2917">
+                      <a:schemeClr val="tx1"/>
+                    </a:gs>
+                    <a:gs pos="30000">
+                      <a:schemeClr val="tx1"/>
+                    </a:gs>
+                  </a:gsLst>
+                  <a:lin ang="5400000" scaled="0"/>
+                </a:gradFill>
+              </a:rPr>
+              <a:t>sam-cogan</a:t>
+            </a:r>
+            <a:endParaRPr lang="en-GB" sz="2667" dirty="0">
+              <a:gradFill>
+                <a:gsLst>
+                  <a:gs pos="2917">
+                    <a:schemeClr val="tx1"/>
+                  </a:gs>
+                  <a:gs pos="30000">
+                    <a:schemeClr val="tx1"/>
+                  </a:gs>
+                </a:gsLst>
+                <a:lin ang="5400000" scaled="0"/>
+              </a:gradFill>
+            </a:endParaRPr>
+          </a:p>
+        </p:txBody>
+      </p:sp>
+      <p:pic>
+        <p:nvPicPr>
+          <p:cNvPr id="11" name="Graphic 10">
+            <a:extLst>
+              <a:ext uri="{FF2B5EF4-FFF2-40B4-BE49-F238E27FC236}">
+                <a16:creationId xmlns:a16="http://schemas.microsoft.com/office/drawing/2014/main" id="{00709674-EC71-4F67-85DC-FB88FA4846DE}"/>
+              </a:ext>
+            </a:extLst>
+          </p:cNvPr>
+          <p:cNvPicPr>
+            <a:picLocks noChangeAspect="1"/>
+          </p:cNvPicPr>
+          <p:nvPr/>
+        </p:nvPicPr>
+        <p:blipFill>
+          <a:blip r:embed="rId7">
+            <a:extLst>
+              <a:ext uri="{96DAC541-7B7A-43D3-8B79-37D633B846F1}">
+                <asvg:svgBlip xmlns:asvg="http://schemas.microsoft.com/office/drawing/2016/SVG/main" r:embed="rId8"/>
+              </a:ext>
+            </a:extLst>
+          </a:blip>
+          <a:stretch>
+            <a:fillRect/>
+          </a:stretch>
+        </p:blipFill>
+        <p:spPr>
+          <a:xfrm>
+            <a:off x="4474369" y="5585111"/>
+            <a:ext cx="406400" cy="406400"/>
+          </a:xfrm>
+          <a:prstGeom prst="rect">
+            <a:avLst/>
+          </a:prstGeom>
+        </p:spPr>
+      </p:pic>
+      <p:pic>
+        <p:nvPicPr>
+          <p:cNvPr id="12" name="Picture 11">
+            <a:extLst>
+              <a:ext uri="{FF2B5EF4-FFF2-40B4-BE49-F238E27FC236}">
+                <a16:creationId xmlns:a16="http://schemas.microsoft.com/office/drawing/2014/main" id="{6F5970D2-2BA0-4C92-A222-19FC0E952D8F}"/>
+              </a:ext>
+            </a:extLst>
+          </p:cNvPr>
+          <p:cNvPicPr>
+            <a:picLocks noChangeAspect="1"/>
+          </p:cNvPicPr>
+          <p:nvPr/>
+        </p:nvPicPr>
+        <p:blipFill>
+          <a:blip r:embed="rId9"/>
+          <a:stretch>
+            <a:fillRect/>
+          </a:stretch>
+        </p:blipFill>
+        <p:spPr>
+          <a:xfrm>
+            <a:off x="8795994" y="3653477"/>
+            <a:ext cx="2808093" cy="2808093"/>
+          </a:xfrm>
+          <a:prstGeom prst="rect">
+            <a:avLst/>
+          </a:prstGeom>
+        </p:spPr>
+      </p:pic>
+    </p:spTree>
+    <p:extLst>
+      <p:ext uri="{BB962C8B-B14F-4D97-AF65-F5344CB8AC3E}">
+        <p14:creationId xmlns:p14="http://schemas.microsoft.com/office/powerpoint/2010/main" val="163253097"/>
+      </p:ext>
+    </p:extLst>
+  </p:cSld>
+  <p:clrMapOvr>
+    <a:masterClrMapping/>
+  </p:clrMapOvr>
+</p:sld>
+</file>
+
+<file path=ppt/slides/slide2.xml><?xml version="1.0" encoding="utf-8"?>
+<p:sld xmlns:a="http://schemas.openxmlformats.org/drawingml/2006/main" xmlns:r="http://schemas.openxmlformats.org/officeDocument/2006/relationships" xmlns:p="http://schemas.openxmlformats.org/presentationml/2006/main">
+  <p:cSld>
+    <p:spTree>
+      <p:nvGrpSpPr>
+        <p:cNvPr id="1" name=""/>
+        <p:cNvGrpSpPr/>
+        <p:nvPr/>
+      </p:nvGrpSpPr>
+      <p:grpSpPr>
+        <a:xfrm>
+          <a:off x="0" y="0"/>
+          <a:ext cx="0" cy="0"/>
+          <a:chOff x="0" y="0"/>
+          <a:chExt cx="0" cy="0"/>
+        </a:xfrm>
+      </p:grpSpPr>
+      <p:sp>
+        <p:nvSpPr>
+          <p:cNvPr id="4" name="Title 3">
+            <a:extLst>
+              <a:ext uri="{FF2B5EF4-FFF2-40B4-BE49-F238E27FC236}">
+                <a16:creationId xmlns:a16="http://schemas.microsoft.com/office/drawing/2014/main" id="{57142998-EA94-4FA2-A6F3-9EB067C25E21}"/>
+              </a:ext>
+            </a:extLst>
+          </p:cNvPr>
+          <p:cNvSpPr>
+            <a:spLocks noGrp="1"/>
+          </p:cNvSpPr>
+          <p:nvPr>
+            <p:ph type="title"/>
+          </p:nvPr>
+        </p:nvSpPr>
+        <p:spPr>
+          <a:xfrm>
+            <a:off x="584200" y="2425780"/>
+            <a:ext cx="5510213" cy="1107996"/>
+          </a:xfrm>
+        </p:spPr>
+        <p:txBody>
+          <a:bodyPr/>
+          <a:lstStyle/>
+          <a:p>
+            <a:r>
+              <a:rPr lang="en-US" dirty="0"/>
+              <a:t>Azure Active Directory</a:t>
+            </a:r>
+            <a:br>
+              <a:rPr lang="en-US" dirty="0"/>
+            </a:br>
+            <a:r>
+              <a:rPr lang="en-US" dirty="0"/>
+              <a:t>is not Active Directory</a:t>
+            </a:r>
+          </a:p>
+        </p:txBody>
+      </p:sp>
+      <p:sp>
+        <p:nvSpPr>
+          <p:cNvPr id="5" name="Text Placeholder 4">
+            <a:extLst>
+              <a:ext uri="{FF2B5EF4-FFF2-40B4-BE49-F238E27FC236}">
+                <a16:creationId xmlns:a16="http://schemas.microsoft.com/office/drawing/2014/main" id="{6F88C36C-D184-4AF5-92D2-A0DBD6B7A82C}"/>
+              </a:ext>
+            </a:extLst>
+          </p:cNvPr>
+          <p:cNvSpPr>
+            <a:spLocks noGrp="1"/>
+          </p:cNvSpPr>
+          <p:nvPr>
+            <p:ph type="body" sz="quarter" idx="12"/>
+          </p:nvPr>
+        </p:nvSpPr>
+        <p:spPr>
+          <a:xfrm>
+            <a:off x="584200" y="3962400"/>
+            <a:ext cx="5510213" cy="1015663"/>
+          </a:xfrm>
+        </p:spPr>
+        <p:txBody>
+          <a:bodyPr/>
+          <a:lstStyle/>
+          <a:p>
+            <a:r>
+              <a:rPr lang="en-US" dirty="0"/>
+              <a:t>Sam Cogan</a:t>
+            </a:r>
+          </a:p>
+          <a:p>
+            <a:r>
+              <a:rPr lang="en-US" dirty="0"/>
+              <a:t>Solution Architect, Willis Towers Watson &amp; Azure MVP</a:t>
+            </a:r>
+          </a:p>
+        </p:txBody>
+      </p:sp>
+    </p:spTree>
+    <p:extLst>
+      <p:ext uri="{BB962C8B-B14F-4D97-AF65-F5344CB8AC3E}">
+        <p14:creationId xmlns:p14="http://schemas.microsoft.com/office/powerpoint/2010/main" val="666734175"/>
+      </p:ext>
+    </p:extLst>
+  </p:cSld>
+  <p:clrMapOvr>
+    <a:masterClrMapping/>
+  </p:clrMapOvr>
+  <mc:AlternateContent xmlns:mc="http://schemas.openxmlformats.org/markup-compatibility/2006" xmlns:p14="http://schemas.microsoft.com/office/powerpoint/2010/main">
+    <mc:Choice Requires="p14">
+      <p:transition spd="med" p14:dur="700">
+        <p:fade/>
+      </p:transition>
+    </mc:Choice>
+    <mc:Fallback xmlns="">
+      <p:transition spd="med">
+        <p:fade/>
+      </p:transition>
+    </mc:Fallback>
+  </mc:AlternateContent>
+</p:sld>
+</file>
+
+<file path=ppt/slides/slide3.xml><?xml version="1.0" encoding="utf-8"?>
+<p:sld xmlns:a="http://schemas.openxmlformats.org/drawingml/2006/main" xmlns:r="http://schemas.openxmlformats.org/officeDocument/2006/relationships" xmlns:p="http://schemas.openxmlformats.org/presentationml/2006/main">
+  <p:cSld>
+    <p:spTree>
+      <p:nvGrpSpPr>
+        <p:cNvPr id="1" name=""/>
+        <p:cNvGrpSpPr/>
+        <p:nvPr/>
+      </p:nvGrpSpPr>
+      <p:grpSpPr>
+        <a:xfrm>
+          <a:off x="0" y="0"/>
+          <a:ext cx="0" cy="0"/>
+          <a:chOff x="0" y="0"/>
+          <a:chExt cx="0" cy="0"/>
+        </a:xfrm>
+      </p:grpSpPr>
+      <p:sp>
+        <p:nvSpPr>
+          <p:cNvPr id="2" name="Title 1">
+            <a:extLst>
+              <a:ext uri="{FF2B5EF4-FFF2-40B4-BE49-F238E27FC236}">
+                <a16:creationId xmlns:a16="http://schemas.microsoft.com/office/drawing/2014/main" id="{A6E2234C-963A-4BDB-AC81-D452BD38A69B}"/>
+              </a:ext>
+            </a:extLst>
+          </p:cNvPr>
+          <p:cNvSpPr>
+            <a:spLocks noGrp="1"/>
+          </p:cNvSpPr>
+          <p:nvPr>
+            <p:ph type="title"/>
+          </p:nvPr>
+        </p:nvSpPr>
+        <p:spPr/>
+        <p:txBody>
+          <a:bodyPr/>
+          <a:lstStyle/>
+          <a:p>
+            <a:r>
+              <a:rPr lang="en-GB" dirty="0"/>
+              <a:t>About Me</a:t>
+            </a:r>
+            <a:endParaRPr lang="en-CH" dirty="0"/>
+          </a:p>
+        </p:txBody>
+      </p:sp>
+      <p:pic>
+        <p:nvPicPr>
+          <p:cNvPr id="4" name="Picture 2" descr="Title762406932">
+            <a:extLst>
+              <a:ext uri="{FF2B5EF4-FFF2-40B4-BE49-F238E27FC236}">
+                <a16:creationId xmlns:a16="http://schemas.microsoft.com/office/drawing/2014/main" id="{7BA46E82-A330-4DEF-98B2-20DEE3005862}"/>
+              </a:ext>
+            </a:extLst>
+          </p:cNvPr>
+          <p:cNvPicPr>
+            <a:picLocks noChangeAspect="1" noChangeArrowheads="1"/>
+          </p:cNvPicPr>
+          <p:nvPr/>
+        </p:nvPicPr>
+        <p:blipFill>
+          <a:blip r:embed="rId2">
+            <a:extLst>
+              <a:ext uri="{28A0092B-C50C-407E-A947-70E740481C1C}">
+                <a14:useLocalDpi xmlns:a14="http://schemas.microsoft.com/office/drawing/2010/main" val="0"/>
+              </a:ext>
+            </a:extLst>
+          </a:blip>
+          <a:srcRect/>
+          <a:stretch>
+            <a:fillRect/>
+          </a:stretch>
+        </p:blipFill>
+        <p:spPr bwMode="auto">
+          <a:xfrm>
+            <a:off x="781967" y="1630247"/>
+            <a:ext cx="2540000" cy="2540000"/>
+          </a:xfrm>
+          <a:prstGeom prst="rect">
+            <a:avLst/>
+          </a:prstGeom>
+          <a:noFill/>
+          <a:extLst>
+            <a:ext uri="{909E8E84-426E-40DD-AFC4-6F175D3DCCD1}">
+              <a14:hiddenFill xmlns:a14="http://schemas.microsoft.com/office/drawing/2010/main">
+                <a:solidFill>
+                  <a:srgbClr val="FFFFFF"/>
+                </a:solidFill>
+              </a14:hiddenFill>
+            </a:ext>
+          </a:extLst>
+        </p:spPr>
+      </p:pic>
+      <p:sp>
+        <p:nvSpPr>
+          <p:cNvPr id="5" name="TextBox 4">
+            <a:extLst>
+              <a:ext uri="{FF2B5EF4-FFF2-40B4-BE49-F238E27FC236}">
+                <a16:creationId xmlns:a16="http://schemas.microsoft.com/office/drawing/2014/main" id="{1872E7FA-7992-477F-8C4E-C1FB1F056038}"/>
+              </a:ext>
+            </a:extLst>
+          </p:cNvPr>
+          <p:cNvSpPr txBox="1"/>
+          <p:nvPr/>
+        </p:nvSpPr>
+        <p:spPr>
+          <a:xfrm>
+            <a:off x="4470401" y="1630247"/>
+            <a:ext cx="6197209" cy="2216184"/>
+          </a:xfrm>
+          <a:prstGeom prst="rect">
+            <a:avLst/>
+          </a:prstGeom>
+          <a:noFill/>
+        </p:spPr>
+        <p:txBody>
+          <a:bodyPr wrap="none" lIns="0" tIns="0" rIns="0" bIns="0" rtlCol="0">
+            <a:spAutoFit/>
+          </a:bodyPr>
+          <a:lstStyle/>
+          <a:p>
+            <a:pPr algn="l"/>
+            <a:r>
+              <a:rPr lang="en-GB" sz="6400" dirty="0">
+                <a:solidFill>
+                  <a:schemeClr val="accent1"/>
+                </a:solidFill>
+              </a:rPr>
+              <a:t>Sam Cogan</a:t>
+            </a:r>
+          </a:p>
+          <a:p>
+            <a:pPr algn="l"/>
+            <a:br>
+              <a:rPr lang="en-GB" sz="2667" dirty="0">
+                <a:gradFill>
+                  <a:gsLst>
+                    <a:gs pos="2917">
+                      <a:schemeClr val="tx1"/>
+                    </a:gs>
+                    <a:gs pos="30000">
+                      <a:schemeClr val="tx1"/>
+                    </a:gs>
+                  </a:gsLst>
+                  <a:lin ang="5400000" scaled="0"/>
+                </a:gradFill>
+              </a:rPr>
+            </a:br>
+            <a:r>
+              <a:rPr lang="en-GB" sz="2667" dirty="0">
+                <a:gradFill>
+                  <a:gsLst>
+                    <a:gs pos="2917">
+                      <a:schemeClr val="tx1"/>
+                    </a:gs>
+                    <a:gs pos="30000">
+                      <a:schemeClr val="tx1"/>
+                    </a:gs>
+                  </a:gsLst>
+                  <a:lin ang="5400000" scaled="0"/>
+                </a:gradFill>
+              </a:rPr>
+              <a:t>Solution Architect – Willis Towers Watson</a:t>
+            </a:r>
+          </a:p>
+          <a:p>
+            <a:pPr algn="l"/>
+            <a:r>
+              <a:rPr lang="en-GB" sz="2667" dirty="0">
+                <a:gradFill>
+                  <a:gsLst>
+                    <a:gs pos="2917">
+                      <a:schemeClr val="tx1"/>
+                    </a:gs>
+                    <a:gs pos="30000">
+                      <a:schemeClr val="tx1"/>
+                    </a:gs>
+                  </a:gsLst>
+                  <a:lin ang="5400000" scaled="0"/>
+                </a:gradFill>
+              </a:rPr>
+              <a:t>Microsoft Azure MVP</a:t>
+            </a:r>
+            <a:endParaRPr lang="en-US" sz="2667" dirty="0" err="1">
+              <a:gradFill>
+                <a:gsLst>
+                  <a:gs pos="2917">
+                    <a:schemeClr val="tx1"/>
+                  </a:gs>
+                  <a:gs pos="30000">
+                    <a:schemeClr val="tx1"/>
+                  </a:gs>
+                </a:gsLst>
+                <a:lin ang="5400000" scaled="0"/>
+              </a:gradFill>
+            </a:endParaRPr>
+          </a:p>
+        </p:txBody>
+      </p:sp>
+      <p:sp>
+        <p:nvSpPr>
+          <p:cNvPr id="6" name="TextBox 5">
+            <a:extLst>
+              <a:ext uri="{FF2B5EF4-FFF2-40B4-BE49-F238E27FC236}">
+                <a16:creationId xmlns:a16="http://schemas.microsoft.com/office/drawing/2014/main" id="{23B22BEF-6E4F-4173-9BCF-3D301F132299}"/>
+              </a:ext>
+            </a:extLst>
+          </p:cNvPr>
+          <p:cNvSpPr txBox="1"/>
+          <p:nvPr/>
+        </p:nvSpPr>
+        <p:spPr>
+          <a:xfrm>
+            <a:off x="4947458" y="4647155"/>
+            <a:ext cx="3781849" cy="410433"/>
+          </a:xfrm>
+          <a:prstGeom prst="rect">
+            <a:avLst/>
+          </a:prstGeom>
+          <a:noFill/>
+        </p:spPr>
+        <p:txBody>
+          <a:bodyPr wrap="square" lIns="0" tIns="0" rIns="0" bIns="0" rtlCol="0">
+            <a:spAutoFit/>
+          </a:bodyPr>
+          <a:lstStyle/>
+          <a:p>
+            <a:pPr algn="l"/>
+            <a:r>
+              <a:rPr lang="en-GB" sz="2667" dirty="0">
+                <a:gradFill>
+                  <a:gsLst>
+                    <a:gs pos="2917">
+                      <a:schemeClr val="tx1"/>
+                    </a:gs>
+                    <a:gs pos="30000">
+                      <a:schemeClr val="tx1"/>
+                    </a:gs>
+                  </a:gsLst>
+                  <a:lin ang="5400000" scaled="0"/>
+                </a:gradFill>
+              </a:rPr>
+              <a:t>samcogan.com</a:t>
+            </a:r>
+          </a:p>
+        </p:txBody>
+      </p:sp>
+      <p:pic>
+        <p:nvPicPr>
+          <p:cNvPr id="7" name="Graphic 6">
+            <a:extLst>
+              <a:ext uri="{FF2B5EF4-FFF2-40B4-BE49-F238E27FC236}">
+                <a16:creationId xmlns:a16="http://schemas.microsoft.com/office/drawing/2014/main" id="{D1486BDD-2E81-4057-B118-D61C45BE686C}"/>
+              </a:ext>
+            </a:extLst>
+          </p:cNvPr>
+          <p:cNvPicPr>
+            <a:picLocks noChangeAspect="1"/>
+          </p:cNvPicPr>
+          <p:nvPr/>
+        </p:nvPicPr>
+        <p:blipFill>
+          <a:blip r:embed="rId3">
+            <a:extLst>
+              <a:ext uri="{96DAC541-7B7A-43D3-8B79-37D633B846F1}">
+                <asvg:svgBlip xmlns:asvg="http://schemas.microsoft.com/office/drawing/2016/SVG/main" r:embed="rId4"/>
+              </a:ext>
+            </a:extLst>
+          </a:blip>
+          <a:stretch>
+            <a:fillRect/>
+          </a:stretch>
+        </p:blipFill>
+        <p:spPr>
+          <a:xfrm>
+            <a:off x="4470400" y="4647153"/>
+            <a:ext cx="410371" cy="410371"/>
+          </a:xfrm>
+          <a:prstGeom prst="rect">
+            <a:avLst/>
+          </a:prstGeom>
+        </p:spPr>
+      </p:pic>
+      <p:sp>
+        <p:nvSpPr>
+          <p:cNvPr id="8" name="TextBox 7">
+            <a:extLst>
+              <a:ext uri="{FF2B5EF4-FFF2-40B4-BE49-F238E27FC236}">
+                <a16:creationId xmlns:a16="http://schemas.microsoft.com/office/drawing/2014/main" id="{E1E6D920-E851-40EA-AD43-4817ADB66F02}"/>
+              </a:ext>
+            </a:extLst>
+          </p:cNvPr>
+          <p:cNvSpPr txBox="1"/>
+          <p:nvPr/>
+        </p:nvSpPr>
+        <p:spPr>
+          <a:xfrm>
+            <a:off x="4947458" y="5114149"/>
+            <a:ext cx="1872307" cy="410433"/>
+          </a:xfrm>
+          <a:prstGeom prst="rect">
+            <a:avLst/>
+          </a:prstGeom>
+          <a:noFill/>
+        </p:spPr>
+        <p:txBody>
+          <a:bodyPr wrap="none" lIns="0" tIns="0" rIns="0" bIns="0" rtlCol="0">
+            <a:spAutoFit/>
+          </a:bodyPr>
+          <a:lstStyle/>
+          <a:p>
+            <a:pPr algn="l"/>
+            <a:r>
+              <a:rPr lang="en-GB" sz="2667" dirty="0">
+                <a:gradFill>
+                  <a:gsLst>
+                    <a:gs pos="2917">
+                      <a:schemeClr val="tx1"/>
+                    </a:gs>
+                    <a:gs pos="30000">
+                      <a:schemeClr val="tx1"/>
+                    </a:gs>
+                  </a:gsLst>
+                  <a:lin ang="5400000" scaled="0"/>
+                </a:gradFill>
+              </a:rPr>
+              <a:t>@</a:t>
+            </a:r>
+            <a:r>
+              <a:rPr lang="en-GB" sz="2667" dirty="0" err="1">
+                <a:gradFill>
+                  <a:gsLst>
+                    <a:gs pos="2917">
+                      <a:schemeClr val="tx1"/>
+                    </a:gs>
+                    <a:gs pos="30000">
+                      <a:schemeClr val="tx1"/>
+                    </a:gs>
+                  </a:gsLst>
+                  <a:lin ang="5400000" scaled="0"/>
+                </a:gradFill>
+              </a:rPr>
+              <a:t>samcogan</a:t>
+            </a:r>
+            <a:endParaRPr lang="en-GB" sz="2667" dirty="0">
+              <a:gradFill>
+                <a:gsLst>
+                  <a:gs pos="2917">
+                    <a:schemeClr val="tx1"/>
+                  </a:gs>
+                  <a:gs pos="30000">
+                    <a:schemeClr val="tx1"/>
+                  </a:gs>
+                </a:gsLst>
+                <a:lin ang="5400000" scaled="0"/>
+              </a:gradFill>
+            </a:endParaRPr>
+          </a:p>
+        </p:txBody>
+      </p:sp>
+      <p:pic>
+        <p:nvPicPr>
+          <p:cNvPr id="9" name="Graphic 8">
+            <a:extLst>
+              <a:ext uri="{FF2B5EF4-FFF2-40B4-BE49-F238E27FC236}">
+                <a16:creationId xmlns:a16="http://schemas.microsoft.com/office/drawing/2014/main" id="{AFD77926-6B43-46A4-8531-41825BB99E34}"/>
+              </a:ext>
+            </a:extLst>
+          </p:cNvPr>
+          <p:cNvPicPr>
+            <a:picLocks noChangeAspect="1"/>
+          </p:cNvPicPr>
+          <p:nvPr/>
+        </p:nvPicPr>
+        <p:blipFill>
+          <a:blip r:embed="rId5">
+            <a:extLst>
+              <a:ext uri="{96DAC541-7B7A-43D3-8B79-37D633B846F1}">
+                <asvg:svgBlip xmlns:asvg="http://schemas.microsoft.com/office/drawing/2016/SVG/main" r:embed="rId6"/>
+              </a:ext>
+            </a:extLst>
+          </a:blip>
+          <a:stretch>
+            <a:fillRect/>
+          </a:stretch>
+        </p:blipFill>
+        <p:spPr>
+          <a:xfrm>
+            <a:off x="4470401" y="5114149"/>
+            <a:ext cx="410369" cy="410369"/>
+          </a:xfrm>
+          <a:prstGeom prst="rect">
+            <a:avLst/>
+          </a:prstGeom>
+        </p:spPr>
+      </p:pic>
+      <p:sp>
+        <p:nvSpPr>
+          <p:cNvPr id="10" name="TextBox 9">
+            <a:extLst>
+              <a:ext uri="{FF2B5EF4-FFF2-40B4-BE49-F238E27FC236}">
+                <a16:creationId xmlns:a16="http://schemas.microsoft.com/office/drawing/2014/main" id="{2C9917EE-278B-4969-9893-5A9728BCB1BE}"/>
+              </a:ext>
+            </a:extLst>
+          </p:cNvPr>
+          <p:cNvSpPr txBox="1"/>
+          <p:nvPr/>
+        </p:nvSpPr>
+        <p:spPr>
+          <a:xfrm>
+            <a:off x="4947458" y="5581142"/>
+            <a:ext cx="1681551" cy="410433"/>
+          </a:xfrm>
+          <a:prstGeom prst="rect">
+            <a:avLst/>
+          </a:prstGeom>
+          <a:noFill/>
+        </p:spPr>
+        <p:txBody>
+          <a:bodyPr wrap="none" lIns="0" tIns="0" rIns="0" bIns="0" rtlCol="0">
+            <a:spAutoFit/>
+          </a:bodyPr>
+          <a:lstStyle/>
+          <a:p>
+            <a:pPr algn="l"/>
+            <a:r>
+              <a:rPr lang="en-GB" sz="2667" dirty="0" err="1">
+                <a:gradFill>
+                  <a:gsLst>
+                    <a:gs pos="2917">
+                      <a:schemeClr val="tx1"/>
+                    </a:gs>
+                    <a:gs pos="30000">
+                      <a:schemeClr val="tx1"/>
+                    </a:gs>
+                  </a:gsLst>
+                  <a:lin ang="5400000" scaled="0"/>
+                </a:gradFill>
+              </a:rPr>
+              <a:t>sam-cogan</a:t>
+            </a:r>
+            <a:endParaRPr lang="en-GB" sz="2667" dirty="0">
+              <a:gradFill>
+                <a:gsLst>
+                  <a:gs pos="2917">
+                    <a:schemeClr val="tx1"/>
+                  </a:gs>
+                  <a:gs pos="30000">
+                    <a:schemeClr val="tx1"/>
+                  </a:gs>
+                </a:gsLst>
+                <a:lin ang="5400000" scaled="0"/>
+              </a:gradFill>
+            </a:endParaRPr>
+          </a:p>
+        </p:txBody>
+      </p:sp>
+      <p:pic>
+        <p:nvPicPr>
+          <p:cNvPr id="11" name="Graphic 10">
+            <a:extLst>
+              <a:ext uri="{FF2B5EF4-FFF2-40B4-BE49-F238E27FC236}">
+                <a16:creationId xmlns:a16="http://schemas.microsoft.com/office/drawing/2014/main" id="{00709674-EC71-4F67-85DC-FB88FA4846DE}"/>
+              </a:ext>
+            </a:extLst>
+          </p:cNvPr>
+          <p:cNvPicPr>
+            <a:picLocks noChangeAspect="1"/>
+          </p:cNvPicPr>
+          <p:nvPr/>
+        </p:nvPicPr>
+        <p:blipFill>
+          <a:blip r:embed="rId7">
+            <a:extLst>
+              <a:ext uri="{96DAC541-7B7A-43D3-8B79-37D633B846F1}">
+                <asvg:svgBlip xmlns:asvg="http://schemas.microsoft.com/office/drawing/2016/SVG/main" r:embed="rId8"/>
+              </a:ext>
+            </a:extLst>
+          </a:blip>
+          <a:stretch>
+            <a:fillRect/>
+          </a:stretch>
+        </p:blipFill>
+        <p:spPr>
+          <a:xfrm>
+            <a:off x="4474369" y="5585111"/>
+            <a:ext cx="406400" cy="406400"/>
+          </a:xfrm>
+          <a:prstGeom prst="rect">
+            <a:avLst/>
+          </a:prstGeom>
+        </p:spPr>
+      </p:pic>
+      <p:pic>
+        <p:nvPicPr>
+          <p:cNvPr id="12" name="Picture 11">
+            <a:extLst>
+              <a:ext uri="{FF2B5EF4-FFF2-40B4-BE49-F238E27FC236}">
+                <a16:creationId xmlns:a16="http://schemas.microsoft.com/office/drawing/2014/main" id="{6F5970D2-2BA0-4C92-A222-19FC0E952D8F}"/>
+              </a:ext>
+            </a:extLst>
+          </p:cNvPr>
+          <p:cNvPicPr>
+            <a:picLocks noChangeAspect="1"/>
+          </p:cNvPicPr>
+          <p:nvPr/>
+        </p:nvPicPr>
+        <p:blipFill>
+          <a:blip r:embed="rId9"/>
+          <a:stretch>
+            <a:fillRect/>
+          </a:stretch>
+        </p:blipFill>
+        <p:spPr>
+          <a:xfrm>
+            <a:off x="8795994" y="3653477"/>
+            <a:ext cx="2808093" cy="2808093"/>
+          </a:xfrm>
+          <a:prstGeom prst="rect">
+            <a:avLst/>
+          </a:prstGeom>
+        </p:spPr>
+      </p:pic>
+    </p:spTree>
+    <p:extLst>
+      <p:ext uri="{BB962C8B-B14F-4D97-AF65-F5344CB8AC3E}">
+        <p14:creationId xmlns:p14="http://schemas.microsoft.com/office/powerpoint/2010/main" val="2814441679"/>
+      </p:ext>
+    </p:extLst>
+  </p:cSld>
+  <p:clrMapOvr>
+    <a:masterClrMapping/>
+  </p:clrMapOvr>
+</p:sld>
+</file>
+
+<file path=ppt/slides/slide4.xml><?xml version="1.0" encoding="utf-8"?>
+<p:sld xmlns:a="http://schemas.openxmlformats.org/drawingml/2006/main" xmlns:r="http://schemas.openxmlformats.org/officeDocument/2006/relationships" xmlns:p="http://schemas.openxmlformats.org/presentationml/2006/main">
+  <p:cSld>
+    <p:spTree>
+      <p:nvGrpSpPr>
+        <p:cNvPr id="1" name=""/>
+        <p:cNvGrpSpPr/>
+        <p:nvPr/>
+      </p:nvGrpSpPr>
+      <p:grpSpPr>
+        <a:xfrm>
+          <a:off x="0" y="0"/>
+          <a:ext cx="0" cy="0"/>
+          <a:chOff x="0" y="0"/>
+          <a:chExt cx="0" cy="0"/>
+        </a:xfrm>
+      </p:grpSpPr>
+      <p:sp>
+        <p:nvSpPr>
+          <p:cNvPr id="17" name="Title 16"/>
+          <p:cNvSpPr>
+            <a:spLocks noGrp="1"/>
+          </p:cNvSpPr>
+          <p:nvPr>
+            <p:ph type="title"/>
+          </p:nvPr>
+        </p:nvSpPr>
+        <p:spPr/>
+        <p:txBody>
+          <a:bodyPr/>
+          <a:lstStyle/>
+          <a:p>
+            <a:r>
+              <a:rPr lang="en-US" dirty="0"/>
+              <a:t>Azure Active Directory is not Active Directory</a:t>
+            </a:r>
+          </a:p>
+        </p:txBody>
+      </p:sp>
+      <p:pic>
+        <p:nvPicPr>
+          <p:cNvPr id="1030" name="Picture 6" descr="Image result for active directory">
+            <a:extLst>
+              <a:ext uri="{FF2B5EF4-FFF2-40B4-BE49-F238E27FC236}">
+                <a16:creationId xmlns:a16="http://schemas.microsoft.com/office/drawing/2014/main" id="{B2B2451A-157B-4455-93F3-9E1BA0583983}"/>
+              </a:ext>
+            </a:extLst>
+          </p:cNvPr>
+          <p:cNvPicPr>
+            <a:picLocks noChangeAspect="1" noChangeArrowheads="1"/>
+          </p:cNvPicPr>
+          <p:nvPr/>
+        </p:nvPicPr>
+        <p:blipFill>
+          <a:blip r:embed="rId3">
+            <a:extLst>
+              <a:ext uri="{28A0092B-C50C-407E-A947-70E740481C1C}">
+                <a14:useLocalDpi xmlns:a14="http://schemas.microsoft.com/office/drawing/2010/main" val="0"/>
+              </a:ext>
+            </a:extLst>
+          </a:blip>
+          <a:srcRect/>
+          <a:stretch>
+            <a:fillRect/>
+          </a:stretch>
+        </p:blipFill>
+        <p:spPr bwMode="auto">
+          <a:xfrm>
+            <a:off x="1636123" y="1470660"/>
+            <a:ext cx="5715000" cy="1600200"/>
+          </a:xfrm>
+          <a:prstGeom prst="rect">
+            <a:avLst/>
+          </a:prstGeom>
+          <a:noFill/>
+          <a:extLst>
+            <a:ext uri="{909E8E84-426E-40DD-AFC4-6F175D3DCCD1}">
+              <a14:hiddenFill xmlns:a14="http://schemas.microsoft.com/office/drawing/2010/main">
+                <a:solidFill>
+                  <a:srgbClr val="FFFFFF"/>
+                </a:solidFill>
+              </a14:hiddenFill>
+            </a:ext>
+          </a:extLst>
+        </p:spPr>
+      </p:pic>
+      <p:pic>
+        <p:nvPicPr>
+          <p:cNvPr id="8" name="Graphic 7">
+            <a:extLst>
+              <a:ext uri="{FF2B5EF4-FFF2-40B4-BE49-F238E27FC236}">
+                <a16:creationId xmlns:a16="http://schemas.microsoft.com/office/drawing/2014/main" id="{AF02405E-E155-4C04-99CB-09A674B1DD2A}"/>
+              </a:ext>
+            </a:extLst>
+          </p:cNvPr>
+          <p:cNvPicPr>
+            <a:picLocks noChangeAspect="1"/>
+          </p:cNvPicPr>
+          <p:nvPr/>
+        </p:nvPicPr>
+        <p:blipFill>
+          <a:blip r:embed="rId4">
+            <a:extLst>
+              <a:ext uri="{96DAC541-7B7A-43D3-8B79-37D633B846F1}">
+                <asvg:svgBlip xmlns:asvg="http://schemas.microsoft.com/office/drawing/2016/SVG/main" r:embed="rId5"/>
+              </a:ext>
+            </a:extLst>
+          </a:blip>
+          <a:stretch>
+            <a:fillRect/>
+          </a:stretch>
+        </p:blipFill>
+        <p:spPr>
+          <a:xfrm>
+            <a:off x="1360027" y="3890865"/>
+            <a:ext cx="1990907" cy="2006154"/>
+          </a:xfrm>
+          <a:prstGeom prst="rect">
+            <a:avLst/>
+          </a:prstGeom>
+        </p:spPr>
+      </p:pic>
+      <p:sp>
+        <p:nvSpPr>
+          <p:cNvPr id="9" name="TextBox 8">
+            <a:extLst>
+              <a:ext uri="{FF2B5EF4-FFF2-40B4-BE49-F238E27FC236}">
+                <a16:creationId xmlns:a16="http://schemas.microsoft.com/office/drawing/2014/main" id="{752F2C9C-CCA3-4316-9177-25C02BB78223}"/>
+              </a:ext>
+            </a:extLst>
+          </p:cNvPr>
+          <p:cNvSpPr txBox="1"/>
+          <p:nvPr/>
+        </p:nvSpPr>
+        <p:spPr>
+          <a:xfrm>
+            <a:off x="3350934" y="4648676"/>
+            <a:ext cx="6740628" cy="738664"/>
+          </a:xfrm>
+          <a:prstGeom prst="rect">
+            <a:avLst/>
+          </a:prstGeom>
+          <a:noFill/>
+        </p:spPr>
+        <p:txBody>
+          <a:bodyPr wrap="none" lIns="0" tIns="0" rIns="0" bIns="0" rtlCol="0">
+            <a:spAutoFit/>
+          </a:bodyPr>
+          <a:lstStyle/>
+          <a:p>
+            <a:pPr algn="l"/>
+            <a:r>
+              <a:rPr lang="en-GB" sz="4800" dirty="0">
+                <a:solidFill>
+                  <a:srgbClr val="00BEF2"/>
+                </a:solidFill>
+                <a:latin typeface="Metropolis" panose="00000500000000000000" pitchFamily="50" charset="0"/>
+              </a:rPr>
+              <a:t>Azure Active Directory</a:t>
+            </a:r>
+          </a:p>
+        </p:txBody>
+      </p:sp>
+    </p:spTree>
+    <p:extLst>
+      <p:ext uri="{BB962C8B-B14F-4D97-AF65-F5344CB8AC3E}">
         <p14:creationId xmlns:p14="http://schemas.microsoft.com/office/powerpoint/2010/main" val="3957722359"/>
       </p:ext>
     </p:extLst>
@@ -38234,7 +39054,7 @@
           <a:p>
             <a:r>
               <a:rPr lang="en-US" dirty="0"/>
-              <a:t>Azure AD Features</a:t>
+              <a:t>What does Azure AD Provide</a:t>
             </a:r>
           </a:p>
         </p:txBody>
@@ -38251,90 +39071,14 @@
         </p:nvSpPr>
         <p:spPr>
           <a:xfrm>
-            <a:off x="884354" y="1753008"/>
-            <a:ext cx="11018520" cy="4431983"/>
+            <a:off x="1712264" y="5049390"/>
+            <a:ext cx="5074428" cy="553998"/>
           </a:xfrm>
         </p:spPr>
         <p:txBody>
           <a:bodyPr/>
           <a:lstStyle/>
           <a:p>
-            <a:pPr marL="571500" indent="-571500">
-              <a:buFont typeface="Arial" panose="020B0604020202020204" pitchFamily="34" charset="0"/>
-              <a:buChar char="•"/>
-            </a:pPr>
-            <a:r>
-              <a:rPr lang="en-US" sz="3600" dirty="0">
-                <a:solidFill>
-                  <a:schemeClr val="tx1"/>
-                </a:solidFill>
-              </a:rPr>
-              <a:t>Cloud Based Identity Store for Users and Groups</a:t>
-            </a:r>
-          </a:p>
-          <a:p>
-            <a:pPr marL="571500" indent="-571500">
-              <a:buFont typeface="Arial" panose="020B0604020202020204" pitchFamily="34" charset="0"/>
-              <a:buChar char="•"/>
-            </a:pPr>
-            <a:r>
-              <a:rPr lang="en-US" sz="3600" dirty="0">
-                <a:solidFill>
-                  <a:schemeClr val="tx1"/>
-                </a:solidFill>
-              </a:rPr>
-              <a:t>Application Store</a:t>
-            </a:r>
-          </a:p>
-          <a:p>
-            <a:pPr marL="571500" indent="-571500">
-              <a:buFont typeface="Arial" panose="020B0604020202020204" pitchFamily="34" charset="0"/>
-              <a:buChar char="•"/>
-            </a:pPr>
-            <a:r>
-              <a:rPr lang="en-US" sz="3600" dirty="0">
-                <a:solidFill>
-                  <a:schemeClr val="tx1"/>
-                </a:solidFill>
-              </a:rPr>
-              <a:t>Modern Authentication Protocols – </a:t>
-            </a:r>
-            <a:r>
-              <a:rPr lang="en-US" sz="3600" dirty="0" err="1">
-                <a:solidFill>
-                  <a:schemeClr val="tx1"/>
-                </a:solidFill>
-              </a:rPr>
-              <a:t>Oauth</a:t>
-            </a:r>
-            <a:r>
-              <a:rPr lang="en-US" sz="3600" dirty="0">
-                <a:solidFill>
-                  <a:schemeClr val="tx1"/>
-                </a:solidFill>
-              </a:rPr>
-              <a:t>, SAML, Open ID</a:t>
-            </a:r>
-          </a:p>
-          <a:p>
-            <a:pPr marL="571500" indent="-571500">
-              <a:buFont typeface="Arial" panose="020B0604020202020204" pitchFamily="34" charset="0"/>
-              <a:buChar char="•"/>
-            </a:pPr>
-            <a:r>
-              <a:rPr lang="en-US" sz="3600" dirty="0">
-                <a:solidFill>
-                  <a:schemeClr val="tx1"/>
-                </a:solidFill>
-              </a:rPr>
-              <a:t>Identity Protection</a:t>
-            </a:r>
-          </a:p>
-          <a:p>
-            <a:pPr marL="571500" indent="-571500">
-              <a:buFont typeface="Arial" panose="020B0604020202020204" pitchFamily="34" charset="0"/>
-              <a:buChar char="•"/>
-            </a:pPr>
             <a:r>
               <a:rPr lang="en-US" sz="3600" dirty="0">
                 <a:solidFill>
@@ -38343,13 +39087,6 @@
               </a:rPr>
               <a:t>Collaboration</a:t>
             </a:r>
-          </a:p>
-          <a:p>
-            <a:endParaRPr lang="en-US" sz="3600" dirty="0">
-              <a:solidFill>
-                <a:schemeClr val="tx1"/>
-              </a:solidFill>
-            </a:endParaRPr>
           </a:p>
         </p:txBody>
       </p:sp>
@@ -38398,6 +39135,339 @@
           </a:p>
         </p:txBody>
       </p:sp>
+      <p:pic>
+        <p:nvPicPr>
+          <p:cNvPr id="4" name="Graphic 3">
+            <a:extLst>
+              <a:ext uri="{FF2B5EF4-FFF2-40B4-BE49-F238E27FC236}">
+                <a16:creationId xmlns:a16="http://schemas.microsoft.com/office/drawing/2014/main" id="{097AE9E5-D2A2-4608-9540-C8D94579765C}"/>
+              </a:ext>
+            </a:extLst>
+          </p:cNvPr>
+          <p:cNvPicPr>
+            <a:picLocks noChangeAspect="1"/>
+          </p:cNvPicPr>
+          <p:nvPr/>
+        </p:nvPicPr>
+        <p:blipFill>
+          <a:blip r:embed="rId3">
+            <a:extLst>
+              <a:ext uri="{96DAC541-7B7A-43D3-8B79-37D633B846F1}">
+                <asvg:svgBlip xmlns:asvg="http://schemas.microsoft.com/office/drawing/2016/SVG/main" r:embed="rId4"/>
+              </a:ext>
+            </a:extLst>
+          </a:blip>
+          <a:stretch>
+            <a:fillRect/>
+          </a:stretch>
+        </p:blipFill>
+        <p:spPr>
+          <a:xfrm>
+            <a:off x="883508" y="1283552"/>
+            <a:ext cx="609600" cy="609600"/>
+          </a:xfrm>
+          <a:prstGeom prst="rect">
+            <a:avLst/>
+          </a:prstGeom>
+        </p:spPr>
+      </p:pic>
+      <p:pic>
+        <p:nvPicPr>
+          <p:cNvPr id="7" name="Graphic 6">
+            <a:extLst>
+              <a:ext uri="{FF2B5EF4-FFF2-40B4-BE49-F238E27FC236}">
+                <a16:creationId xmlns:a16="http://schemas.microsoft.com/office/drawing/2014/main" id="{693C2CA3-1D6E-4BA4-9639-9F1791A593FD}"/>
+              </a:ext>
+            </a:extLst>
+          </p:cNvPr>
+          <p:cNvPicPr>
+            <a:picLocks noChangeAspect="1"/>
+          </p:cNvPicPr>
+          <p:nvPr/>
+        </p:nvPicPr>
+        <p:blipFill>
+          <a:blip r:embed="rId5">
+            <a:extLst>
+              <a:ext uri="{96DAC541-7B7A-43D3-8B79-37D633B846F1}">
+                <asvg:svgBlip xmlns:asvg="http://schemas.microsoft.com/office/drawing/2016/SVG/main" r:embed="rId6"/>
+              </a:ext>
+            </a:extLst>
+          </a:blip>
+          <a:stretch>
+            <a:fillRect/>
+          </a:stretch>
+        </p:blipFill>
+        <p:spPr>
+          <a:xfrm>
+            <a:off x="883508" y="3190339"/>
+            <a:ext cx="609600" cy="609600"/>
+          </a:xfrm>
+          <a:prstGeom prst="rect">
+            <a:avLst/>
+          </a:prstGeom>
+        </p:spPr>
+      </p:pic>
+      <p:pic>
+        <p:nvPicPr>
+          <p:cNvPr id="9" name="Graphic 8">
+            <a:extLst>
+              <a:ext uri="{FF2B5EF4-FFF2-40B4-BE49-F238E27FC236}">
+                <a16:creationId xmlns:a16="http://schemas.microsoft.com/office/drawing/2014/main" id="{C95CAA9D-7209-4410-9D1F-39B9CADF63FB}"/>
+              </a:ext>
+            </a:extLst>
+          </p:cNvPr>
+          <p:cNvPicPr>
+            <a:picLocks noChangeAspect="1"/>
+          </p:cNvPicPr>
+          <p:nvPr/>
+        </p:nvPicPr>
+        <p:blipFill>
+          <a:blip r:embed="rId7">
+            <a:extLst>
+              <a:ext uri="{96DAC541-7B7A-43D3-8B79-37D633B846F1}">
+                <asvg:svgBlip xmlns:asvg="http://schemas.microsoft.com/office/drawing/2016/SVG/main" r:embed="rId8"/>
+              </a:ext>
+            </a:extLst>
+          </a:blip>
+          <a:stretch>
+            <a:fillRect/>
+          </a:stretch>
+        </p:blipFill>
+        <p:spPr>
+          <a:xfrm>
+            <a:off x="883508" y="4143733"/>
+            <a:ext cx="609600" cy="609600"/>
+          </a:xfrm>
+          <a:prstGeom prst="rect">
+            <a:avLst/>
+          </a:prstGeom>
+        </p:spPr>
+      </p:pic>
+      <p:pic>
+        <p:nvPicPr>
+          <p:cNvPr id="13" name="Graphic 12">
+            <a:extLst>
+              <a:ext uri="{FF2B5EF4-FFF2-40B4-BE49-F238E27FC236}">
+                <a16:creationId xmlns:a16="http://schemas.microsoft.com/office/drawing/2014/main" id="{36638042-C593-4830-AB14-CED129BCEA89}"/>
+              </a:ext>
+            </a:extLst>
+          </p:cNvPr>
+          <p:cNvPicPr>
+            <a:picLocks noChangeAspect="1"/>
+          </p:cNvPicPr>
+          <p:nvPr/>
+        </p:nvPicPr>
+        <p:blipFill>
+          <a:blip r:embed="rId9">
+            <a:extLst>
+              <a:ext uri="{96DAC541-7B7A-43D3-8B79-37D633B846F1}">
+                <asvg:svgBlip xmlns:asvg="http://schemas.microsoft.com/office/drawing/2016/SVG/main" r:embed="rId10"/>
+              </a:ext>
+            </a:extLst>
+          </a:blip>
+          <a:stretch>
+            <a:fillRect/>
+          </a:stretch>
+        </p:blipFill>
+        <p:spPr>
+          <a:xfrm>
+            <a:off x="883508" y="5097126"/>
+            <a:ext cx="609600" cy="609600"/>
+          </a:xfrm>
+          <a:prstGeom prst="rect">
+            <a:avLst/>
+          </a:prstGeom>
+        </p:spPr>
+      </p:pic>
+      <p:sp>
+        <p:nvSpPr>
+          <p:cNvPr id="14" name="TextBox 13">
+            <a:extLst>
+              <a:ext uri="{FF2B5EF4-FFF2-40B4-BE49-F238E27FC236}">
+                <a16:creationId xmlns:a16="http://schemas.microsoft.com/office/drawing/2014/main" id="{232410C6-4B86-4583-80B7-05686116B772}"/>
+              </a:ext>
+            </a:extLst>
+          </p:cNvPr>
+          <p:cNvSpPr txBox="1"/>
+          <p:nvPr/>
+        </p:nvSpPr>
+        <p:spPr>
+          <a:xfrm>
+            <a:off x="1712264" y="1311353"/>
+            <a:ext cx="5391989" cy="553998"/>
+          </a:xfrm>
+          <a:prstGeom prst="rect">
+            <a:avLst/>
+          </a:prstGeom>
+          <a:noFill/>
+        </p:spPr>
+        <p:txBody>
+          <a:bodyPr wrap="none" lIns="0" tIns="0" rIns="0" bIns="0" rtlCol="0">
+            <a:spAutoFit/>
+          </a:bodyPr>
+          <a:lstStyle/>
+          <a:p>
+            <a:r>
+              <a:rPr lang="en-US" sz="3600" dirty="0"/>
+              <a:t>Cloud Based Identity Store</a:t>
+            </a:r>
+          </a:p>
+        </p:txBody>
+      </p:sp>
+      <p:sp>
+        <p:nvSpPr>
+          <p:cNvPr id="15" name="TextBox 14">
+            <a:extLst>
+              <a:ext uri="{FF2B5EF4-FFF2-40B4-BE49-F238E27FC236}">
+                <a16:creationId xmlns:a16="http://schemas.microsoft.com/office/drawing/2014/main" id="{7F3E75ED-2FFF-4357-BD26-96A146EED4E7}"/>
+              </a:ext>
+            </a:extLst>
+          </p:cNvPr>
+          <p:cNvSpPr txBox="1"/>
+          <p:nvPr/>
+        </p:nvSpPr>
+        <p:spPr>
+          <a:xfrm>
+            <a:off x="1712264" y="2261021"/>
+            <a:ext cx="5167568" cy="553998"/>
+          </a:xfrm>
+          <a:prstGeom prst="rect">
+            <a:avLst/>
+          </a:prstGeom>
+          <a:noFill/>
+        </p:spPr>
+        <p:txBody>
+          <a:bodyPr wrap="none" lIns="0" tIns="0" rIns="0" bIns="0" rtlCol="0">
+            <a:spAutoFit/>
+          </a:bodyPr>
+          <a:lstStyle/>
+          <a:p>
+            <a:pPr algn="l"/>
+            <a:r>
+              <a:rPr lang="en-GB" sz="3600" dirty="0">
+                <a:gradFill>
+                  <a:gsLst>
+                    <a:gs pos="2917">
+                      <a:schemeClr val="tx1"/>
+                    </a:gs>
+                    <a:gs pos="30000">
+                      <a:schemeClr val="tx1"/>
+                    </a:gs>
+                  </a:gsLst>
+                  <a:lin ang="5400000" scaled="0"/>
+                </a:gradFill>
+              </a:rPr>
+              <a:t>Application Identity Store</a:t>
+            </a:r>
+          </a:p>
+        </p:txBody>
+      </p:sp>
+      <p:sp>
+        <p:nvSpPr>
+          <p:cNvPr id="16" name="TextBox 15">
+            <a:extLst>
+              <a:ext uri="{FF2B5EF4-FFF2-40B4-BE49-F238E27FC236}">
+                <a16:creationId xmlns:a16="http://schemas.microsoft.com/office/drawing/2014/main" id="{DA524688-116E-4525-B028-553FA2E629B4}"/>
+              </a:ext>
+            </a:extLst>
+          </p:cNvPr>
+          <p:cNvSpPr txBox="1"/>
+          <p:nvPr/>
+        </p:nvSpPr>
+        <p:spPr>
+          <a:xfrm>
+            <a:off x="1712264" y="3245258"/>
+            <a:ext cx="6774932" cy="553998"/>
+          </a:xfrm>
+          <a:prstGeom prst="rect">
+            <a:avLst/>
+          </a:prstGeom>
+          <a:noFill/>
+        </p:spPr>
+        <p:txBody>
+          <a:bodyPr wrap="none" lIns="0" tIns="0" rIns="0" bIns="0" rtlCol="0">
+            <a:spAutoFit/>
+          </a:bodyPr>
+          <a:lstStyle/>
+          <a:p>
+            <a:r>
+              <a:rPr lang="en-US" sz="3600" dirty="0"/>
+              <a:t>Modern Authentication Protocols</a:t>
+            </a:r>
+          </a:p>
+        </p:txBody>
+      </p:sp>
+      <p:sp>
+        <p:nvSpPr>
+          <p:cNvPr id="18" name="TextBox 17">
+            <a:extLst>
+              <a:ext uri="{FF2B5EF4-FFF2-40B4-BE49-F238E27FC236}">
+                <a16:creationId xmlns:a16="http://schemas.microsoft.com/office/drawing/2014/main" id="{056CE4B3-3019-4ADC-9F7A-ACFBD1D9A163}"/>
+              </a:ext>
+            </a:extLst>
+          </p:cNvPr>
+          <p:cNvSpPr txBox="1"/>
+          <p:nvPr/>
+        </p:nvSpPr>
+        <p:spPr>
+          <a:xfrm>
+            <a:off x="1712264" y="4062466"/>
+            <a:ext cx="3768596" cy="553998"/>
+          </a:xfrm>
+          <a:prstGeom prst="rect">
+            <a:avLst/>
+          </a:prstGeom>
+          <a:noFill/>
+        </p:spPr>
+        <p:txBody>
+          <a:bodyPr wrap="none" lIns="0" tIns="0" rIns="0" bIns="0" rtlCol="0">
+            <a:spAutoFit/>
+          </a:bodyPr>
+          <a:lstStyle/>
+          <a:p>
+            <a:r>
+              <a:rPr lang="en-US" sz="3600" dirty="0"/>
+              <a:t>Identity Protection</a:t>
+            </a:r>
+          </a:p>
+        </p:txBody>
+      </p:sp>
+      <p:pic>
+        <p:nvPicPr>
+          <p:cNvPr id="20" name="Graphic 19">
+            <a:extLst>
+              <a:ext uri="{FF2B5EF4-FFF2-40B4-BE49-F238E27FC236}">
+                <a16:creationId xmlns:a16="http://schemas.microsoft.com/office/drawing/2014/main" id="{B78CDA05-868A-4967-9A2C-39AC916004FF}"/>
+              </a:ext>
+            </a:extLst>
+          </p:cNvPr>
+          <p:cNvPicPr>
+            <a:picLocks noChangeAspect="1"/>
+          </p:cNvPicPr>
+          <p:nvPr/>
+        </p:nvPicPr>
+        <p:blipFill>
+          <a:blip r:embed="rId11">
+            <a:extLst>
+              <a:ext uri="{96DAC541-7B7A-43D3-8B79-37D633B846F1}">
+                <asvg:svgBlip xmlns:asvg="http://schemas.microsoft.com/office/drawing/2016/SVG/main" r:embed="rId12"/>
+              </a:ext>
+            </a:extLst>
+          </a:blip>
+          <a:stretch>
+            <a:fillRect/>
+          </a:stretch>
+        </p:blipFill>
+        <p:spPr>
+          <a:xfrm>
+            <a:off x="883508" y="2236945"/>
+            <a:ext cx="609600" cy="609600"/>
+          </a:xfrm>
+          <a:prstGeom prst="rect">
+            <a:avLst/>
+          </a:prstGeom>
+        </p:spPr>
+      </p:pic>
     </p:spTree>
     <p:extLst>
       <p:ext uri="{BB962C8B-B14F-4D97-AF65-F5344CB8AC3E}">
@@ -38457,117 +39527,8 @@
           <a:p>
             <a:r>
               <a:rPr lang="en-US" dirty="0"/>
-              <a:t>Azure AD Doesn’t Support</a:t>
-            </a:r>
-          </a:p>
-        </p:txBody>
-      </p:sp>
-      <p:sp>
-        <p:nvSpPr>
-          <p:cNvPr id="6" name="Text Placeholder 5"/>
-          <p:cNvSpPr>
-            <a:spLocks noGrp="1"/>
-          </p:cNvSpPr>
-          <p:nvPr>
-            <p:ph type="body" sz="quarter" idx="10"/>
-          </p:nvPr>
-        </p:nvSpPr>
-        <p:spPr>
-          <a:xfrm>
-            <a:off x="884354" y="1753008"/>
-            <a:ext cx="11018520" cy="4542782"/>
-          </a:xfrm>
-        </p:spPr>
-        <p:txBody>
-          <a:bodyPr/>
-          <a:lstStyle/>
-          <a:p>
-            <a:pPr marL="571500" indent="-571500">
-              <a:buFont typeface="Arial" panose="020B0604020202020204" pitchFamily="34" charset="0"/>
-              <a:buChar char="•"/>
-            </a:pPr>
-            <a:r>
-              <a:rPr lang="en-US" sz="3600" dirty="0">
-                <a:solidFill>
-                  <a:schemeClr val="tx1"/>
-                </a:solidFill>
-              </a:rPr>
-              <a:t>Domain Join and Machine Management</a:t>
-            </a:r>
-          </a:p>
-          <a:p>
-            <a:pPr marL="571500" indent="-571500">
-              <a:buFont typeface="Arial" panose="020B0604020202020204" pitchFamily="34" charset="0"/>
-              <a:buChar char="•"/>
-            </a:pPr>
-            <a:r>
-              <a:rPr lang="en-US" sz="3600" dirty="0">
-                <a:solidFill>
-                  <a:schemeClr val="tx1"/>
-                </a:solidFill>
-              </a:rPr>
-              <a:t>Group Policy</a:t>
-            </a:r>
-          </a:p>
-          <a:p>
-            <a:pPr marL="571500" indent="-571500">
-              <a:buFont typeface="Arial" panose="020B0604020202020204" pitchFamily="34" charset="0"/>
-              <a:buChar char="•"/>
-            </a:pPr>
-            <a:r>
-              <a:rPr lang="en-US" sz="3600" dirty="0">
-                <a:solidFill>
-                  <a:schemeClr val="tx1"/>
-                </a:solidFill>
-              </a:rPr>
-              <a:t>LDAP, NTLM, Kerberos</a:t>
-            </a:r>
-          </a:p>
-          <a:p>
-            <a:pPr marL="571500" indent="-571500">
-              <a:buFont typeface="Arial" panose="020B0604020202020204" pitchFamily="34" charset="0"/>
-              <a:buChar char="•"/>
-            </a:pPr>
-            <a:r>
-              <a:rPr lang="en-US" sz="3600" dirty="0">
-                <a:solidFill>
-                  <a:schemeClr val="tx1"/>
-                </a:solidFill>
-              </a:rPr>
-              <a:t>LDAP</a:t>
-            </a:r>
-          </a:p>
-          <a:p>
-            <a:pPr marL="571500" indent="-571500">
-              <a:buFont typeface="Arial" panose="020B0604020202020204" pitchFamily="34" charset="0"/>
-              <a:buChar char="•"/>
-            </a:pPr>
-            <a:r>
-              <a:rPr lang="en-US" sz="3600" dirty="0">
-                <a:solidFill>
-                  <a:schemeClr val="tx1"/>
-                </a:solidFill>
-              </a:rPr>
-              <a:t>OUs, Forests, Trusts</a:t>
-            </a:r>
-          </a:p>
-          <a:p>
-            <a:pPr marL="571500" indent="-571500">
-              <a:buFont typeface="Arial" panose="020B0604020202020204" pitchFamily="34" charset="0"/>
-              <a:buChar char="•"/>
-            </a:pPr>
-            <a:endParaRPr lang="en-US" sz="3600" dirty="0">
-              <a:solidFill>
-                <a:schemeClr val="tx1"/>
-              </a:solidFill>
-            </a:endParaRPr>
-          </a:p>
-          <a:p>
-            <a:endParaRPr lang="en-US" sz="3600" dirty="0">
-              <a:solidFill>
-                <a:schemeClr val="tx1"/>
-              </a:solidFill>
-            </a:endParaRPr>
+              <a:t>What doesn’t Azure AD Provide</a:t>
+            </a:r>
           </a:p>
         </p:txBody>
       </p:sp>
@@ -38616,6 +39577,370 @@
           </a:p>
         </p:txBody>
       </p:sp>
+      <p:sp>
+        <p:nvSpPr>
+          <p:cNvPr id="3" name="Rectangle 2">
+            <a:extLst>
+              <a:ext uri="{FF2B5EF4-FFF2-40B4-BE49-F238E27FC236}">
+                <a16:creationId xmlns:a16="http://schemas.microsoft.com/office/drawing/2014/main" id="{5BE592AD-9241-4809-AB54-36CD999A2AD4}"/>
+              </a:ext>
+            </a:extLst>
+          </p:cNvPr>
+          <p:cNvSpPr/>
+          <p:nvPr/>
+        </p:nvSpPr>
+        <p:spPr>
+          <a:xfrm>
+            <a:off x="1905722" y="2375190"/>
+            <a:ext cx="8332730" cy="646331"/>
+          </a:xfrm>
+          <a:prstGeom prst="rect">
+            <a:avLst/>
+          </a:prstGeom>
+        </p:spPr>
+        <p:txBody>
+          <a:bodyPr wrap="none">
+            <a:spAutoFit/>
+          </a:bodyPr>
+          <a:lstStyle/>
+          <a:p>
+            <a:r>
+              <a:rPr lang="en-US" sz="3600" dirty="0"/>
+              <a:t>Domain Join and Machine Management</a:t>
+            </a:r>
+          </a:p>
+        </p:txBody>
+      </p:sp>
+      <p:sp>
+        <p:nvSpPr>
+          <p:cNvPr id="4" name="Rectangle 3">
+            <a:extLst>
+              <a:ext uri="{FF2B5EF4-FFF2-40B4-BE49-F238E27FC236}">
+                <a16:creationId xmlns:a16="http://schemas.microsoft.com/office/drawing/2014/main" id="{0A8C11C7-6183-49B2-B985-85147E714C3B}"/>
+              </a:ext>
+            </a:extLst>
+          </p:cNvPr>
+          <p:cNvSpPr/>
+          <p:nvPr/>
+        </p:nvSpPr>
+        <p:spPr>
+          <a:xfrm>
+            <a:off x="1905722" y="1355818"/>
+            <a:ext cx="2758319" cy="646331"/>
+          </a:xfrm>
+          <a:prstGeom prst="rect">
+            <a:avLst/>
+          </a:prstGeom>
+        </p:spPr>
+        <p:txBody>
+          <a:bodyPr wrap="none">
+            <a:spAutoFit/>
+          </a:bodyPr>
+          <a:lstStyle/>
+          <a:p>
+            <a:r>
+              <a:rPr lang="en-US" sz="3600" dirty="0"/>
+              <a:t>Group Policy</a:t>
+            </a:r>
+          </a:p>
+        </p:txBody>
+      </p:sp>
+      <p:sp>
+        <p:nvSpPr>
+          <p:cNvPr id="5" name="Rectangle 4">
+            <a:extLst>
+              <a:ext uri="{FF2B5EF4-FFF2-40B4-BE49-F238E27FC236}">
+                <a16:creationId xmlns:a16="http://schemas.microsoft.com/office/drawing/2014/main" id="{A85B3CF9-2F48-4015-B516-E61BA1C096F6}"/>
+              </a:ext>
+            </a:extLst>
+          </p:cNvPr>
+          <p:cNvSpPr/>
+          <p:nvPr/>
+        </p:nvSpPr>
+        <p:spPr>
+          <a:xfrm>
+            <a:off x="1905722" y="3444755"/>
+            <a:ext cx="4671343" cy="646331"/>
+          </a:xfrm>
+          <a:prstGeom prst="rect">
+            <a:avLst/>
+          </a:prstGeom>
+        </p:spPr>
+        <p:txBody>
+          <a:bodyPr wrap="none">
+            <a:spAutoFit/>
+          </a:bodyPr>
+          <a:lstStyle/>
+          <a:p>
+            <a:r>
+              <a:rPr lang="en-US" sz="3600" dirty="0"/>
+              <a:t>LDAP, NTLM, Kerberos</a:t>
+            </a:r>
+          </a:p>
+        </p:txBody>
+      </p:sp>
+      <p:sp>
+        <p:nvSpPr>
+          <p:cNvPr id="7" name="Rectangle 6">
+            <a:extLst>
+              <a:ext uri="{FF2B5EF4-FFF2-40B4-BE49-F238E27FC236}">
+                <a16:creationId xmlns:a16="http://schemas.microsoft.com/office/drawing/2014/main" id="{C3A87C2E-BD04-454B-8221-74EBA03C6071}"/>
+              </a:ext>
+            </a:extLst>
+          </p:cNvPr>
+          <p:cNvSpPr/>
+          <p:nvPr/>
+        </p:nvSpPr>
+        <p:spPr>
+          <a:xfrm>
+            <a:off x="1905722" y="4413934"/>
+            <a:ext cx="4110677" cy="646331"/>
+          </a:xfrm>
+          <a:prstGeom prst="rect">
+            <a:avLst/>
+          </a:prstGeom>
+        </p:spPr>
+        <p:txBody>
+          <a:bodyPr wrap="none">
+            <a:spAutoFit/>
+          </a:bodyPr>
+          <a:lstStyle/>
+          <a:p>
+            <a:r>
+              <a:rPr lang="en-US" sz="3600" dirty="0"/>
+              <a:t>OUs, Forests, Trusts</a:t>
+            </a:r>
+          </a:p>
+        </p:txBody>
+      </p:sp>
+      <p:sp>
+        <p:nvSpPr>
+          <p:cNvPr id="10" name="TextBox 9">
+            <a:extLst>
+              <a:ext uri="{FF2B5EF4-FFF2-40B4-BE49-F238E27FC236}">
+                <a16:creationId xmlns:a16="http://schemas.microsoft.com/office/drawing/2014/main" id="{F11C7965-B8DC-481B-BEF7-DB46B59AA855}"/>
+              </a:ext>
+            </a:extLst>
+          </p:cNvPr>
+          <p:cNvSpPr txBox="1"/>
+          <p:nvPr/>
+        </p:nvSpPr>
+        <p:spPr>
+          <a:xfrm>
+            <a:off x="1905722" y="5433305"/>
+            <a:ext cx="6613177" cy="553998"/>
+          </a:xfrm>
+          <a:prstGeom prst="rect">
+            <a:avLst/>
+          </a:prstGeom>
+          <a:noFill/>
+        </p:spPr>
+        <p:txBody>
+          <a:bodyPr wrap="square" lIns="0" tIns="0" rIns="0" bIns="0" rtlCol="0">
+            <a:spAutoFit/>
+          </a:bodyPr>
+          <a:lstStyle/>
+          <a:p>
+            <a:pPr algn="l"/>
+            <a:r>
+              <a:rPr lang="en-GB" sz="3600" dirty="0">
+                <a:gradFill>
+                  <a:gsLst>
+                    <a:gs pos="2917">
+                      <a:schemeClr val="tx1"/>
+                    </a:gs>
+                    <a:gs pos="30000">
+                      <a:schemeClr val="tx1"/>
+                    </a:gs>
+                  </a:gsLst>
+                  <a:lin ang="5400000" scaled="0"/>
+                </a:gradFill>
+              </a:rPr>
+              <a:t>Extensible Schema</a:t>
+            </a:r>
+          </a:p>
+        </p:txBody>
+      </p:sp>
+      <p:pic>
+        <p:nvPicPr>
+          <p:cNvPr id="12" name="Graphic 11">
+            <a:extLst>
+              <a:ext uri="{FF2B5EF4-FFF2-40B4-BE49-F238E27FC236}">
+                <a16:creationId xmlns:a16="http://schemas.microsoft.com/office/drawing/2014/main" id="{365B5B5D-3474-4680-A6D3-15D1485A8F34}"/>
+              </a:ext>
+            </a:extLst>
+          </p:cNvPr>
+          <p:cNvPicPr>
+            <a:picLocks noChangeAspect="1"/>
+          </p:cNvPicPr>
+          <p:nvPr/>
+        </p:nvPicPr>
+        <p:blipFill>
+          <a:blip r:embed="rId3">
+            <a:extLst>
+              <a:ext uri="{96DAC541-7B7A-43D3-8B79-37D633B846F1}">
+                <asvg:svgBlip xmlns:asvg="http://schemas.microsoft.com/office/drawing/2016/SVG/main" r:embed="rId4"/>
+              </a:ext>
+            </a:extLst>
+          </a:blip>
+          <a:stretch>
+            <a:fillRect/>
+          </a:stretch>
+        </p:blipFill>
+        <p:spPr>
+          <a:xfrm>
+            <a:off x="847541" y="1368108"/>
+            <a:ext cx="609600" cy="609600"/>
+          </a:xfrm>
+          <a:prstGeom prst="rect">
+            <a:avLst/>
+          </a:prstGeom>
+        </p:spPr>
+      </p:pic>
+      <p:pic>
+        <p:nvPicPr>
+          <p:cNvPr id="14" name="Graphic 13">
+            <a:extLst>
+              <a:ext uri="{FF2B5EF4-FFF2-40B4-BE49-F238E27FC236}">
+                <a16:creationId xmlns:a16="http://schemas.microsoft.com/office/drawing/2014/main" id="{7AAF2259-44B4-41FE-9086-D5BD58F5E1FD}"/>
+              </a:ext>
+            </a:extLst>
+          </p:cNvPr>
+          <p:cNvPicPr>
+            <a:picLocks noChangeAspect="1"/>
+          </p:cNvPicPr>
+          <p:nvPr/>
+        </p:nvPicPr>
+        <p:blipFill>
+          <a:blip r:embed="rId5">
+            <a:extLst>
+              <a:ext uri="{96DAC541-7B7A-43D3-8B79-37D633B846F1}">
+                <asvg:svgBlip xmlns:asvg="http://schemas.microsoft.com/office/drawing/2016/SVG/main" r:embed="rId6"/>
+              </a:ext>
+            </a:extLst>
+          </a:blip>
+          <a:stretch>
+            <a:fillRect/>
+          </a:stretch>
+        </p:blipFill>
+        <p:spPr>
+          <a:xfrm>
+            <a:off x="847541" y="2384407"/>
+            <a:ext cx="609600" cy="609600"/>
+          </a:xfrm>
+          <a:prstGeom prst="rect">
+            <a:avLst/>
+          </a:prstGeom>
+        </p:spPr>
+      </p:pic>
+      <p:pic>
+        <p:nvPicPr>
+          <p:cNvPr id="16" name="Graphic 15">
+            <a:extLst>
+              <a:ext uri="{FF2B5EF4-FFF2-40B4-BE49-F238E27FC236}">
+                <a16:creationId xmlns:a16="http://schemas.microsoft.com/office/drawing/2014/main" id="{5CD93BAB-41E8-41AB-83A9-264B168B0442}"/>
+              </a:ext>
+            </a:extLst>
+          </p:cNvPr>
+          <p:cNvPicPr>
+            <a:picLocks noChangeAspect="1"/>
+          </p:cNvPicPr>
+          <p:nvPr/>
+        </p:nvPicPr>
+        <p:blipFill>
+          <a:blip r:embed="rId7">
+            <a:extLst>
+              <a:ext uri="{96DAC541-7B7A-43D3-8B79-37D633B846F1}">
+                <asvg:svgBlip xmlns:asvg="http://schemas.microsoft.com/office/drawing/2016/SVG/main" r:embed="rId8"/>
+              </a:ext>
+            </a:extLst>
+          </a:blip>
+          <a:stretch>
+            <a:fillRect/>
+          </a:stretch>
+        </p:blipFill>
+        <p:spPr>
+          <a:xfrm>
+            <a:off x="847541" y="3400706"/>
+            <a:ext cx="609600" cy="609600"/>
+          </a:xfrm>
+          <a:prstGeom prst="rect">
+            <a:avLst/>
+          </a:prstGeom>
+        </p:spPr>
+      </p:pic>
+      <p:pic>
+        <p:nvPicPr>
+          <p:cNvPr id="19" name="Graphic 18">
+            <a:extLst>
+              <a:ext uri="{FF2B5EF4-FFF2-40B4-BE49-F238E27FC236}">
+                <a16:creationId xmlns:a16="http://schemas.microsoft.com/office/drawing/2014/main" id="{9943CAFC-8522-4190-8FA3-F9D879E4A0C2}"/>
+              </a:ext>
+            </a:extLst>
+          </p:cNvPr>
+          <p:cNvPicPr>
+            <a:picLocks noChangeAspect="1"/>
+          </p:cNvPicPr>
+          <p:nvPr/>
+        </p:nvPicPr>
+        <p:blipFill>
+          <a:blip r:embed="rId9">
+            <a:extLst>
+              <a:ext uri="{96DAC541-7B7A-43D3-8B79-37D633B846F1}">
+                <asvg:svgBlip xmlns:asvg="http://schemas.microsoft.com/office/drawing/2016/SVG/main" r:embed="rId10"/>
+              </a:ext>
+            </a:extLst>
+          </a:blip>
+          <a:stretch>
+            <a:fillRect/>
+          </a:stretch>
+        </p:blipFill>
+        <p:spPr>
+          <a:xfrm>
+            <a:off x="847541" y="4417005"/>
+            <a:ext cx="609600" cy="609600"/>
+          </a:xfrm>
+          <a:prstGeom prst="rect">
+            <a:avLst/>
+          </a:prstGeom>
+        </p:spPr>
+      </p:pic>
+      <p:pic>
+        <p:nvPicPr>
+          <p:cNvPr id="21" name="Graphic 20">
+            <a:extLst>
+              <a:ext uri="{FF2B5EF4-FFF2-40B4-BE49-F238E27FC236}">
+                <a16:creationId xmlns:a16="http://schemas.microsoft.com/office/drawing/2014/main" id="{449095A2-1387-4D08-8F40-B2E318506A58}"/>
+              </a:ext>
+            </a:extLst>
+          </p:cNvPr>
+          <p:cNvPicPr>
+            <a:picLocks noChangeAspect="1"/>
+          </p:cNvPicPr>
+          <p:nvPr/>
+        </p:nvPicPr>
+        <p:blipFill>
+          <a:blip r:embed="rId11">
+            <a:extLst>
+              <a:ext uri="{96DAC541-7B7A-43D3-8B79-37D633B846F1}">
+                <asvg:svgBlip xmlns:asvg="http://schemas.microsoft.com/office/drawing/2016/SVG/main" r:embed="rId12"/>
+              </a:ext>
+            </a:extLst>
+          </a:blip>
+          <a:stretch>
+            <a:fillRect/>
+          </a:stretch>
+        </p:blipFill>
+        <p:spPr>
+          <a:xfrm>
+            <a:off x="847541" y="5433305"/>
+            <a:ext cx="609600" cy="609600"/>
+          </a:xfrm>
+          <a:prstGeom prst="rect">
+            <a:avLst/>
+          </a:prstGeom>
+        </p:spPr>
+      </p:pic>
     </p:spTree>
     <p:extLst>
       <p:ext uri="{BB962C8B-B14F-4D97-AF65-F5344CB8AC3E}">
@@ -38675,7 +40000,157 @@
           <a:p>
             <a:r>
               <a:rPr lang="en-US" dirty="0"/>
-              <a:t>Cloud &amp; Hybrid</a:t>
+              <a:t>Azure AD Only</a:t>
+            </a:r>
+          </a:p>
+        </p:txBody>
+      </p:sp>
+      <p:sp>
+        <p:nvSpPr>
+          <p:cNvPr id="2" name="AutoShape 2" descr="Image result for azure active directory">
+            <a:extLst>
+              <a:ext uri="{FF2B5EF4-FFF2-40B4-BE49-F238E27FC236}">
+                <a16:creationId xmlns:a16="http://schemas.microsoft.com/office/drawing/2014/main" id="{50E3396A-4EDB-4597-9AE4-B04A70C3F122}"/>
+              </a:ext>
+            </a:extLst>
+          </p:cNvPr>
+          <p:cNvSpPr>
+            <a:spLocks noChangeAspect="1" noChangeArrowheads="1"/>
+          </p:cNvSpPr>
+          <p:nvPr/>
+        </p:nvSpPr>
+        <p:spPr bwMode="auto">
+          <a:xfrm>
+            <a:off x="5943600" y="3276600"/>
+            <a:ext cx="304800" cy="304800"/>
+          </a:xfrm>
+          <a:prstGeom prst="rect">
+            <a:avLst/>
+          </a:prstGeom>
+          <a:noFill/>
+          <a:extLst>
+            <a:ext uri="{909E8E84-426E-40DD-AFC4-6F175D3DCCD1}">
+              <a14:hiddenFill xmlns:a14="http://schemas.microsoft.com/office/drawing/2010/main">
+                <a:solidFill>
+                  <a:srgbClr val="FFFFFF"/>
+                </a:solidFill>
+              </a14:hiddenFill>
+            </a:ext>
+          </a:extLst>
+        </p:spPr>
+        <p:txBody>
+          <a:bodyPr vert="horz" wrap="square" lIns="91440" tIns="45720" rIns="91440" bIns="45720" numCol="1" anchor="t" anchorCtr="0" compatLnSpc="1">
+            <a:prstTxWarp prst="textNoShape">
+              <a:avLst/>
+            </a:prstTxWarp>
+          </a:bodyPr>
+          <a:lstStyle/>
+          <a:p>
+            <a:endParaRPr lang="en-GB"/>
+          </a:p>
+        </p:txBody>
+      </p:sp>
+      <p:pic>
+        <p:nvPicPr>
+          <p:cNvPr id="5" name="Graphic 4">
+            <a:extLst>
+              <a:ext uri="{FF2B5EF4-FFF2-40B4-BE49-F238E27FC236}">
+                <a16:creationId xmlns:a16="http://schemas.microsoft.com/office/drawing/2014/main" id="{AD4B784D-D163-4160-8222-E9B6F7B32DFF}"/>
+              </a:ext>
+            </a:extLst>
+          </p:cNvPr>
+          <p:cNvPicPr>
+            <a:picLocks noChangeAspect="1"/>
+          </p:cNvPicPr>
+          <p:nvPr/>
+        </p:nvPicPr>
+        <p:blipFill>
+          <a:blip r:embed="rId3">
+            <a:extLst>
+              <a:ext uri="{96DAC541-7B7A-43D3-8B79-37D633B846F1}">
+                <asvg:svgBlip xmlns:asvg="http://schemas.microsoft.com/office/drawing/2016/SVG/main" r:embed="rId4"/>
+              </a:ext>
+            </a:extLst>
+          </a:blip>
+          <a:stretch>
+            <a:fillRect/>
+          </a:stretch>
+        </p:blipFill>
+        <p:spPr>
+          <a:xfrm>
+            <a:off x="3625379" y="1672707"/>
+            <a:ext cx="4020185" cy="4050973"/>
+          </a:xfrm>
+          <a:prstGeom prst="rect">
+            <a:avLst/>
+          </a:prstGeom>
+        </p:spPr>
+      </p:pic>
+    </p:spTree>
+    <p:extLst>
+      <p:ext uri="{BB962C8B-B14F-4D97-AF65-F5344CB8AC3E}">
+        <p14:creationId xmlns:p14="http://schemas.microsoft.com/office/powerpoint/2010/main" val="2919388805"/>
+      </p:ext>
+    </p:extLst>
+  </p:cSld>
+  <p:clrMapOvr>
+    <a:masterClrMapping/>
+  </p:clrMapOvr>
+  <mc:AlternateContent xmlns:mc="http://schemas.openxmlformats.org/markup-compatibility/2006" xmlns:p14="http://schemas.microsoft.com/office/powerpoint/2010/main">
+    <mc:Choice Requires="p14">
+      <p:transition spd="med" p14:dur="700">
+        <p:fade/>
+      </p:transition>
+    </mc:Choice>
+    <mc:Fallback xmlns="">
+      <p:transition spd="med">
+        <p:fade/>
+      </p:transition>
+    </mc:Fallback>
+  </mc:AlternateContent>
+</p:sld>
+</file>
+
+<file path=ppt/slides/slide8.xml><?xml version="1.0" encoding="utf-8"?>
+<p:sld xmlns:a="http://schemas.openxmlformats.org/drawingml/2006/main" xmlns:r="http://schemas.openxmlformats.org/officeDocument/2006/relationships" xmlns:p="http://schemas.openxmlformats.org/presentationml/2006/main">
+  <p:cSld>
+    <p:spTree>
+      <p:nvGrpSpPr>
+        <p:cNvPr id="1" name=""/>
+        <p:cNvGrpSpPr/>
+        <p:nvPr/>
+      </p:nvGrpSpPr>
+      <p:grpSpPr>
+        <a:xfrm>
+          <a:off x="0" y="0"/>
+          <a:ext cx="0" cy="0"/>
+          <a:chOff x="0" y="0"/>
+          <a:chExt cx="0" cy="0"/>
+        </a:xfrm>
+      </p:grpSpPr>
+      <p:sp>
+        <p:nvSpPr>
+          <p:cNvPr id="17" name="Title 16"/>
+          <p:cNvSpPr>
+            <a:spLocks noGrp="1"/>
+          </p:cNvSpPr>
+          <p:nvPr>
+            <p:ph type="title"/>
+          </p:nvPr>
+        </p:nvSpPr>
+        <p:spPr>
+          <a:xfrm>
+            <a:off x="588263" y="457200"/>
+            <a:ext cx="11018520" cy="553998"/>
+          </a:xfrm>
+        </p:spPr>
+        <p:txBody>
+          <a:bodyPr/>
+          <a:lstStyle/>
+          <a:p>
+            <a:r>
+              <a:rPr lang="en-US" dirty="0"/>
+              <a:t>Hybrid</a:t>
             </a:r>
           </a:p>
         </p:txBody>
@@ -38797,214 +40272,6 @@
 </p:sld>
 </file>
 
-<file path=ppt/slides/slide8.xml><?xml version="1.0" encoding="utf-8"?>
-<p:sld xmlns:a="http://schemas.openxmlformats.org/drawingml/2006/main" xmlns:r="http://schemas.openxmlformats.org/officeDocument/2006/relationships" xmlns:p="http://schemas.openxmlformats.org/presentationml/2006/main">
-  <p:cSld>
-    <p:spTree>
-      <p:nvGrpSpPr>
-        <p:cNvPr id="1" name=""/>
-        <p:cNvGrpSpPr/>
-        <p:nvPr/>
-      </p:nvGrpSpPr>
-      <p:grpSpPr>
-        <a:xfrm>
-          <a:off x="0" y="0"/>
-          <a:ext cx="0" cy="0"/>
-          <a:chOff x="0" y="0"/>
-          <a:chExt cx="0" cy="0"/>
-        </a:xfrm>
-      </p:grpSpPr>
-      <p:sp>
-        <p:nvSpPr>
-          <p:cNvPr id="17" name="Title 16"/>
-          <p:cNvSpPr>
-            <a:spLocks noGrp="1"/>
-          </p:cNvSpPr>
-          <p:nvPr>
-            <p:ph type="title"/>
-          </p:nvPr>
-        </p:nvSpPr>
-        <p:spPr>
-          <a:xfrm>
-            <a:off x="588263" y="457200"/>
-            <a:ext cx="11018520" cy="553998"/>
-          </a:xfrm>
-        </p:spPr>
-        <p:txBody>
-          <a:bodyPr/>
-          <a:lstStyle/>
-          <a:p>
-            <a:r>
-              <a:rPr lang="en-US" dirty="0"/>
-              <a:t>Cloud Native Solutions</a:t>
-            </a:r>
-          </a:p>
-        </p:txBody>
-      </p:sp>
-      <p:sp>
-        <p:nvSpPr>
-          <p:cNvPr id="2" name="AutoShape 2" descr="Image result for azure active directory">
-            <a:extLst>
-              <a:ext uri="{FF2B5EF4-FFF2-40B4-BE49-F238E27FC236}">
-                <a16:creationId xmlns:a16="http://schemas.microsoft.com/office/drawing/2014/main" id="{50E3396A-4EDB-4597-9AE4-B04A70C3F122}"/>
-              </a:ext>
-            </a:extLst>
-          </p:cNvPr>
-          <p:cNvSpPr>
-            <a:spLocks noChangeAspect="1" noChangeArrowheads="1"/>
-          </p:cNvSpPr>
-          <p:nvPr/>
-        </p:nvSpPr>
-        <p:spPr bwMode="auto">
-          <a:xfrm>
-            <a:off x="5943600" y="3276600"/>
-            <a:ext cx="304800" cy="304800"/>
-          </a:xfrm>
-          <a:prstGeom prst="rect">
-            <a:avLst/>
-          </a:prstGeom>
-          <a:noFill/>
-          <a:extLst>
-            <a:ext uri="{909E8E84-426E-40DD-AFC4-6F175D3DCCD1}">
-              <a14:hiddenFill xmlns:a14="http://schemas.microsoft.com/office/drawing/2010/main">
-                <a:solidFill>
-                  <a:srgbClr val="FFFFFF"/>
-                </a:solidFill>
-              </a14:hiddenFill>
-            </a:ext>
-          </a:extLst>
-        </p:spPr>
-        <p:txBody>
-          <a:bodyPr vert="horz" wrap="square" lIns="91440" tIns="45720" rIns="91440" bIns="45720" numCol="1" anchor="t" anchorCtr="0" compatLnSpc="1">
-            <a:prstTxWarp prst="textNoShape">
-              <a:avLst/>
-            </a:prstTxWarp>
-          </a:bodyPr>
-          <a:lstStyle/>
-          <a:p>
-            <a:endParaRPr lang="en-GB"/>
-          </a:p>
-        </p:txBody>
-      </p:sp>
-      <p:pic>
-        <p:nvPicPr>
-          <p:cNvPr id="5122" name="Picture 2" descr="Image result for windows 10">
-            <a:extLst>
-              <a:ext uri="{FF2B5EF4-FFF2-40B4-BE49-F238E27FC236}">
-                <a16:creationId xmlns:a16="http://schemas.microsoft.com/office/drawing/2014/main" id="{09B72107-2878-46E6-BA0C-BBFB75791E37}"/>
-              </a:ext>
-            </a:extLst>
-          </p:cNvPr>
-          <p:cNvPicPr>
-            <a:picLocks noChangeAspect="1" noChangeArrowheads="1"/>
-          </p:cNvPicPr>
-          <p:nvPr/>
-        </p:nvPicPr>
-        <p:blipFill>
-          <a:blip r:embed="rId3">
-            <a:extLst>
-              <a:ext uri="{28A0092B-C50C-407E-A947-70E740481C1C}">
-                <a14:useLocalDpi xmlns:a14="http://schemas.microsoft.com/office/drawing/2010/main" val="0"/>
-              </a:ext>
-            </a:extLst>
-          </a:blip>
-          <a:srcRect/>
-          <a:stretch>
-            <a:fillRect/>
-          </a:stretch>
-        </p:blipFill>
-        <p:spPr bwMode="auto">
-          <a:xfrm>
-            <a:off x="838200" y="1530220"/>
-            <a:ext cx="3797559" cy="3797559"/>
-          </a:xfrm>
-          <a:prstGeom prst="rect">
-            <a:avLst/>
-          </a:prstGeom>
-          <a:noFill/>
-          <a:extLst>
-            <a:ext uri="{909E8E84-426E-40DD-AFC4-6F175D3DCCD1}">
-              <a14:hiddenFill xmlns:a14="http://schemas.microsoft.com/office/drawing/2010/main">
-                <a:solidFill>
-                  <a:srgbClr val="FFFFFF"/>
-                </a:solidFill>
-              </a14:hiddenFill>
-            </a:ext>
-          </a:extLst>
-        </p:spPr>
-      </p:pic>
-      <p:pic>
-        <p:nvPicPr>
-          <p:cNvPr id="5126" name="Picture 6" descr="Image result for intune logo">
-            <a:extLst>
-              <a:ext uri="{FF2B5EF4-FFF2-40B4-BE49-F238E27FC236}">
-                <a16:creationId xmlns:a16="http://schemas.microsoft.com/office/drawing/2014/main" id="{7F967E0F-DA5E-4D87-906E-000F1DFD094D}"/>
-              </a:ext>
-            </a:extLst>
-          </p:cNvPr>
-          <p:cNvPicPr>
-            <a:picLocks noChangeAspect="1" noChangeArrowheads="1"/>
-          </p:cNvPicPr>
-          <p:nvPr/>
-        </p:nvPicPr>
-        <p:blipFill>
-          <a:blip r:embed="rId4">
-            <a:extLst>
-              <a:ext uri="{28A0092B-C50C-407E-A947-70E740481C1C}">
-                <a14:useLocalDpi xmlns:a14="http://schemas.microsoft.com/office/drawing/2010/main" val="0"/>
-              </a:ext>
-            </a:extLst>
-          </a:blip>
-          <a:srcRect/>
-          <a:stretch>
-            <a:fillRect/>
-          </a:stretch>
-        </p:blipFill>
-        <p:spPr bwMode="auto">
-          <a:xfrm>
-            <a:off x="5741438" y="1936293"/>
-            <a:ext cx="4482051" cy="2859642"/>
-          </a:xfrm>
-          <a:prstGeom prst="rect">
-            <a:avLst/>
-          </a:prstGeom>
-          <a:noFill/>
-          <a:extLst>
-            <a:ext uri="{909E8E84-426E-40DD-AFC4-6F175D3DCCD1}">
-              <a14:hiddenFill xmlns:a14="http://schemas.microsoft.com/office/drawing/2010/main">
-                <a:solidFill>
-                  <a:srgbClr val="FFFFFF"/>
-                </a:solidFill>
-              </a14:hiddenFill>
-            </a:ext>
-          </a:extLst>
-        </p:spPr>
-      </p:pic>
-    </p:spTree>
-    <p:extLst>
-      <p:ext uri="{BB962C8B-B14F-4D97-AF65-F5344CB8AC3E}">
-        <p14:creationId xmlns:p14="http://schemas.microsoft.com/office/powerpoint/2010/main" val="162534214"/>
-      </p:ext>
-    </p:extLst>
-  </p:cSld>
-  <p:clrMapOvr>
-    <a:masterClrMapping/>
-  </p:clrMapOvr>
-  <mc:AlternateContent xmlns:mc="http://schemas.openxmlformats.org/markup-compatibility/2006" xmlns:p14="http://schemas.microsoft.com/office/powerpoint/2010/main">
-    <mc:Choice Requires="p14">
-      <p:transition spd="med" p14:dur="700">
-        <p:fade/>
-      </p:transition>
-    </mc:Choice>
-    <mc:Fallback xmlns="">
-      <p:transition spd="med">
-        <p:fade/>
-      </p:transition>
-    </mc:Fallback>
-  </mc:AlternateContent>
-</p:sld>
-</file>
-
 <file path=ppt/slides/slide9.xml><?xml version="1.0" encoding="utf-8"?>
 <p:sld xmlns:a="http://schemas.openxmlformats.org/drawingml/2006/main" xmlns:r="http://schemas.openxmlformats.org/officeDocument/2006/relationships" xmlns:p="http://schemas.openxmlformats.org/presentationml/2006/main">
   <p:cSld>
@@ -39044,7 +40311,7 @@
           <a:p>
             <a:r>
               <a:rPr lang="en-US" dirty="0"/>
-              <a:t>Azure AD Domain Services</a:t>
+              <a:t>Extending Azure AD</a:t>
             </a:r>
           </a:p>
         </p:txBody>
@@ -39065,7 +40332,7 @@
         </p:nvSpPr>
         <p:spPr bwMode="auto">
           <a:xfrm>
-            <a:off x="5943600" y="3276600"/>
+            <a:off x="3566160" y="3152699"/>
             <a:ext cx="304800" cy="304800"/>
           </a:xfrm>
           <a:prstGeom prst="rect">
@@ -39096,10 +40363,46 @@
       </p:sp>
       <p:pic>
         <p:nvPicPr>
-          <p:cNvPr id="8198" name="Picture 6" descr="Related image">
+          <p:cNvPr id="4" name="Graphic 3">
             <a:extLst>
               <a:ext uri="{FF2B5EF4-FFF2-40B4-BE49-F238E27FC236}">
-                <a16:creationId xmlns:a16="http://schemas.microsoft.com/office/drawing/2014/main" id="{38EEE23A-728C-430C-8523-3E0C4687349D}"/>
+                <a16:creationId xmlns:a16="http://schemas.microsoft.com/office/drawing/2014/main" id="{D65DCEC3-652B-44FB-9F52-57AD26AFCC3B}"/>
+              </a:ext>
+            </a:extLst>
+          </p:cNvPr>
+          <p:cNvPicPr>
+            <a:picLocks noChangeAspect="1"/>
+          </p:cNvPicPr>
+          <p:nvPr/>
+        </p:nvPicPr>
+        <p:blipFill>
+          <a:blip r:embed="rId3">
+            <a:extLst>
+              <a:ext uri="{96DAC541-7B7A-43D3-8B79-37D633B846F1}">
+                <asvg:svgBlip xmlns:asvg="http://schemas.microsoft.com/office/drawing/2016/SVG/main" r:embed="rId4"/>
+              </a:ext>
+            </a:extLst>
+          </a:blip>
+          <a:stretch>
+            <a:fillRect/>
+          </a:stretch>
+        </p:blipFill>
+        <p:spPr>
+          <a:xfrm>
+            <a:off x="3870960" y="2134968"/>
+            <a:ext cx="2035462" cy="2035462"/>
+          </a:xfrm>
+          <a:prstGeom prst="rect">
+            <a:avLst/>
+          </a:prstGeom>
+        </p:spPr>
+      </p:pic>
+      <p:pic>
+        <p:nvPicPr>
+          <p:cNvPr id="1026" name="Picture 2" descr="Image result for windows 10 icon">
+            <a:extLst>
+              <a:ext uri="{FF2B5EF4-FFF2-40B4-BE49-F238E27FC236}">
+                <a16:creationId xmlns:a16="http://schemas.microsoft.com/office/drawing/2014/main" id="{E93AF3F1-6484-4475-8300-EED3DD2CA5A0}"/>
               </a:ext>
             </a:extLst>
           </p:cNvPr>
@@ -39109,7 +40412,7 @@
           <p:nvPr/>
         </p:nvPicPr>
         <p:blipFill>
-          <a:blip r:embed="rId3">
+          <a:blip r:embed="rId5">
             <a:extLst>
               <a:ext uri="{28A0092B-C50C-407E-A947-70E740481C1C}">
                 <a14:useLocalDpi xmlns:a14="http://schemas.microsoft.com/office/drawing/2010/main" val="0"/>
@@ -39123,8 +40426,8 @@
         </p:blipFill>
         <p:spPr bwMode="auto">
           <a:xfrm>
-            <a:off x="1495425" y="1332528"/>
-            <a:ext cx="8896350" cy="5200650"/>
+            <a:off x="923864" y="2222906"/>
+            <a:ext cx="2310298" cy="1947524"/>
           </a:xfrm>
           <a:prstGeom prst="rect">
             <a:avLst/>
@@ -39141,10 +40444,310 @@
           </a:extLst>
         </p:spPr>
       </p:pic>
+      <p:sp>
+        <p:nvSpPr>
+          <p:cNvPr id="10" name="TextBox 9">
+            <a:extLst>
+              <a:ext uri="{FF2B5EF4-FFF2-40B4-BE49-F238E27FC236}">
+                <a16:creationId xmlns:a16="http://schemas.microsoft.com/office/drawing/2014/main" id="{109B8AC8-C9D8-44AA-971F-D6AD3DF09219}"/>
+              </a:ext>
+            </a:extLst>
+          </p:cNvPr>
+          <p:cNvSpPr txBox="1"/>
+          <p:nvPr/>
+        </p:nvSpPr>
+        <p:spPr>
+          <a:xfrm>
+            <a:off x="923864" y="4212124"/>
+            <a:ext cx="2491067" cy="307777"/>
+          </a:xfrm>
+          <a:prstGeom prst="rect">
+            <a:avLst/>
+          </a:prstGeom>
+          <a:noFill/>
+        </p:spPr>
+        <p:txBody>
+          <a:bodyPr wrap="none" lIns="0" tIns="0" rIns="0" bIns="0" rtlCol="0">
+            <a:spAutoFit/>
+          </a:bodyPr>
+          <a:lstStyle/>
+          <a:p>
+            <a:pPr algn="l"/>
+            <a:r>
+              <a:rPr lang="en-GB" sz="2000" dirty="0">
+                <a:gradFill>
+                  <a:gsLst>
+                    <a:gs pos="2917">
+                      <a:schemeClr val="tx1"/>
+                    </a:gs>
+                    <a:gs pos="30000">
+                      <a:schemeClr val="tx1"/>
+                    </a:gs>
+                  </a:gsLst>
+                  <a:lin ang="5400000" scaled="0"/>
+                </a:gradFill>
+              </a:rPr>
+              <a:t>Windows 10 AAD Join</a:t>
+            </a:r>
+          </a:p>
+        </p:txBody>
+      </p:sp>
+      <p:sp>
+        <p:nvSpPr>
+          <p:cNvPr id="11" name="TextBox 10">
+            <a:extLst>
+              <a:ext uri="{FF2B5EF4-FFF2-40B4-BE49-F238E27FC236}">
+                <a16:creationId xmlns:a16="http://schemas.microsoft.com/office/drawing/2014/main" id="{5BC05DF3-6CFB-495D-9B3B-6A189AA45808}"/>
+              </a:ext>
+            </a:extLst>
+          </p:cNvPr>
+          <p:cNvSpPr txBox="1"/>
+          <p:nvPr/>
+        </p:nvSpPr>
+        <p:spPr>
+          <a:xfrm>
+            <a:off x="4524809" y="4212124"/>
+            <a:ext cx="727763" cy="307777"/>
+          </a:xfrm>
+          <a:prstGeom prst="rect">
+            <a:avLst/>
+          </a:prstGeom>
+          <a:noFill/>
+        </p:spPr>
+        <p:txBody>
+          <a:bodyPr wrap="none" lIns="0" tIns="0" rIns="0" bIns="0" rtlCol="0">
+            <a:spAutoFit/>
+          </a:bodyPr>
+          <a:lstStyle/>
+          <a:p>
+            <a:pPr algn="l"/>
+            <a:r>
+              <a:rPr lang="en-GB" sz="2000" dirty="0">
+                <a:gradFill>
+                  <a:gsLst>
+                    <a:gs pos="2917">
+                      <a:schemeClr val="tx1"/>
+                    </a:gs>
+                    <a:gs pos="30000">
+                      <a:schemeClr val="tx1"/>
+                    </a:gs>
+                  </a:gsLst>
+                  <a:lin ang="5400000" scaled="0"/>
+                </a:gradFill>
+              </a:rPr>
+              <a:t>Intune</a:t>
+            </a:r>
+          </a:p>
+        </p:txBody>
+      </p:sp>
+      <p:pic>
+        <p:nvPicPr>
+          <p:cNvPr id="15" name="Graphic 14">
+            <a:extLst>
+              <a:ext uri="{FF2B5EF4-FFF2-40B4-BE49-F238E27FC236}">
+                <a16:creationId xmlns:a16="http://schemas.microsoft.com/office/drawing/2014/main" id="{8FE21C05-65CA-4116-8733-DE34CE777772}"/>
+              </a:ext>
+            </a:extLst>
+          </p:cNvPr>
+          <p:cNvPicPr>
+            <a:picLocks noChangeAspect="1"/>
+          </p:cNvPicPr>
+          <p:nvPr/>
+        </p:nvPicPr>
+        <p:blipFill>
+          <a:blip r:embed="rId6">
+            <a:extLst>
+              <a:ext uri="{96DAC541-7B7A-43D3-8B79-37D633B846F1}">
+                <asvg:svgBlip xmlns:asvg="http://schemas.microsoft.com/office/drawing/2016/SVG/main" r:embed="rId7"/>
+              </a:ext>
+            </a:extLst>
+          </a:blip>
+          <a:stretch>
+            <a:fillRect/>
+          </a:stretch>
+        </p:blipFill>
+        <p:spPr>
+          <a:xfrm>
+            <a:off x="6543220" y="2337328"/>
+            <a:ext cx="1718680" cy="1718680"/>
+          </a:xfrm>
+          <a:prstGeom prst="rect">
+            <a:avLst/>
+          </a:prstGeom>
+        </p:spPr>
+      </p:pic>
+      <p:pic>
+        <p:nvPicPr>
+          <p:cNvPr id="24" name="Graphic 23">
+            <a:extLst>
+              <a:ext uri="{FF2B5EF4-FFF2-40B4-BE49-F238E27FC236}">
+                <a16:creationId xmlns:a16="http://schemas.microsoft.com/office/drawing/2014/main" id="{959E1961-C2F0-4154-8BED-0D97F34F148B}"/>
+              </a:ext>
+            </a:extLst>
+          </p:cNvPr>
+          <p:cNvPicPr>
+            <a:picLocks noChangeAspect="1"/>
+          </p:cNvPicPr>
+          <p:nvPr/>
+        </p:nvPicPr>
+        <p:blipFill>
+          <a:blip r:embed="rId8">
+            <a:extLst>
+              <a:ext uri="{96DAC541-7B7A-43D3-8B79-37D633B846F1}">
+                <asvg:svgBlip xmlns:asvg="http://schemas.microsoft.com/office/drawing/2016/SVG/main" r:embed="rId9"/>
+              </a:ext>
+            </a:extLst>
+          </a:blip>
+          <a:stretch>
+            <a:fillRect/>
+          </a:stretch>
+        </p:blipFill>
+        <p:spPr>
+          <a:xfrm>
+            <a:off x="9036644" y="2585777"/>
+            <a:ext cx="1133844" cy="1133844"/>
+          </a:xfrm>
+          <a:prstGeom prst="rect">
+            <a:avLst/>
+          </a:prstGeom>
+        </p:spPr>
+      </p:pic>
+      <p:pic>
+        <p:nvPicPr>
+          <p:cNvPr id="26" name="Graphic 25">
+            <a:extLst>
+              <a:ext uri="{FF2B5EF4-FFF2-40B4-BE49-F238E27FC236}">
+                <a16:creationId xmlns:a16="http://schemas.microsoft.com/office/drawing/2014/main" id="{C6C01718-2BBD-4782-9E19-3DA9BD8AAE02}"/>
+              </a:ext>
+            </a:extLst>
+          </p:cNvPr>
+          <p:cNvPicPr>
+            <a:picLocks noChangeAspect="1"/>
+          </p:cNvPicPr>
+          <p:nvPr/>
+        </p:nvPicPr>
+        <p:blipFill>
+          <a:blip r:embed="rId10">
+            <a:extLst>
+              <a:ext uri="{96DAC541-7B7A-43D3-8B79-37D633B846F1}">
+                <asvg:svgBlip xmlns:asvg="http://schemas.microsoft.com/office/drawing/2016/SVG/main" r:embed="rId11"/>
+              </a:ext>
+            </a:extLst>
+          </a:blip>
+          <a:stretch>
+            <a:fillRect/>
+          </a:stretch>
+        </p:blipFill>
+        <p:spPr>
+          <a:xfrm>
+            <a:off x="10246012" y="2637012"/>
+            <a:ext cx="1086649" cy="1053765"/>
+          </a:xfrm>
+          <a:prstGeom prst="rect">
+            <a:avLst/>
+          </a:prstGeom>
+        </p:spPr>
+      </p:pic>
+      <p:sp>
+        <p:nvSpPr>
+          <p:cNvPr id="27" name="TextBox 26">
+            <a:extLst>
+              <a:ext uri="{FF2B5EF4-FFF2-40B4-BE49-F238E27FC236}">
+                <a16:creationId xmlns:a16="http://schemas.microsoft.com/office/drawing/2014/main" id="{D0E95CE2-1007-4980-AE72-3A7AB33436CA}"/>
+              </a:ext>
+            </a:extLst>
+          </p:cNvPr>
+          <p:cNvSpPr txBox="1"/>
+          <p:nvPr/>
+        </p:nvSpPr>
+        <p:spPr>
+          <a:xfrm>
+            <a:off x="6878647" y="4212124"/>
+            <a:ext cx="1226105" cy="307777"/>
+          </a:xfrm>
+          <a:prstGeom prst="rect">
+            <a:avLst/>
+          </a:prstGeom>
+          <a:noFill/>
+        </p:spPr>
+        <p:txBody>
+          <a:bodyPr wrap="none" lIns="0" tIns="0" rIns="0" bIns="0" rtlCol="0">
+            <a:spAutoFit/>
+          </a:bodyPr>
+          <a:lstStyle/>
+          <a:p>
+            <a:pPr algn="l"/>
+            <a:r>
+              <a:rPr lang="en-GB" sz="2000" dirty="0">
+                <a:gradFill>
+                  <a:gsLst>
+                    <a:gs pos="2917">
+                      <a:schemeClr val="tx1"/>
+                    </a:gs>
+                    <a:gs pos="30000">
+                      <a:schemeClr val="tx1"/>
+                    </a:gs>
+                  </a:gsLst>
+                  <a:lin ang="5400000" scaled="0"/>
+                </a:gradFill>
+              </a:rPr>
+              <a:t>Azure DNS</a:t>
+            </a:r>
+          </a:p>
+        </p:txBody>
+      </p:sp>
+      <p:sp>
+        <p:nvSpPr>
+          <p:cNvPr id="28" name="TextBox 27">
+            <a:extLst>
+              <a:ext uri="{FF2B5EF4-FFF2-40B4-BE49-F238E27FC236}">
+                <a16:creationId xmlns:a16="http://schemas.microsoft.com/office/drawing/2014/main" id="{A587E896-6F01-40DF-AA5B-A97860C8B2FE}"/>
+              </a:ext>
+            </a:extLst>
+          </p:cNvPr>
+          <p:cNvSpPr txBox="1"/>
+          <p:nvPr/>
+        </p:nvSpPr>
+        <p:spPr>
+          <a:xfrm>
+            <a:off x="8868327" y="4170430"/>
+            <a:ext cx="2755370" cy="307777"/>
+          </a:xfrm>
+          <a:prstGeom prst="rect">
+            <a:avLst/>
+          </a:prstGeom>
+          <a:noFill/>
+        </p:spPr>
+        <p:txBody>
+          <a:bodyPr wrap="none" lIns="0" tIns="0" rIns="0" bIns="0" rtlCol="0">
+            <a:spAutoFit/>
+          </a:bodyPr>
+          <a:lstStyle/>
+          <a:p>
+            <a:pPr algn="l"/>
+            <a:r>
+              <a:rPr lang="en-GB" sz="2000" dirty="0">
+                <a:gradFill>
+                  <a:gsLst>
+                    <a:gs pos="2917">
+                      <a:schemeClr val="tx1"/>
+                    </a:gs>
+                    <a:gs pos="30000">
+                      <a:schemeClr val="tx1"/>
+                    </a:gs>
+                  </a:gsLst>
+                  <a:lin ang="5400000" scaled="0"/>
+                </a:gradFill>
+              </a:rPr>
+              <a:t>Azure Files/NetApp Files</a:t>
+            </a:r>
+          </a:p>
+        </p:txBody>
+      </p:sp>
     </p:spTree>
     <p:extLst>
       <p:ext uri="{BB962C8B-B14F-4D97-AF65-F5344CB8AC3E}">
-        <p14:creationId xmlns:p14="http://schemas.microsoft.com/office/powerpoint/2010/main" val="1330752565"/>
+        <p14:creationId xmlns:p14="http://schemas.microsoft.com/office/powerpoint/2010/main" val="162534214"/>
       </p:ext>
     </p:extLst>
   </p:cSld>
@@ -40622,15 +42225,6 @@
 </file>
 
 <file path=customXml/item2.xml><?xml version="1.0" encoding="utf-8"?>
-<?mso-contentType ?>
-<FormTemplates xmlns="http://schemas.microsoft.com/sharepoint/v3/contenttype/forms">
-  <Display>DocumentLibraryForm</Display>
-  <Edit>DocumentLibraryForm</Edit>
-  <New>DocumentLibraryForm</New>
-</FormTemplates>
-</file>
-
-<file path=customXml/item3.xml><?xml version="1.0" encoding="utf-8"?>
 <ct:contentTypeSchema xmlns:ct="http://schemas.microsoft.com/office/2006/metadata/contentType" xmlns:ma="http://schemas.microsoft.com/office/2006/metadata/properties/metaAttributes" ct:_="" ma:_="" ma:contentTypeName="Document" ma:contentTypeID="0x010100778A2EBC6E34694C80F43E94FCA993B5" ma:contentTypeVersion="14" ma:contentTypeDescription="Create a new document." ma:contentTypeScope="" ma:versionID="1a7ced39ac191f9ec8deffde533b0c1c">
   <xsd:schema xmlns:xsd="http://www.w3.org/2001/XMLSchema" xmlns:xs="http://www.w3.org/2001/XMLSchema" xmlns:p="http://schemas.microsoft.com/office/2006/metadata/properties" xmlns:ns1="http://schemas.microsoft.com/sharepoint/v3" xmlns:ns2="e4aa919a-b200-49cb-beca-4c7e0810321e" xmlns:ns3="06670dda-0291-4061-b6e0-f6c0cb392c51" targetNamespace="http://schemas.microsoft.com/office/2006/metadata/properties" ma:root="true" ma:fieldsID="bedea8c8816a4e5934c808becd103583" ns1:_="" ns2:_="" ns3:_="">
     <xsd:import namespace="http://schemas.microsoft.com/sharepoint/v3"/>
@@ -40864,6 +42458,15 @@
 </ct:contentTypeSchema>
 </file>
 
+<file path=customXml/item3.xml><?xml version="1.0" encoding="utf-8"?>
+<?mso-contentType ?>
+<FormTemplates xmlns="http://schemas.microsoft.com/sharepoint/v3/contenttype/forms">
+  <Display>DocumentLibraryForm</Display>
+  <Edit>DocumentLibraryForm</Edit>
+  <New>DocumentLibraryForm</New>
+</FormTemplates>
+</file>
+
 <file path=customXml/itemProps1.xml><?xml version="1.0" encoding="utf-8"?>
 <ds:datastoreItem xmlns:ds="http://schemas.openxmlformats.org/officeDocument/2006/customXml" ds:itemID="{F990F116-B58F-4255-B05B-DA3808E0E5C6}">
   <ds:schemaRefs>
@@ -40883,14 +42486,6 @@
 </file>
 
 <file path=customXml/itemProps2.xml><?xml version="1.0" encoding="utf-8"?>
-<ds:datastoreItem xmlns:ds="http://schemas.openxmlformats.org/officeDocument/2006/customXml" ds:itemID="{758FDAC0-319D-4A54-8D8E-1D42CB1F8004}">
-  <ds:schemaRefs>
-    <ds:schemaRef ds:uri="http://schemas.microsoft.com/sharepoint/v3/contenttype/forms"/>
-  </ds:schemaRefs>
-</ds:datastoreItem>
-</file>
-
-<file path=customXml/itemProps3.xml><?xml version="1.0" encoding="utf-8"?>
 <ds:datastoreItem xmlns:ds="http://schemas.openxmlformats.org/officeDocument/2006/customXml" ds:itemID="{0BB3C309-8520-4616-80FC-2CB10D5B83A0}">
   <ds:schemaRefs>
     <ds:schemaRef ds:uri="http://schemas.microsoft.com/office/2006/metadata/contentType"/>
@@ -40908,4 +42503,12 @@
     <ds:schemaRef ds:uri="http://schemas.microsoft.com/internal/obd"/>
   </ds:schemaRefs>
 </ds:datastoreItem>
+</file>
+
+<file path=customXml/itemProps3.xml><?xml version="1.0" encoding="utf-8"?>
+<ds:datastoreItem xmlns:ds="http://schemas.openxmlformats.org/officeDocument/2006/customXml" ds:itemID="{758FDAC0-319D-4A54-8D8E-1D42CB1F8004}">
+  <ds:schemaRefs>
+    <ds:schemaRef ds:uri="http://schemas.microsoft.com/sharepoint/v3/contenttype/forms"/>
+  </ds:schemaRefs>
+</ds:datastoreItem>
 </file>
--- a/Ignite the Tour 2020 London/AzureAdisnotAd/AzureADisnotAD.pptx
+++ b/Ignite the Tour 2020 London/AzureAdisnotAd/AzureADisnotAD.pptx
@@ -7,10 +7,10 @@
     <p:sldMasterId id="2147484872" r:id="rId6"/>
   </p:sldMasterIdLst>
   <p:notesMasterIdLst>
-    <p:notesMasterId r:id="rId20"/>
+    <p:notesMasterId r:id="rId21"/>
   </p:notesMasterIdLst>
   <p:handoutMasterIdLst>
-    <p:handoutMasterId r:id="rId21"/>
+    <p:handoutMasterId r:id="rId22"/>
   </p:handoutMasterIdLst>
   <p:sldIdLst>
     <p:sldId id="1720" r:id="rId7"/>
@@ -19,13 +19,14 @@
     <p:sldId id="1660" r:id="rId10"/>
     <p:sldId id="2042" r:id="rId11"/>
     <p:sldId id="2046" r:id="rId12"/>
-    <p:sldId id="2052" r:id="rId13"/>
-    <p:sldId id="2047" r:id="rId14"/>
+    <p:sldId id="2056" r:id="rId13"/>
+    <p:sldId id="2052" r:id="rId14"/>
     <p:sldId id="2048" r:id="rId15"/>
-    <p:sldId id="2049" r:id="rId16"/>
-    <p:sldId id="2055" r:id="rId17"/>
-    <p:sldId id="2054" r:id="rId18"/>
-    <p:sldId id="2053" r:id="rId19"/>
+    <p:sldId id="2047" r:id="rId16"/>
+    <p:sldId id="2049" r:id="rId17"/>
+    <p:sldId id="2055" r:id="rId18"/>
+    <p:sldId id="2054" r:id="rId19"/>
+    <p:sldId id="2053" r:id="rId20"/>
   </p:sldIdLst>
   <p:sldSz cx="12192000" cy="6858000"/>
   <p:notesSz cx="6858000" cy="9144000"/>
@@ -135,9 +136,10 @@
             <p14:sldId id="1660"/>
             <p14:sldId id="2042"/>
             <p14:sldId id="2046"/>
+            <p14:sldId id="2056"/>
             <p14:sldId id="2052"/>
+            <p14:sldId id="2048"/>
             <p14:sldId id="2047"/>
-            <p14:sldId id="2048"/>
             <p14:sldId id="2049"/>
             <p14:sldId id="2055"/>
             <p14:sldId id="2054"/>
@@ -287,7 +289,7 @@
               <a:rPr lang="en-US" smtClean="0">
                 <a:latin typeface="Segoe UI" pitchFamily="34" charset="0"/>
               </a:rPr>
-              <a:t>1/9/2020 8:35 PM</a:t>
+              <a:t>1/16/2020 3:22 PM</a:t>
             </a:fld>
             <a:endParaRPr lang="en-US" dirty="0">
               <a:latin typeface="Segoe UI" pitchFamily="34" charset="0"/>
@@ -565,7 +567,7 @@
           <a:p>
             <a:fld id="{386CE63F-9E7F-4C04-9D0D-FCA25A8E9E86}" type="datetime8">
               <a:rPr lang="en-US" smtClean="0"/>
-              <a:t>1/9/2020 8:35 PM</a:t>
+              <a:t>1/16/2020 2:06 PM</a:t>
             </a:fld>
             <a:endParaRPr lang="en-US" dirty="0"/>
           </a:p>
@@ -932,7 +934,7 @@
           <a:p>
             <a:fld id="{62072DC8-D49D-432C-9D46-A7718B5F5490}" type="datetime8">
               <a:rPr lang="en-US" smtClean="0"/>
-              <a:t>1/9/2020 8:35 PM</a:t>
+              <a:t>1/16/2020 2:06 PM</a:t>
             </a:fld>
             <a:endParaRPr lang="en-US" dirty="0"/>
           </a:p>
@@ -1097,7 +1099,7 @@
           <a:p>
             <a:fld id="{72E0C910-0166-48E0-B8EF-5071277A02A8}" type="datetime8">
               <a:rPr lang="en-US" smtClean="0"/>
-              <a:t>1/9/2020 8:53 PM</a:t>
+              <a:t>1/16/2020 2:06 PM</a:t>
             </a:fld>
             <a:endParaRPr lang="en-US" dirty="0"/>
           </a:p>
@@ -1121,7 +1123,7 @@
             <a:fld id="{B4008EB6-D09E-4580-8CD6-DDB14511944F}" type="slidenum">
               <a:rPr lang="en-US" smtClean="0"/>
               <a:pPr/>
-              <a:t>12</a:t>
+              <a:t>13</a:t>
             </a:fld>
             <a:endParaRPr lang="en-US" dirty="0"/>
           </a:p>
@@ -1262,7 +1264,7 @@
           <a:p>
             <a:fld id="{72E0C910-0166-48E0-B8EF-5071277A02A8}" type="datetime8">
               <a:rPr lang="en-US" smtClean="0"/>
-              <a:t>1/9/2020 8:35 PM</a:t>
+              <a:t>1/16/2020 2:06 PM</a:t>
             </a:fld>
             <a:endParaRPr lang="en-US" dirty="0"/>
           </a:p>
@@ -1427,7 +1429,7 @@
           <a:p>
             <a:fld id="{72E0C910-0166-48E0-B8EF-5071277A02A8}" type="datetime8">
               <a:rPr lang="en-US" smtClean="0"/>
-              <a:t>1/9/2020 8:42 PM</a:t>
+              <a:t>1/16/2020 2:06 PM</a:t>
             </a:fld>
             <a:endParaRPr lang="en-US" dirty="0"/>
           </a:p>
@@ -1592,7 +1594,7 @@
           <a:p>
             <a:fld id="{72E0C910-0166-48E0-B8EF-5071277A02A8}" type="datetime8">
               <a:rPr lang="en-US" smtClean="0"/>
-              <a:t>1/9/2020 8:45 PM</a:t>
+              <a:t>1/16/2020 2:06 PM</a:t>
             </a:fld>
             <a:endParaRPr lang="en-US" dirty="0"/>
           </a:p>
@@ -1757,7 +1759,7 @@
           <a:p>
             <a:fld id="{72E0C910-0166-48E0-B8EF-5071277A02A8}" type="datetime8">
               <a:rPr lang="en-US" smtClean="0"/>
-              <a:t>1/9/2020 8:52 PM</a:t>
+              <a:t>1/16/2020 2:06 PM</a:t>
             </a:fld>
             <a:endParaRPr lang="en-US" dirty="0"/>
           </a:p>
@@ -1781,7 +1783,7 @@
             <a:fld id="{B4008EB6-D09E-4580-8CD6-DDB14511944F}" type="slidenum">
               <a:rPr lang="en-US" smtClean="0"/>
               <a:pPr/>
-              <a:t>7</a:t>
+              <a:t>8</a:t>
             </a:fld>
             <a:endParaRPr lang="en-US" dirty="0"/>
           </a:p>
@@ -1922,7 +1924,7 @@
           <a:p>
             <a:fld id="{72E0C910-0166-48E0-B8EF-5071277A02A8}" type="datetime8">
               <a:rPr lang="en-US" smtClean="0"/>
-              <a:t>1/9/2020 8:35 PM</a:t>
+              <a:t>1/16/2020 2:06 PM</a:t>
             </a:fld>
             <a:endParaRPr lang="en-US" dirty="0"/>
           </a:p>
@@ -1946,7 +1948,7 @@
             <a:fld id="{B4008EB6-D09E-4580-8CD6-DDB14511944F}" type="slidenum">
               <a:rPr lang="en-US" smtClean="0"/>
               <a:pPr/>
-              <a:t>8</a:t>
+              <a:t>9</a:t>
             </a:fld>
             <a:endParaRPr lang="en-US" dirty="0"/>
           </a:p>
@@ -1955,7 +1957,7 @@
     </p:spTree>
     <p:extLst>
       <p:ext uri="{BB962C8B-B14F-4D97-AF65-F5344CB8AC3E}">
-        <p14:creationId xmlns:p14="http://schemas.microsoft.com/office/powerpoint/2010/main" val="707188862"/>
+        <p14:creationId xmlns:p14="http://schemas.microsoft.com/office/powerpoint/2010/main" val="77442350"/>
       </p:ext>
     </p:extLst>
   </p:cSld>
@@ -2087,7 +2089,7 @@
           <a:p>
             <a:fld id="{72E0C910-0166-48E0-B8EF-5071277A02A8}" type="datetime8">
               <a:rPr lang="en-US" smtClean="0"/>
-              <a:t>1/9/2020 8:35 PM</a:t>
+              <a:t>1/16/2020 2:06 PM</a:t>
             </a:fld>
             <a:endParaRPr lang="en-US" dirty="0"/>
           </a:p>
@@ -2111,7 +2113,7 @@
             <a:fld id="{B4008EB6-D09E-4580-8CD6-DDB14511944F}" type="slidenum">
               <a:rPr lang="en-US" smtClean="0"/>
               <a:pPr/>
-              <a:t>9</a:t>
+              <a:t>10</a:t>
             </a:fld>
             <a:endParaRPr lang="en-US" dirty="0"/>
           </a:p>
@@ -2120,7 +2122,7 @@
     </p:spTree>
     <p:extLst>
       <p:ext uri="{BB962C8B-B14F-4D97-AF65-F5344CB8AC3E}">
-        <p14:creationId xmlns:p14="http://schemas.microsoft.com/office/powerpoint/2010/main" val="77442350"/>
+        <p14:creationId xmlns:p14="http://schemas.microsoft.com/office/powerpoint/2010/main" val="707188862"/>
       </p:ext>
     </p:extLst>
   </p:cSld>
@@ -2252,7 +2254,7 @@
           <a:p>
             <a:fld id="{72E0C910-0166-48E0-B8EF-5071277A02A8}" type="datetime8">
               <a:rPr lang="en-US" smtClean="0"/>
-              <a:t>1/9/2020 8:35 PM</a:t>
+              <a:t>1/16/2020 2:06 PM</a:t>
             </a:fld>
             <a:endParaRPr lang="en-US" dirty="0"/>
           </a:p>
@@ -2276,7 +2278,7 @@
             <a:fld id="{B4008EB6-D09E-4580-8CD6-DDB14511944F}" type="slidenum">
               <a:rPr lang="en-US" smtClean="0"/>
               <a:pPr/>
-              <a:t>10</a:t>
+              <a:t>11</a:t>
             </a:fld>
             <a:endParaRPr lang="en-US" dirty="0"/>
           </a:p>
@@ -2417,7 +2419,7 @@
           <a:p>
             <a:fld id="{72E0C910-0166-48E0-B8EF-5071277A02A8}" type="datetime8">
               <a:rPr lang="en-US" smtClean="0"/>
-              <a:t>1/9/2020 8:58 PM</a:t>
+              <a:t>1/16/2020 2:06 PM</a:t>
             </a:fld>
             <a:endParaRPr lang="en-US" dirty="0"/>
           </a:p>
@@ -2441,7 +2443,7 @@
             <a:fld id="{B4008EB6-D09E-4580-8CD6-DDB14511944F}" type="slidenum">
               <a:rPr lang="en-US" smtClean="0"/>
               <a:pPr/>
-              <a:t>11</a:t>
+              <a:t>12</a:t>
             </a:fld>
             <a:endParaRPr lang="en-US" dirty="0"/>
           </a:p>
@@ -37138,6 +37140,167 @@
           <a:p>
             <a:r>
               <a:rPr lang="en-US" dirty="0"/>
+              <a:t>Hybrid</a:t>
+            </a:r>
+          </a:p>
+        </p:txBody>
+      </p:sp>
+      <p:sp>
+        <p:nvSpPr>
+          <p:cNvPr id="2" name="AutoShape 2" descr="Image result for azure active directory">
+            <a:extLst>
+              <a:ext uri="{FF2B5EF4-FFF2-40B4-BE49-F238E27FC236}">
+                <a16:creationId xmlns:a16="http://schemas.microsoft.com/office/drawing/2014/main" id="{50E3396A-4EDB-4597-9AE4-B04A70C3F122}"/>
+              </a:ext>
+            </a:extLst>
+          </p:cNvPr>
+          <p:cNvSpPr>
+            <a:spLocks noChangeAspect="1" noChangeArrowheads="1"/>
+          </p:cNvSpPr>
+          <p:nvPr/>
+        </p:nvSpPr>
+        <p:spPr bwMode="auto">
+          <a:xfrm>
+            <a:off x="5943600" y="3276600"/>
+            <a:ext cx="304800" cy="304800"/>
+          </a:xfrm>
+          <a:prstGeom prst="rect">
+            <a:avLst/>
+          </a:prstGeom>
+          <a:noFill/>
+          <a:extLst>
+            <a:ext uri="{909E8E84-426E-40DD-AFC4-6F175D3DCCD1}">
+              <a14:hiddenFill xmlns:a14="http://schemas.microsoft.com/office/drawing/2010/main">
+                <a:solidFill>
+                  <a:srgbClr val="FFFFFF"/>
+                </a:solidFill>
+              </a14:hiddenFill>
+            </a:ext>
+          </a:extLst>
+        </p:spPr>
+        <p:txBody>
+          <a:bodyPr vert="horz" wrap="square" lIns="91440" tIns="45720" rIns="91440" bIns="45720" numCol="1" anchor="t" anchorCtr="0" compatLnSpc="1">
+            <a:prstTxWarp prst="textNoShape">
+              <a:avLst/>
+            </a:prstTxWarp>
+          </a:bodyPr>
+          <a:lstStyle/>
+          <a:p>
+            <a:endParaRPr lang="en-GB"/>
+          </a:p>
+        </p:txBody>
+      </p:sp>
+      <p:pic>
+        <p:nvPicPr>
+          <p:cNvPr id="6150" name="Picture 6" descr="Related image">
+            <a:extLst>
+              <a:ext uri="{FF2B5EF4-FFF2-40B4-BE49-F238E27FC236}">
+                <a16:creationId xmlns:a16="http://schemas.microsoft.com/office/drawing/2014/main" id="{C3DF6617-1E90-48CF-B314-1A7CD892BF21}"/>
+              </a:ext>
+            </a:extLst>
+          </p:cNvPr>
+          <p:cNvPicPr>
+            <a:picLocks noChangeAspect="1" noChangeArrowheads="1"/>
+          </p:cNvPicPr>
+          <p:nvPr/>
+        </p:nvPicPr>
+        <p:blipFill>
+          <a:blip r:embed="rId3">
+            <a:extLst>
+              <a:ext uri="{28A0092B-C50C-407E-A947-70E740481C1C}">
+                <a14:useLocalDpi xmlns:a14="http://schemas.microsoft.com/office/drawing/2010/main" val="0"/>
+              </a:ext>
+            </a:extLst>
+          </a:blip>
+          <a:srcRect/>
+          <a:stretch>
+            <a:fillRect/>
+          </a:stretch>
+        </p:blipFill>
+        <p:spPr bwMode="auto">
+          <a:xfrm>
+            <a:off x="513437" y="1445775"/>
+            <a:ext cx="11093346" cy="3966449"/>
+          </a:xfrm>
+          <a:prstGeom prst="rect">
+            <a:avLst/>
+          </a:prstGeom>
+          <a:noFill/>
+          <a:extLst>
+            <a:ext uri="{909E8E84-426E-40DD-AFC4-6F175D3DCCD1}">
+              <a14:hiddenFill xmlns:a14="http://schemas.microsoft.com/office/drawing/2010/main">
+                <a:solidFill>
+                  <a:srgbClr val="FFFFFF"/>
+                </a:solidFill>
+              </a14:hiddenFill>
+            </a:ext>
+          </a:extLst>
+        </p:spPr>
+      </p:pic>
+    </p:spTree>
+    <p:extLst>
+      <p:ext uri="{BB962C8B-B14F-4D97-AF65-F5344CB8AC3E}">
+        <p14:creationId xmlns:p14="http://schemas.microsoft.com/office/powerpoint/2010/main" val="1184288819"/>
+      </p:ext>
+    </p:extLst>
+  </p:cSld>
+  <p:clrMapOvr>
+    <a:masterClrMapping/>
+  </p:clrMapOvr>
+  <mc:AlternateContent xmlns:mc="http://schemas.openxmlformats.org/markup-compatibility/2006" xmlns:p14="http://schemas.microsoft.com/office/powerpoint/2010/main">
+    <mc:Choice Requires="p14">
+      <p:transition spd="med" p14:dur="700">
+        <p:fade/>
+      </p:transition>
+    </mc:Choice>
+    <mc:Fallback xmlns="">
+      <p:transition spd="med">
+        <p:fade/>
+      </p:transition>
+    </mc:Fallback>
+  </mc:AlternateContent>
+</p:sld>
+</file>
+
+<file path=ppt/slides/slide11.xml><?xml version="1.0" encoding="utf-8"?>
+<p:sld xmlns:a="http://schemas.openxmlformats.org/drawingml/2006/main" xmlns:r="http://schemas.openxmlformats.org/officeDocument/2006/relationships" xmlns:p="http://schemas.openxmlformats.org/presentationml/2006/main">
+  <p:cSld>
+    <p:spTree>
+      <p:nvGrpSpPr>
+        <p:cNvPr id="1" name=""/>
+        <p:cNvGrpSpPr/>
+        <p:nvPr/>
+      </p:nvGrpSpPr>
+      <p:grpSpPr>
+        <a:xfrm>
+          <a:off x="0" y="0"/>
+          <a:ext cx="0" cy="0"/>
+          <a:chOff x="0" y="0"/>
+          <a:chExt cx="0" cy="0"/>
+        </a:xfrm>
+      </p:grpSpPr>
+      <p:sp>
+        <p:nvSpPr>
+          <p:cNvPr id="17" name="Title 16"/>
+          <p:cNvSpPr>
+            <a:spLocks noGrp="1"/>
+          </p:cNvSpPr>
+          <p:nvPr>
+            <p:ph type="title"/>
+          </p:nvPr>
+        </p:nvSpPr>
+        <p:spPr>
+          <a:xfrm>
+            <a:off x="588263" y="457200"/>
+            <a:ext cx="11018520" cy="553998"/>
+          </a:xfrm>
+        </p:spPr>
+        <p:txBody>
+          <a:bodyPr/>
+          <a:lstStyle/>
+          <a:p>
+            <a:r>
+              <a:rPr lang="en-US" dirty="0"/>
               <a:t>Azure AD Domain Services</a:t>
             </a:r>
           </a:p>
@@ -37260,7 +37423,7 @@
 </p:sld>
 </file>
 
-<file path=ppt/slides/slide11.xml><?xml version="1.0" encoding="utf-8"?>
+<file path=ppt/slides/slide12.xml><?xml version="1.0" encoding="utf-8"?>
 <p:sld xmlns:a="http://schemas.openxmlformats.org/drawingml/2006/main" xmlns:r="http://schemas.openxmlformats.org/officeDocument/2006/relationships" xmlns:p="http://schemas.openxmlformats.org/presentationml/2006/main">
   <p:cSld>
     <p:spTree>
@@ -37451,7 +37614,7 @@
 </p:sld>
 </file>
 
-<file path=ppt/slides/slide12.xml><?xml version="1.0" encoding="utf-8"?>
+<file path=ppt/slides/slide13.xml><?xml version="1.0" encoding="utf-8"?>
 <p:sld xmlns:a="http://schemas.openxmlformats.org/drawingml/2006/main" xmlns:r="http://schemas.openxmlformats.org/officeDocument/2006/relationships" xmlns:p="http://schemas.openxmlformats.org/presentationml/2006/main">
   <p:cSld>
     <p:spTree>
@@ -37639,7 +37802,7 @@
 </p:sld>
 </file>
 
-<file path=ppt/slides/slide13.xml><?xml version="1.0" encoding="utf-8"?>
+<file path=ppt/slides/slide14.xml><?xml version="1.0" encoding="utf-8"?>
 <p:sld xmlns:a="http://schemas.openxmlformats.org/drawingml/2006/main" xmlns:r="http://schemas.openxmlformats.org/officeDocument/2006/relationships" xmlns:p="http://schemas.openxmlformats.org/presentationml/2006/main">
   <p:cSld>
     <p:spTree>
@@ -39985,7 +40148,13 @@
       </p:grpSpPr>
       <p:sp>
         <p:nvSpPr>
-          <p:cNvPr id="17" name="Title 16"/>
+          <p:cNvPr id="2" name="Title 1">
+            <a:extLst>
+              <a:ext uri="{FF2B5EF4-FFF2-40B4-BE49-F238E27FC236}">
+                <a16:creationId xmlns:a16="http://schemas.microsoft.com/office/drawing/2014/main" id="{E1FCAF93-3108-4654-85B2-8D6A669F17DF}"/>
+              </a:ext>
+            </a:extLst>
+          </p:cNvPr>
           <p:cNvSpPr>
             <a:spLocks noGrp="1"/>
           </p:cNvSpPr>
@@ -39993,103 +40162,27 @@
             <p:ph type="title"/>
           </p:nvPr>
         </p:nvSpPr>
-        <p:spPr/>
+        <p:spPr>
+          <a:xfrm>
+            <a:off x="585216" y="2537210"/>
+            <a:ext cx="5510784" cy="997196"/>
+          </a:xfrm>
+        </p:spPr>
         <p:txBody>
           <a:bodyPr/>
           <a:lstStyle/>
           <a:p>
             <a:r>
-              <a:rPr lang="en-US" dirty="0"/>
-              <a:t>Azure AD Only</a:t>
+              <a:rPr lang="en-GB" dirty="0"/>
+              <a:t>Working with AAD and On-Premises</a:t>
             </a:r>
           </a:p>
         </p:txBody>
       </p:sp>
-      <p:sp>
-        <p:nvSpPr>
-          <p:cNvPr id="2" name="AutoShape 2" descr="Image result for azure active directory">
-            <a:extLst>
-              <a:ext uri="{FF2B5EF4-FFF2-40B4-BE49-F238E27FC236}">
-                <a16:creationId xmlns:a16="http://schemas.microsoft.com/office/drawing/2014/main" id="{50E3396A-4EDB-4597-9AE4-B04A70C3F122}"/>
-              </a:ext>
-            </a:extLst>
-          </p:cNvPr>
-          <p:cNvSpPr>
-            <a:spLocks noChangeAspect="1" noChangeArrowheads="1"/>
-          </p:cNvSpPr>
-          <p:nvPr/>
-        </p:nvSpPr>
-        <p:spPr bwMode="auto">
-          <a:xfrm>
-            <a:off x="5943600" y="3276600"/>
-            <a:ext cx="304800" cy="304800"/>
-          </a:xfrm>
-          <a:prstGeom prst="rect">
-            <a:avLst/>
-          </a:prstGeom>
-          <a:noFill/>
-          <a:extLst>
-            <a:ext uri="{909E8E84-426E-40DD-AFC4-6F175D3DCCD1}">
-              <a14:hiddenFill xmlns:a14="http://schemas.microsoft.com/office/drawing/2010/main">
-                <a:solidFill>
-                  <a:srgbClr val="FFFFFF"/>
-                </a:solidFill>
-              </a14:hiddenFill>
-            </a:ext>
-          </a:extLst>
-        </p:spPr>
-        <p:txBody>
-          <a:bodyPr vert="horz" wrap="square" lIns="91440" tIns="45720" rIns="91440" bIns="45720" numCol="1" anchor="t" anchorCtr="0" compatLnSpc="1">
-            <a:prstTxWarp prst="textNoShape">
-              <a:avLst/>
-            </a:prstTxWarp>
-          </a:bodyPr>
-          <a:lstStyle/>
-          <a:p>
-            <a:endParaRPr lang="en-GB"/>
-          </a:p>
-        </p:txBody>
-      </p:sp>
-      <p:pic>
-        <p:nvPicPr>
-          <p:cNvPr id="5" name="Graphic 4">
-            <a:extLst>
-              <a:ext uri="{FF2B5EF4-FFF2-40B4-BE49-F238E27FC236}">
-                <a16:creationId xmlns:a16="http://schemas.microsoft.com/office/drawing/2014/main" id="{AD4B784D-D163-4160-8222-E9B6F7B32DFF}"/>
-              </a:ext>
-            </a:extLst>
-          </p:cNvPr>
-          <p:cNvPicPr>
-            <a:picLocks noChangeAspect="1"/>
-          </p:cNvPicPr>
-          <p:nvPr/>
-        </p:nvPicPr>
-        <p:blipFill>
-          <a:blip r:embed="rId3">
-            <a:extLst>
-              <a:ext uri="{96DAC541-7B7A-43D3-8B79-37D633B846F1}">
-                <asvg:svgBlip xmlns:asvg="http://schemas.microsoft.com/office/drawing/2016/SVG/main" r:embed="rId4"/>
-              </a:ext>
-            </a:extLst>
-          </a:blip>
-          <a:stretch>
-            <a:fillRect/>
-          </a:stretch>
-        </p:blipFill>
-        <p:spPr>
-          <a:xfrm>
-            <a:off x="3625379" y="1672707"/>
-            <a:ext cx="4020185" cy="4050973"/>
-          </a:xfrm>
-          <a:prstGeom prst="rect">
-            <a:avLst/>
-          </a:prstGeom>
-        </p:spPr>
-      </p:pic>
     </p:spTree>
     <p:extLst>
       <p:ext uri="{BB962C8B-B14F-4D97-AF65-F5344CB8AC3E}">
-        <p14:creationId xmlns:p14="http://schemas.microsoft.com/office/powerpoint/2010/main" val="2919388805"/>
+        <p14:creationId xmlns:p14="http://schemas.microsoft.com/office/powerpoint/2010/main" val="2992327375"/>
       </p:ext>
     </p:extLst>
   </p:cSld>
@@ -40138,19 +40231,14 @@
             <p:ph type="title"/>
           </p:nvPr>
         </p:nvSpPr>
-        <p:spPr>
-          <a:xfrm>
-            <a:off x="588263" y="457200"/>
-            <a:ext cx="11018520" cy="553998"/>
-          </a:xfrm>
-        </p:spPr>
+        <p:spPr/>
         <p:txBody>
           <a:bodyPr/>
           <a:lstStyle/>
           <a:p>
             <a:r>
               <a:rPr lang="en-US" dirty="0"/>
-              <a:t>Hybrid</a:t>
+              <a:t>Azure AD Only</a:t>
             </a:r>
           </a:p>
         </p:txBody>
@@ -40202,55 +40290,44 @@
       </p:sp>
       <p:pic>
         <p:nvPicPr>
-          <p:cNvPr id="6150" name="Picture 6" descr="Related image">
+          <p:cNvPr id="5" name="Graphic 4">
             <a:extLst>
               <a:ext uri="{FF2B5EF4-FFF2-40B4-BE49-F238E27FC236}">
-                <a16:creationId xmlns:a16="http://schemas.microsoft.com/office/drawing/2014/main" id="{C3DF6617-1E90-48CF-B314-1A7CD892BF21}"/>
+                <a16:creationId xmlns:a16="http://schemas.microsoft.com/office/drawing/2014/main" id="{AD4B784D-D163-4160-8222-E9B6F7B32DFF}"/>
               </a:ext>
             </a:extLst>
           </p:cNvPr>
           <p:cNvPicPr>
-            <a:picLocks noChangeAspect="1" noChangeArrowheads="1"/>
+            <a:picLocks noChangeAspect="1"/>
           </p:cNvPicPr>
           <p:nvPr/>
         </p:nvPicPr>
         <p:blipFill>
           <a:blip r:embed="rId3">
             <a:extLst>
-              <a:ext uri="{28A0092B-C50C-407E-A947-70E740481C1C}">
-                <a14:useLocalDpi xmlns:a14="http://schemas.microsoft.com/office/drawing/2010/main" val="0"/>
+              <a:ext uri="{96DAC541-7B7A-43D3-8B79-37D633B846F1}">
+                <asvg:svgBlip xmlns:asvg="http://schemas.microsoft.com/office/drawing/2016/SVG/main" r:embed="rId4"/>
               </a:ext>
             </a:extLst>
           </a:blip>
-          <a:srcRect/>
           <a:stretch>
             <a:fillRect/>
           </a:stretch>
         </p:blipFill>
-        <p:spPr bwMode="auto">
+        <p:spPr>
           <a:xfrm>
-            <a:off x="513437" y="1445775"/>
-            <a:ext cx="11093346" cy="3966449"/>
+            <a:off x="3625379" y="1672707"/>
+            <a:ext cx="4020185" cy="4050973"/>
           </a:xfrm>
           <a:prstGeom prst="rect">
             <a:avLst/>
           </a:prstGeom>
-          <a:noFill/>
-          <a:extLst>
-            <a:ext uri="{909E8E84-426E-40DD-AFC4-6F175D3DCCD1}">
-              <a14:hiddenFill xmlns:a14="http://schemas.microsoft.com/office/drawing/2010/main">
-                <a:solidFill>
-                  <a:srgbClr val="FFFFFF"/>
-                </a:solidFill>
-              </a14:hiddenFill>
-            </a:ext>
-          </a:extLst>
         </p:spPr>
       </p:pic>
     </p:spTree>
     <p:extLst>
       <p:ext uri="{BB962C8B-B14F-4D97-AF65-F5344CB8AC3E}">
-        <p14:creationId xmlns:p14="http://schemas.microsoft.com/office/powerpoint/2010/main" val="1184288819"/>
+        <p14:creationId xmlns:p14="http://schemas.microsoft.com/office/powerpoint/2010/main" val="2919388805"/>
       </p:ext>
     </p:extLst>
   </p:cSld>
@@ -42225,6 +42302,15 @@
 </file>
 
 <file path=customXml/item2.xml><?xml version="1.0" encoding="utf-8"?>
+<?mso-contentType ?>
+<FormTemplates xmlns="http://schemas.microsoft.com/sharepoint/v3/contenttype/forms">
+  <Display>DocumentLibraryForm</Display>
+  <Edit>DocumentLibraryForm</Edit>
+  <New>DocumentLibraryForm</New>
+</FormTemplates>
+</file>
+
+<file path=customXml/item3.xml><?xml version="1.0" encoding="utf-8"?>
 <ct:contentTypeSchema xmlns:ct="http://schemas.microsoft.com/office/2006/metadata/contentType" xmlns:ma="http://schemas.microsoft.com/office/2006/metadata/properties/metaAttributes" ct:_="" ma:_="" ma:contentTypeName="Document" ma:contentTypeID="0x010100778A2EBC6E34694C80F43E94FCA993B5" ma:contentTypeVersion="14" ma:contentTypeDescription="Create a new document." ma:contentTypeScope="" ma:versionID="1a7ced39ac191f9ec8deffde533b0c1c">
   <xsd:schema xmlns:xsd="http://www.w3.org/2001/XMLSchema" xmlns:xs="http://www.w3.org/2001/XMLSchema" xmlns:p="http://schemas.microsoft.com/office/2006/metadata/properties" xmlns:ns1="http://schemas.microsoft.com/sharepoint/v3" xmlns:ns2="e4aa919a-b200-49cb-beca-4c7e0810321e" xmlns:ns3="06670dda-0291-4061-b6e0-f6c0cb392c51" targetNamespace="http://schemas.microsoft.com/office/2006/metadata/properties" ma:root="true" ma:fieldsID="bedea8c8816a4e5934c808becd103583" ns1:_="" ns2:_="" ns3:_="">
     <xsd:import namespace="http://schemas.microsoft.com/sharepoint/v3"/>
@@ -42458,15 +42544,6 @@
 </ct:contentTypeSchema>
 </file>
 
-<file path=customXml/item3.xml><?xml version="1.0" encoding="utf-8"?>
-<?mso-contentType ?>
-<FormTemplates xmlns="http://schemas.microsoft.com/sharepoint/v3/contenttype/forms">
-  <Display>DocumentLibraryForm</Display>
-  <Edit>DocumentLibraryForm</Edit>
-  <New>DocumentLibraryForm</New>
-</FormTemplates>
-</file>
-
 <file path=customXml/itemProps1.xml><?xml version="1.0" encoding="utf-8"?>
 <ds:datastoreItem xmlns:ds="http://schemas.openxmlformats.org/officeDocument/2006/customXml" ds:itemID="{F990F116-B58F-4255-B05B-DA3808E0E5C6}">
   <ds:schemaRefs>
@@ -42486,6 +42563,14 @@
 </file>
 
 <file path=customXml/itemProps2.xml><?xml version="1.0" encoding="utf-8"?>
+<ds:datastoreItem xmlns:ds="http://schemas.openxmlformats.org/officeDocument/2006/customXml" ds:itemID="{758FDAC0-319D-4A54-8D8E-1D42CB1F8004}">
+  <ds:schemaRefs>
+    <ds:schemaRef ds:uri="http://schemas.microsoft.com/sharepoint/v3/contenttype/forms"/>
+  </ds:schemaRefs>
+</ds:datastoreItem>
+</file>
+
+<file path=customXml/itemProps3.xml><?xml version="1.0" encoding="utf-8"?>
 <ds:datastoreItem xmlns:ds="http://schemas.openxmlformats.org/officeDocument/2006/customXml" ds:itemID="{0BB3C309-8520-4616-80FC-2CB10D5B83A0}">
   <ds:schemaRefs>
     <ds:schemaRef ds:uri="http://schemas.microsoft.com/office/2006/metadata/contentType"/>
@@ -42503,12 +42588,4 @@
     <ds:schemaRef ds:uri="http://schemas.microsoft.com/internal/obd"/>
   </ds:schemaRefs>
 </ds:datastoreItem>
-</file>
-
-<file path=customXml/itemProps3.xml><?xml version="1.0" encoding="utf-8"?>
-<ds:datastoreItem xmlns:ds="http://schemas.openxmlformats.org/officeDocument/2006/customXml" ds:itemID="{758FDAC0-319D-4A54-8D8E-1D42CB1F8004}">
-  <ds:schemaRefs>
-    <ds:schemaRef ds:uri="http://schemas.microsoft.com/sharepoint/v3/contenttype/forms"/>
-  </ds:schemaRefs>
-</ds:datastoreItem>
 </file>